--- a/content/teaching/virksomhedsstrategi/lektion01-powerpoint.pptx
+++ b/content/teaching/virksomhedsstrategi/lektion01-powerpoint.pptx
@@ -1,6 +1,6 @@
 
 <file path=ppt/presentation.xml><?xml version="1.0" encoding="utf-8"?>
-<p:presentation xmlns:a="http://schemas.openxmlformats.org/drawingml/2006/main" xmlns:p="http://schemas.openxmlformats.org/presentationml/2006/main" xmlns:r="http://schemas.openxmlformats.org/officeDocument/2006/relationships" autoCompressPictures="0" saveSubsetFonts="1">
+<p:presentation xmlns:a="http://schemas.openxmlformats.org/drawingml/2006/main" xmlns:r="http://schemas.openxmlformats.org/officeDocument/2006/relationships" xmlns:p="http://schemas.openxmlformats.org/presentationml/2006/main" saveSubsetFonts="1" autoCompressPictures="0">
   <p:sldMasterIdLst>
     <p:sldMasterId id="2147483648" r:id="rId1"/>
   </p:sldMasterIdLst>
@@ -29,8 +29,8 @@
     <a:defPPr>
       <a:defRPr lang="en-DK"/>
     </a:defPPr>
-    <a:lvl1pPr algn="l" defTabSz="914400" eaLnBrk="1" hangingPunct="1" latinLnBrk="0" marL="0" rtl="0">
-      <a:defRPr kern="1200" sz="1800">
+    <a:lvl1pPr marL="0" algn="l" defTabSz="914400" rtl="0" eaLnBrk="1" latinLnBrk="0" hangingPunct="1">
+      <a:defRPr sz="1800" kern="1200">
         <a:solidFill>
           <a:schemeClr val="tx1"/>
         </a:solidFill>
@@ -39,8 +39,8 @@
         <a:cs typeface="+mn-cs"/>
       </a:defRPr>
     </a:lvl1pPr>
-    <a:lvl2pPr algn="l" defTabSz="914400" eaLnBrk="1" hangingPunct="1" latinLnBrk="0" marL="457200" rtl="0">
-      <a:defRPr kern="1200" sz="1800">
+    <a:lvl2pPr marL="457200" algn="l" defTabSz="914400" rtl="0" eaLnBrk="1" latinLnBrk="0" hangingPunct="1">
+      <a:defRPr sz="1800" kern="1200">
         <a:solidFill>
           <a:schemeClr val="tx1"/>
         </a:solidFill>
@@ -49,8 +49,8 @@
         <a:cs typeface="+mn-cs"/>
       </a:defRPr>
     </a:lvl2pPr>
-    <a:lvl3pPr algn="l" defTabSz="914400" eaLnBrk="1" hangingPunct="1" latinLnBrk="0" marL="914400" rtl="0">
-      <a:defRPr kern="1200" sz="1800">
+    <a:lvl3pPr marL="914400" algn="l" defTabSz="914400" rtl="0" eaLnBrk="1" latinLnBrk="0" hangingPunct="1">
+      <a:defRPr sz="1800" kern="1200">
         <a:solidFill>
           <a:schemeClr val="tx1"/>
         </a:solidFill>
@@ -59,8 +59,8 @@
         <a:cs typeface="+mn-cs"/>
       </a:defRPr>
     </a:lvl3pPr>
-    <a:lvl4pPr algn="l" defTabSz="914400" eaLnBrk="1" hangingPunct="1" latinLnBrk="0" marL="1371600" rtl="0">
-      <a:defRPr kern="1200" sz="1800">
+    <a:lvl4pPr marL="1371600" algn="l" defTabSz="914400" rtl="0" eaLnBrk="1" latinLnBrk="0" hangingPunct="1">
+      <a:defRPr sz="1800" kern="1200">
         <a:solidFill>
           <a:schemeClr val="tx1"/>
         </a:solidFill>
@@ -69,8 +69,8 @@
         <a:cs typeface="+mn-cs"/>
       </a:defRPr>
     </a:lvl4pPr>
-    <a:lvl5pPr algn="l" defTabSz="914400" eaLnBrk="1" hangingPunct="1" latinLnBrk="0" marL="1828800" rtl="0">
-      <a:defRPr kern="1200" sz="1800">
+    <a:lvl5pPr marL="1828800" algn="l" defTabSz="914400" rtl="0" eaLnBrk="1" latinLnBrk="0" hangingPunct="1">
+      <a:defRPr sz="1800" kern="1200">
         <a:solidFill>
           <a:schemeClr val="tx1"/>
         </a:solidFill>
@@ -79,8 +79,8 @@
         <a:cs typeface="+mn-cs"/>
       </a:defRPr>
     </a:lvl5pPr>
-    <a:lvl6pPr algn="l" defTabSz="914400" eaLnBrk="1" hangingPunct="1" latinLnBrk="0" marL="2286000" rtl="0">
-      <a:defRPr kern="1200" sz="1800">
+    <a:lvl6pPr marL="2286000" algn="l" defTabSz="914400" rtl="0" eaLnBrk="1" latinLnBrk="0" hangingPunct="1">
+      <a:defRPr sz="1800" kern="1200">
         <a:solidFill>
           <a:schemeClr val="tx1"/>
         </a:solidFill>
@@ -89,8 +89,8 @@
         <a:cs typeface="+mn-cs"/>
       </a:defRPr>
     </a:lvl6pPr>
-    <a:lvl7pPr algn="l" defTabSz="914400" eaLnBrk="1" hangingPunct="1" latinLnBrk="0" marL="2743200" rtl="0">
-      <a:defRPr kern="1200" sz="1800">
+    <a:lvl7pPr marL="2743200" algn="l" defTabSz="914400" rtl="0" eaLnBrk="1" latinLnBrk="0" hangingPunct="1">
+      <a:defRPr sz="1800" kern="1200">
         <a:solidFill>
           <a:schemeClr val="tx1"/>
         </a:solidFill>
@@ -99,8 +99,8 @@
         <a:cs typeface="+mn-cs"/>
       </a:defRPr>
     </a:lvl7pPr>
-    <a:lvl8pPr algn="l" defTabSz="914400" eaLnBrk="1" hangingPunct="1" latinLnBrk="0" marL="3200400" rtl="0">
-      <a:defRPr kern="1200" sz="1800">
+    <a:lvl8pPr marL="3200400" algn="l" defTabSz="914400" rtl="0" eaLnBrk="1" latinLnBrk="0" hangingPunct="1">
+      <a:defRPr sz="1800" kern="1200">
         <a:solidFill>
           <a:schemeClr val="tx1"/>
         </a:solidFill>
@@ -109,8 +109,8 @@
         <a:cs typeface="+mn-cs"/>
       </a:defRPr>
     </a:lvl8pPr>
-    <a:lvl9pPr algn="l" defTabSz="914400" eaLnBrk="1" hangingPunct="1" latinLnBrk="0" marL="3657600" rtl="0">
-      <a:defRPr kern="1200" sz="1800">
+    <a:lvl9pPr marL="3657600" algn="l" defTabSz="914400" rtl="0" eaLnBrk="1" latinLnBrk="0" hangingPunct="1">
+      <a:defRPr sz="1800" kern="1200">
         <a:solidFill>
           <a:schemeClr val="tx1"/>
         </a:solidFill>
@@ -362,356 +362,6 @@
 </p:sldLayout>
 </file>
 
-<file path=ppt/slideLayouts/slideLayout10.xml><?xml version="1.0" encoding="utf-8"?>
-<p:sldLayout xmlns:a="http://schemas.openxmlformats.org/drawingml/2006/main" xmlns:r="http://schemas.openxmlformats.org/officeDocument/2006/relationships" xmlns:p="http://schemas.openxmlformats.org/presentationml/2006/main" type="vertTx" preserve="1">
-  <p:cSld name="Title and Vertical Text">
-    <p:spTree>
-      <p:nvGrpSpPr>
-        <p:cNvPr id="1" name=""/>
-        <p:cNvGrpSpPr/>
-        <p:nvPr/>
-      </p:nvGrpSpPr>
-      <p:grpSpPr>
-        <a:xfrm>
-          <a:off x="0" y="0"/>
-          <a:ext cx="0" cy="0"/>
-          <a:chOff x="0" y="0"/>
-          <a:chExt cx="0" cy="0"/>
-        </a:xfrm>
-      </p:grpSpPr>
-      <p:sp>
-        <p:nvSpPr>
-          <p:cNvPr id="2" name="Title 1"/>
-          <p:cNvSpPr>
-            <a:spLocks noGrp="1"/>
-          </p:cNvSpPr>
-          <p:nvPr>
-            <p:ph type="title"/>
-          </p:nvPr>
-        </p:nvSpPr>
-        <p:spPr/>
-        <p:txBody>
-          <a:bodyPr/>
-          <a:lstStyle/>
-          <a:p>
-            <a:r>
-              <a:rPr lang="en-US" smtClean="0"/>
-              <a:t>Click to edit Master title style</a:t>
-            </a:r>
-            <a:endParaRPr lang="en-US"/>
-          </a:p>
-        </p:txBody>
-      </p:sp>
-      <p:sp>
-        <p:nvSpPr>
-          <p:cNvPr id="3" name="Vertical Text Placeholder 2"/>
-          <p:cNvSpPr>
-            <a:spLocks noGrp="1"/>
-          </p:cNvSpPr>
-          <p:nvPr>
-            <p:ph type="body" orient="vert" idx="1"/>
-          </p:nvPr>
-        </p:nvSpPr>
-        <p:spPr/>
-        <p:txBody>
-          <a:bodyPr vert="eaVert"/>
-          <a:lstStyle/>
-          <a:p>
-            <a:pPr lvl="0"/>
-            <a:r>
-              <a:rPr lang="en-US" smtClean="0"/>
-              <a:t>Click to edit Master text styles</a:t>
-            </a:r>
-          </a:p>
-          <a:p>
-            <a:pPr lvl="1"/>
-            <a:r>
-              <a:rPr lang="en-US" smtClean="0"/>
-              <a:t>Second level</a:t>
-            </a:r>
-          </a:p>
-          <a:p>
-            <a:pPr lvl="2"/>
-            <a:r>
-              <a:rPr lang="en-US" smtClean="0"/>
-              <a:t>Third level</a:t>
-            </a:r>
-          </a:p>
-          <a:p>
-            <a:pPr lvl="3"/>
-            <a:r>
-              <a:rPr lang="en-US" smtClean="0"/>
-              <a:t>Fourth level</a:t>
-            </a:r>
-          </a:p>
-          <a:p>
-            <a:pPr lvl="4"/>
-            <a:r>
-              <a:rPr lang="en-US" smtClean="0"/>
-              <a:t>Fifth level</a:t>
-            </a:r>
-            <a:endParaRPr lang="en-US"/>
-          </a:p>
-        </p:txBody>
-      </p:sp>
-      <p:sp>
-        <p:nvSpPr>
-          <p:cNvPr id="4" name="Date Placeholder 3"/>
-          <p:cNvSpPr>
-            <a:spLocks noGrp="1"/>
-          </p:cNvSpPr>
-          <p:nvPr>
-            <p:ph type="dt" sz="half" idx="10"/>
-          </p:nvPr>
-        </p:nvSpPr>
-        <p:spPr/>
-        <p:txBody>
-          <a:bodyPr/>
-          <a:lstStyle/>
-          <a:p>
-            <a:fld id="{241EB5C9-1307-BA42-ABA2-0BC069CD8E7F}" type="datetimeFigureOut">
-              <a:rPr lang="en-US" smtClean="0"/>
-              <a:t>4/5/2019</a:t>
-            </a:fld>
-            <a:endParaRPr lang="en-US"/>
-          </a:p>
-        </p:txBody>
-      </p:sp>
-      <p:sp>
-        <p:nvSpPr>
-          <p:cNvPr id="5" name="Footer Placeholder 4"/>
-          <p:cNvSpPr>
-            <a:spLocks noGrp="1"/>
-          </p:cNvSpPr>
-          <p:nvPr>
-            <p:ph type="ftr" sz="quarter" idx="11"/>
-          </p:nvPr>
-        </p:nvSpPr>
-        <p:spPr/>
-        <p:txBody>
-          <a:bodyPr/>
-          <a:lstStyle/>
-          <a:p>
-            <a:endParaRPr lang="en-US"/>
-          </a:p>
-        </p:txBody>
-      </p:sp>
-      <p:sp>
-        <p:nvSpPr>
-          <p:cNvPr id="6" name="Slide Number Placeholder 5"/>
-          <p:cNvSpPr>
-            <a:spLocks noGrp="1"/>
-          </p:cNvSpPr>
-          <p:nvPr>
-            <p:ph type="sldNum" sz="quarter" idx="12"/>
-          </p:nvPr>
-        </p:nvSpPr>
-        <p:spPr/>
-        <p:txBody>
-          <a:bodyPr/>
-          <a:lstStyle/>
-          <a:p>
-            <a:fld id="{C5EF2332-01BF-834F-8236-50238282D533}" type="slidenum">
-              <a:rPr lang="en-US" smtClean="0"/>
-              <a:t>‹#›</a:t>
-            </a:fld>
-            <a:endParaRPr lang="en-US"/>
-          </a:p>
-        </p:txBody>
-      </p:sp>
-    </p:spTree>
-    <p:extLst>
-      <p:ext uri="{BB962C8B-B14F-4D97-AF65-F5344CB8AC3E}">
-        <p14:creationId xmlns:p14="http://schemas.microsoft.com/office/powerpoint/2010/main" val="313914798"/>
-      </p:ext>
-    </p:extLst>
-  </p:cSld>
-  <p:clrMapOvr>
-    <a:masterClrMapping/>
-  </p:clrMapOvr>
-</p:sldLayout>
-</file>
-
-<file path=ppt/slideLayouts/slideLayout11.xml><?xml version="1.0" encoding="utf-8"?>
-<p:sldLayout xmlns:a="http://schemas.openxmlformats.org/drawingml/2006/main" xmlns:r="http://schemas.openxmlformats.org/officeDocument/2006/relationships" xmlns:p="http://schemas.openxmlformats.org/presentationml/2006/main" type="vertTitleAndTx" preserve="1">
-  <p:cSld name="Vertical Title and Text">
-    <p:spTree>
-      <p:nvGrpSpPr>
-        <p:cNvPr id="1" name=""/>
-        <p:cNvGrpSpPr/>
-        <p:nvPr/>
-      </p:nvGrpSpPr>
-      <p:grpSpPr>
-        <a:xfrm>
-          <a:off x="0" y="0"/>
-          <a:ext cx="0" cy="0"/>
-          <a:chOff x="0" y="0"/>
-          <a:chExt cx="0" cy="0"/>
-        </a:xfrm>
-      </p:grpSpPr>
-      <p:sp>
-        <p:nvSpPr>
-          <p:cNvPr id="2" name="Vertical Title 1"/>
-          <p:cNvSpPr>
-            <a:spLocks noGrp="1"/>
-          </p:cNvSpPr>
-          <p:nvPr>
-            <p:ph type="title" orient="vert"/>
-          </p:nvPr>
-        </p:nvSpPr>
-        <p:spPr>
-          <a:xfrm>
-            <a:off x="6629400" y="274638"/>
-            <a:ext cx="2057400" cy="5851525"/>
-          </a:xfrm>
-        </p:spPr>
-        <p:txBody>
-          <a:bodyPr vert="eaVert"/>
-          <a:lstStyle/>
-          <a:p>
-            <a:r>
-              <a:rPr lang="en-US" smtClean="0"/>
-              <a:t>Click to edit Master title style</a:t>
-            </a:r>
-            <a:endParaRPr lang="en-US"/>
-          </a:p>
-        </p:txBody>
-      </p:sp>
-      <p:sp>
-        <p:nvSpPr>
-          <p:cNvPr id="3" name="Vertical Text Placeholder 2"/>
-          <p:cNvSpPr>
-            <a:spLocks noGrp="1"/>
-          </p:cNvSpPr>
-          <p:nvPr>
-            <p:ph type="body" orient="vert" idx="1"/>
-          </p:nvPr>
-        </p:nvSpPr>
-        <p:spPr>
-          <a:xfrm>
-            <a:off x="457200" y="274638"/>
-            <a:ext cx="6019800" cy="5851525"/>
-          </a:xfrm>
-        </p:spPr>
-        <p:txBody>
-          <a:bodyPr vert="eaVert"/>
-          <a:lstStyle/>
-          <a:p>
-            <a:pPr lvl="0"/>
-            <a:r>
-              <a:rPr lang="en-US" smtClean="0"/>
-              <a:t>Click to edit Master text styles</a:t>
-            </a:r>
-          </a:p>
-          <a:p>
-            <a:pPr lvl="1"/>
-            <a:r>
-              <a:rPr lang="en-US" smtClean="0"/>
-              <a:t>Second level</a:t>
-            </a:r>
-          </a:p>
-          <a:p>
-            <a:pPr lvl="2"/>
-            <a:r>
-              <a:rPr lang="en-US" smtClean="0"/>
-              <a:t>Third level</a:t>
-            </a:r>
-          </a:p>
-          <a:p>
-            <a:pPr lvl="3"/>
-            <a:r>
-              <a:rPr lang="en-US" smtClean="0"/>
-              <a:t>Fourth level</a:t>
-            </a:r>
-          </a:p>
-          <a:p>
-            <a:pPr lvl="4"/>
-            <a:r>
-              <a:rPr lang="en-US" smtClean="0"/>
-              <a:t>Fifth level</a:t>
-            </a:r>
-            <a:endParaRPr lang="en-US"/>
-          </a:p>
-        </p:txBody>
-      </p:sp>
-      <p:sp>
-        <p:nvSpPr>
-          <p:cNvPr id="4" name="Date Placeholder 3"/>
-          <p:cNvSpPr>
-            <a:spLocks noGrp="1"/>
-          </p:cNvSpPr>
-          <p:nvPr>
-            <p:ph type="dt" sz="half" idx="10"/>
-          </p:nvPr>
-        </p:nvSpPr>
-        <p:spPr/>
-        <p:txBody>
-          <a:bodyPr/>
-          <a:lstStyle/>
-          <a:p>
-            <a:fld id="{241EB5C9-1307-BA42-ABA2-0BC069CD8E7F}" type="datetimeFigureOut">
-              <a:rPr lang="en-US" smtClean="0"/>
-              <a:t>4/5/2019</a:t>
-            </a:fld>
-            <a:endParaRPr lang="en-US"/>
-          </a:p>
-        </p:txBody>
-      </p:sp>
-      <p:sp>
-        <p:nvSpPr>
-          <p:cNvPr id="5" name="Footer Placeholder 4"/>
-          <p:cNvSpPr>
-            <a:spLocks noGrp="1"/>
-          </p:cNvSpPr>
-          <p:nvPr>
-            <p:ph type="ftr" sz="quarter" idx="11"/>
-          </p:nvPr>
-        </p:nvSpPr>
-        <p:spPr/>
-        <p:txBody>
-          <a:bodyPr/>
-          <a:lstStyle/>
-          <a:p>
-            <a:endParaRPr lang="en-US"/>
-          </a:p>
-        </p:txBody>
-      </p:sp>
-      <p:sp>
-        <p:nvSpPr>
-          <p:cNvPr id="6" name="Slide Number Placeholder 5"/>
-          <p:cNvSpPr>
-            <a:spLocks noGrp="1"/>
-          </p:cNvSpPr>
-          <p:nvPr>
-            <p:ph type="sldNum" sz="quarter" idx="12"/>
-          </p:nvPr>
-        </p:nvSpPr>
-        <p:spPr/>
-        <p:txBody>
-          <a:bodyPr/>
-          <a:lstStyle/>
-          <a:p>
-            <a:fld id="{C5EF2332-01BF-834F-8236-50238282D533}" type="slidenum">
-              <a:rPr lang="en-US" smtClean="0"/>
-              <a:t>‹#›</a:t>
-            </a:fld>
-            <a:endParaRPr lang="en-US"/>
-          </a:p>
-        </p:txBody>
-      </p:sp>
-    </p:spTree>
-    <p:extLst>
-      <p:ext uri="{BB962C8B-B14F-4D97-AF65-F5344CB8AC3E}">
-        <p14:creationId xmlns:p14="http://schemas.microsoft.com/office/powerpoint/2010/main" val="2581529045"/>
-      </p:ext>
-    </p:extLst>
-  </p:cSld>
-  <p:clrMapOvr>
-    <a:masterClrMapping/>
-  </p:clrMapOvr>
-</p:sldLayout>
-</file>
-
 <file path=ppt/slideLayouts/slideLayout2.xml><?xml version="1.0" encoding="utf-8"?>
 <p:sldLayout xmlns:a="http://schemas.openxmlformats.org/drawingml/2006/main" xmlns:r="http://schemas.openxmlformats.org/officeDocument/2006/relationships" xmlns:p="http://schemas.openxmlformats.org/presentationml/2006/main" type="obj" preserve="1">
   <p:cSld name="Title and Content">
@@ -1100,7 +750,7 @@
           <a:p>
             <a:fld id="{72351DB6-F528-9744-B6FA-416287369DEB}" type="datetimeFigureOut">
               <a:rPr lang="en-DK" smtClean="0"/>
-              <a:t>08/02/2022</a:t>
+              <a:t>14/02/2022</a:t>
             </a:fld>
             <a:endParaRPr lang="en-DK"/>
           </a:p>
@@ -1526,1171 +1176,6 @@
     <p:extLst>
       <p:ext uri="{BB962C8B-B14F-4D97-AF65-F5344CB8AC3E}">
         <p14:creationId xmlns:p14="http://schemas.microsoft.com/office/powerpoint/2010/main" val="2378021729"/>
-      </p:ext>
-    </p:extLst>
-  </p:cSld>
-  <p:clrMapOvr>
-    <a:masterClrMapping/>
-  </p:clrMapOvr>
-</p:sldLayout>
-</file>
-
-<file path=ppt/slideLayouts/slideLayout5.xml><?xml version="1.0" encoding="utf-8"?>
-<p:sldLayout xmlns:a="http://schemas.openxmlformats.org/drawingml/2006/main" xmlns:r="http://schemas.openxmlformats.org/officeDocument/2006/relationships" xmlns:p="http://schemas.openxmlformats.org/presentationml/2006/main" type="twoTxTwoObj" preserve="1">
-  <p:cSld name="Comparison">
-    <p:spTree>
-      <p:nvGrpSpPr>
-        <p:cNvPr id="1" name=""/>
-        <p:cNvGrpSpPr/>
-        <p:nvPr/>
-      </p:nvGrpSpPr>
-      <p:grpSpPr>
-        <a:xfrm>
-          <a:off x="0" y="0"/>
-          <a:ext cx="0" cy="0"/>
-          <a:chOff x="0" y="0"/>
-          <a:chExt cx="0" cy="0"/>
-        </a:xfrm>
-      </p:grpSpPr>
-      <p:sp>
-        <p:nvSpPr>
-          <p:cNvPr id="2" name="Title 1"/>
-          <p:cNvSpPr>
-            <a:spLocks noGrp="1"/>
-          </p:cNvSpPr>
-          <p:nvPr>
-            <p:ph type="title"/>
-          </p:nvPr>
-        </p:nvSpPr>
-        <p:spPr/>
-        <p:txBody>
-          <a:bodyPr/>
-          <a:lstStyle>
-            <a:lvl1pPr>
-              <a:defRPr/>
-            </a:lvl1pPr>
-          </a:lstStyle>
-          <a:p>
-            <a:r>
-              <a:rPr lang="en-US" smtClean="0"/>
-              <a:t>Click to edit Master title style</a:t>
-            </a:r>
-            <a:endParaRPr lang="en-US"/>
-          </a:p>
-        </p:txBody>
-      </p:sp>
-      <p:sp>
-        <p:nvSpPr>
-          <p:cNvPr id="3" name="Text Placeholder 2"/>
-          <p:cNvSpPr>
-            <a:spLocks noGrp="1"/>
-          </p:cNvSpPr>
-          <p:nvPr>
-            <p:ph type="body" idx="1"/>
-          </p:nvPr>
-        </p:nvSpPr>
-        <p:spPr>
-          <a:xfrm>
-            <a:off x="457200" y="1535113"/>
-            <a:ext cx="4040188" cy="639762"/>
-          </a:xfrm>
-        </p:spPr>
-        <p:txBody>
-          <a:bodyPr anchor="b"/>
-          <a:lstStyle>
-            <a:lvl1pPr marL="0" indent="0">
-              <a:buNone/>
-              <a:defRPr sz="2400" b="1"/>
-            </a:lvl1pPr>
-            <a:lvl2pPr marL="457200" indent="0">
-              <a:buNone/>
-              <a:defRPr sz="2000" b="1"/>
-            </a:lvl2pPr>
-            <a:lvl3pPr marL="914400" indent="0">
-              <a:buNone/>
-              <a:defRPr sz="1800" b="1"/>
-            </a:lvl3pPr>
-            <a:lvl4pPr marL="1371600" indent="0">
-              <a:buNone/>
-              <a:defRPr sz="1600" b="1"/>
-            </a:lvl4pPr>
-            <a:lvl5pPr marL="1828800" indent="0">
-              <a:buNone/>
-              <a:defRPr sz="1600" b="1"/>
-            </a:lvl5pPr>
-            <a:lvl6pPr marL="2286000" indent="0">
-              <a:buNone/>
-              <a:defRPr sz="1600" b="1"/>
-            </a:lvl6pPr>
-            <a:lvl7pPr marL="2743200" indent="0">
-              <a:buNone/>
-              <a:defRPr sz="1600" b="1"/>
-            </a:lvl7pPr>
-            <a:lvl8pPr marL="3200400" indent="0">
-              <a:buNone/>
-              <a:defRPr sz="1600" b="1"/>
-            </a:lvl8pPr>
-            <a:lvl9pPr marL="3657600" indent="0">
-              <a:buNone/>
-              <a:defRPr sz="1600" b="1"/>
-            </a:lvl9pPr>
-          </a:lstStyle>
-          <a:p>
-            <a:pPr lvl="0"/>
-            <a:r>
-              <a:rPr lang="en-US" smtClean="0"/>
-              <a:t>Click to edit Master text styles</a:t>
-            </a:r>
-          </a:p>
-        </p:txBody>
-      </p:sp>
-      <p:sp>
-        <p:nvSpPr>
-          <p:cNvPr id="4" name="Content Placeholder 3"/>
-          <p:cNvSpPr>
-            <a:spLocks noGrp="1"/>
-          </p:cNvSpPr>
-          <p:nvPr>
-            <p:ph sz="half" idx="2"/>
-          </p:nvPr>
-        </p:nvSpPr>
-        <p:spPr>
-          <a:xfrm>
-            <a:off x="457200" y="2174875"/>
-            <a:ext cx="4040188" cy="3951288"/>
-          </a:xfrm>
-        </p:spPr>
-        <p:txBody>
-          <a:bodyPr/>
-          <a:lstStyle>
-            <a:lvl1pPr>
-              <a:defRPr sz="2400"/>
-            </a:lvl1pPr>
-            <a:lvl2pPr>
-              <a:defRPr sz="2000"/>
-            </a:lvl2pPr>
-            <a:lvl3pPr>
-              <a:defRPr sz="1800"/>
-            </a:lvl3pPr>
-            <a:lvl4pPr>
-              <a:defRPr sz="1600"/>
-            </a:lvl4pPr>
-            <a:lvl5pPr>
-              <a:defRPr sz="1600"/>
-            </a:lvl5pPr>
-            <a:lvl6pPr>
-              <a:defRPr sz="1600"/>
-            </a:lvl6pPr>
-            <a:lvl7pPr>
-              <a:defRPr sz="1600"/>
-            </a:lvl7pPr>
-            <a:lvl8pPr>
-              <a:defRPr sz="1600"/>
-            </a:lvl8pPr>
-            <a:lvl9pPr>
-              <a:defRPr sz="1600"/>
-            </a:lvl9pPr>
-          </a:lstStyle>
-          <a:p>
-            <a:pPr lvl="0"/>
-            <a:r>
-              <a:rPr lang="en-US" smtClean="0"/>
-              <a:t>Click to edit Master text styles</a:t>
-            </a:r>
-          </a:p>
-          <a:p>
-            <a:pPr lvl="1"/>
-            <a:r>
-              <a:rPr lang="en-US" smtClean="0"/>
-              <a:t>Second level</a:t>
-            </a:r>
-          </a:p>
-          <a:p>
-            <a:pPr lvl="2"/>
-            <a:r>
-              <a:rPr lang="en-US" smtClean="0"/>
-              <a:t>Third level</a:t>
-            </a:r>
-          </a:p>
-          <a:p>
-            <a:pPr lvl="3"/>
-            <a:r>
-              <a:rPr lang="en-US" smtClean="0"/>
-              <a:t>Fourth level</a:t>
-            </a:r>
-          </a:p>
-          <a:p>
-            <a:pPr lvl="4"/>
-            <a:r>
-              <a:rPr lang="en-US" smtClean="0"/>
-              <a:t>Fifth level</a:t>
-            </a:r>
-            <a:endParaRPr lang="en-US"/>
-          </a:p>
-        </p:txBody>
-      </p:sp>
-      <p:sp>
-        <p:nvSpPr>
-          <p:cNvPr id="5" name="Text Placeholder 4"/>
-          <p:cNvSpPr>
-            <a:spLocks noGrp="1"/>
-          </p:cNvSpPr>
-          <p:nvPr>
-            <p:ph type="body" sz="quarter" idx="3"/>
-          </p:nvPr>
-        </p:nvSpPr>
-        <p:spPr>
-          <a:xfrm>
-            <a:off x="4645025" y="1535113"/>
-            <a:ext cx="4041775" cy="639762"/>
-          </a:xfrm>
-        </p:spPr>
-        <p:txBody>
-          <a:bodyPr anchor="b"/>
-          <a:lstStyle>
-            <a:lvl1pPr marL="0" indent="0">
-              <a:buNone/>
-              <a:defRPr sz="2400" b="1"/>
-            </a:lvl1pPr>
-            <a:lvl2pPr marL="457200" indent="0">
-              <a:buNone/>
-              <a:defRPr sz="2000" b="1"/>
-            </a:lvl2pPr>
-            <a:lvl3pPr marL="914400" indent="0">
-              <a:buNone/>
-              <a:defRPr sz="1800" b="1"/>
-            </a:lvl3pPr>
-            <a:lvl4pPr marL="1371600" indent="0">
-              <a:buNone/>
-              <a:defRPr sz="1600" b="1"/>
-            </a:lvl4pPr>
-            <a:lvl5pPr marL="1828800" indent="0">
-              <a:buNone/>
-              <a:defRPr sz="1600" b="1"/>
-            </a:lvl5pPr>
-            <a:lvl6pPr marL="2286000" indent="0">
-              <a:buNone/>
-              <a:defRPr sz="1600" b="1"/>
-            </a:lvl6pPr>
-            <a:lvl7pPr marL="2743200" indent="0">
-              <a:buNone/>
-              <a:defRPr sz="1600" b="1"/>
-            </a:lvl7pPr>
-            <a:lvl8pPr marL="3200400" indent="0">
-              <a:buNone/>
-              <a:defRPr sz="1600" b="1"/>
-            </a:lvl8pPr>
-            <a:lvl9pPr marL="3657600" indent="0">
-              <a:buNone/>
-              <a:defRPr sz="1600" b="1"/>
-            </a:lvl9pPr>
-          </a:lstStyle>
-          <a:p>
-            <a:pPr lvl="0"/>
-            <a:r>
-              <a:rPr lang="en-US" smtClean="0"/>
-              <a:t>Click to edit Master text styles</a:t>
-            </a:r>
-          </a:p>
-        </p:txBody>
-      </p:sp>
-      <p:sp>
-        <p:nvSpPr>
-          <p:cNvPr id="6" name="Content Placeholder 5"/>
-          <p:cNvSpPr>
-            <a:spLocks noGrp="1"/>
-          </p:cNvSpPr>
-          <p:nvPr>
-            <p:ph sz="quarter" idx="4"/>
-          </p:nvPr>
-        </p:nvSpPr>
-        <p:spPr>
-          <a:xfrm>
-            <a:off x="4645025" y="2174875"/>
-            <a:ext cx="4041775" cy="3951288"/>
-          </a:xfrm>
-        </p:spPr>
-        <p:txBody>
-          <a:bodyPr/>
-          <a:lstStyle>
-            <a:lvl1pPr>
-              <a:defRPr sz="2400"/>
-            </a:lvl1pPr>
-            <a:lvl2pPr>
-              <a:defRPr sz="2000"/>
-            </a:lvl2pPr>
-            <a:lvl3pPr>
-              <a:defRPr sz="1800"/>
-            </a:lvl3pPr>
-            <a:lvl4pPr>
-              <a:defRPr sz="1600"/>
-            </a:lvl4pPr>
-            <a:lvl5pPr>
-              <a:defRPr sz="1600"/>
-            </a:lvl5pPr>
-            <a:lvl6pPr>
-              <a:defRPr sz="1600"/>
-            </a:lvl6pPr>
-            <a:lvl7pPr>
-              <a:defRPr sz="1600"/>
-            </a:lvl7pPr>
-            <a:lvl8pPr>
-              <a:defRPr sz="1600"/>
-            </a:lvl8pPr>
-            <a:lvl9pPr>
-              <a:defRPr sz="1600"/>
-            </a:lvl9pPr>
-          </a:lstStyle>
-          <a:p>
-            <a:pPr lvl="0"/>
-            <a:r>
-              <a:rPr lang="en-US" smtClean="0"/>
-              <a:t>Click to edit Master text styles</a:t>
-            </a:r>
-          </a:p>
-          <a:p>
-            <a:pPr lvl="1"/>
-            <a:r>
-              <a:rPr lang="en-US" smtClean="0"/>
-              <a:t>Second level</a:t>
-            </a:r>
-          </a:p>
-          <a:p>
-            <a:pPr lvl="2"/>
-            <a:r>
-              <a:rPr lang="en-US" smtClean="0"/>
-              <a:t>Third level</a:t>
-            </a:r>
-          </a:p>
-          <a:p>
-            <a:pPr lvl="3"/>
-            <a:r>
-              <a:rPr lang="en-US" smtClean="0"/>
-              <a:t>Fourth level</a:t>
-            </a:r>
-          </a:p>
-          <a:p>
-            <a:pPr lvl="4"/>
-            <a:r>
-              <a:rPr lang="en-US" smtClean="0"/>
-              <a:t>Fifth level</a:t>
-            </a:r>
-            <a:endParaRPr lang="en-US"/>
-          </a:p>
-        </p:txBody>
-      </p:sp>
-      <p:sp>
-        <p:nvSpPr>
-          <p:cNvPr id="7" name="Date Placeholder 6"/>
-          <p:cNvSpPr>
-            <a:spLocks noGrp="1"/>
-          </p:cNvSpPr>
-          <p:nvPr>
-            <p:ph type="dt" sz="half" idx="10"/>
-          </p:nvPr>
-        </p:nvSpPr>
-        <p:spPr/>
-        <p:txBody>
-          <a:bodyPr/>
-          <a:lstStyle/>
-          <a:p>
-            <a:fld id="{241EB5C9-1307-BA42-ABA2-0BC069CD8E7F}" type="datetimeFigureOut">
-              <a:rPr lang="en-US" smtClean="0"/>
-              <a:t>4/5/2019</a:t>
-            </a:fld>
-            <a:endParaRPr lang="en-US"/>
-          </a:p>
-        </p:txBody>
-      </p:sp>
-      <p:sp>
-        <p:nvSpPr>
-          <p:cNvPr id="8" name="Footer Placeholder 7"/>
-          <p:cNvSpPr>
-            <a:spLocks noGrp="1"/>
-          </p:cNvSpPr>
-          <p:nvPr>
-            <p:ph type="ftr" sz="quarter" idx="11"/>
-          </p:nvPr>
-        </p:nvSpPr>
-        <p:spPr/>
-        <p:txBody>
-          <a:bodyPr/>
-          <a:lstStyle/>
-          <a:p>
-            <a:endParaRPr lang="en-US"/>
-          </a:p>
-        </p:txBody>
-      </p:sp>
-      <p:sp>
-        <p:nvSpPr>
-          <p:cNvPr id="9" name="Slide Number Placeholder 8"/>
-          <p:cNvSpPr>
-            <a:spLocks noGrp="1"/>
-          </p:cNvSpPr>
-          <p:nvPr>
-            <p:ph type="sldNum" sz="quarter" idx="12"/>
-          </p:nvPr>
-        </p:nvSpPr>
-        <p:spPr/>
-        <p:txBody>
-          <a:bodyPr/>
-          <a:lstStyle/>
-          <a:p>
-            <a:fld id="{C5EF2332-01BF-834F-8236-50238282D533}" type="slidenum">
-              <a:rPr lang="en-US" smtClean="0"/>
-              <a:t>‹#›</a:t>
-            </a:fld>
-            <a:endParaRPr lang="en-US"/>
-          </a:p>
-        </p:txBody>
-      </p:sp>
-    </p:spTree>
-    <p:extLst>
-      <p:ext uri="{BB962C8B-B14F-4D97-AF65-F5344CB8AC3E}">
-        <p14:creationId xmlns:p14="http://schemas.microsoft.com/office/powerpoint/2010/main" val="2535793967"/>
-      </p:ext>
-    </p:extLst>
-  </p:cSld>
-  <p:clrMapOvr>
-    <a:masterClrMapping/>
-  </p:clrMapOvr>
-</p:sldLayout>
-</file>
-
-<file path=ppt/slideLayouts/slideLayout6.xml><?xml version="1.0" encoding="utf-8"?>
-<p:sldLayout xmlns:a="http://schemas.openxmlformats.org/drawingml/2006/main" xmlns:r="http://schemas.openxmlformats.org/officeDocument/2006/relationships" xmlns:p="http://schemas.openxmlformats.org/presentationml/2006/main" type="titleOnly" preserve="1">
-  <p:cSld name="Title Only">
-    <p:spTree>
-      <p:nvGrpSpPr>
-        <p:cNvPr id="1" name=""/>
-        <p:cNvGrpSpPr/>
-        <p:nvPr/>
-      </p:nvGrpSpPr>
-      <p:grpSpPr>
-        <a:xfrm>
-          <a:off x="0" y="0"/>
-          <a:ext cx="0" cy="0"/>
-          <a:chOff x="0" y="0"/>
-          <a:chExt cx="0" cy="0"/>
-        </a:xfrm>
-      </p:grpSpPr>
-      <p:sp>
-        <p:nvSpPr>
-          <p:cNvPr id="2" name="Title 1"/>
-          <p:cNvSpPr>
-            <a:spLocks noGrp="1"/>
-          </p:cNvSpPr>
-          <p:nvPr>
-            <p:ph type="title"/>
-          </p:nvPr>
-        </p:nvSpPr>
-        <p:spPr/>
-        <p:txBody>
-          <a:bodyPr/>
-          <a:lstStyle/>
-          <a:p>
-            <a:r>
-              <a:rPr lang="en-US" smtClean="0"/>
-              <a:t>Click to edit Master title style</a:t>
-            </a:r>
-            <a:endParaRPr lang="en-US"/>
-          </a:p>
-        </p:txBody>
-      </p:sp>
-      <p:sp>
-        <p:nvSpPr>
-          <p:cNvPr id="3" name="Date Placeholder 2"/>
-          <p:cNvSpPr>
-            <a:spLocks noGrp="1"/>
-          </p:cNvSpPr>
-          <p:nvPr>
-            <p:ph type="dt" sz="half" idx="10"/>
-          </p:nvPr>
-        </p:nvSpPr>
-        <p:spPr/>
-        <p:txBody>
-          <a:bodyPr/>
-          <a:lstStyle/>
-          <a:p>
-            <a:fld id="{241EB5C9-1307-BA42-ABA2-0BC069CD8E7F}" type="datetimeFigureOut">
-              <a:rPr lang="en-US" smtClean="0"/>
-              <a:t>4/5/2019</a:t>
-            </a:fld>
-            <a:endParaRPr lang="en-US"/>
-          </a:p>
-        </p:txBody>
-      </p:sp>
-      <p:sp>
-        <p:nvSpPr>
-          <p:cNvPr id="4" name="Footer Placeholder 3"/>
-          <p:cNvSpPr>
-            <a:spLocks noGrp="1"/>
-          </p:cNvSpPr>
-          <p:nvPr>
-            <p:ph type="ftr" sz="quarter" idx="11"/>
-          </p:nvPr>
-        </p:nvSpPr>
-        <p:spPr/>
-        <p:txBody>
-          <a:bodyPr/>
-          <a:lstStyle/>
-          <a:p>
-            <a:endParaRPr lang="en-US"/>
-          </a:p>
-        </p:txBody>
-      </p:sp>
-      <p:sp>
-        <p:nvSpPr>
-          <p:cNvPr id="5" name="Slide Number Placeholder 4"/>
-          <p:cNvSpPr>
-            <a:spLocks noGrp="1"/>
-          </p:cNvSpPr>
-          <p:nvPr>
-            <p:ph type="sldNum" sz="quarter" idx="12"/>
-          </p:nvPr>
-        </p:nvSpPr>
-        <p:spPr/>
-        <p:txBody>
-          <a:bodyPr/>
-          <a:lstStyle/>
-          <a:p>
-            <a:fld id="{C5EF2332-01BF-834F-8236-50238282D533}" type="slidenum">
-              <a:rPr lang="en-US" smtClean="0"/>
-              <a:t>‹#›</a:t>
-            </a:fld>
-            <a:endParaRPr lang="en-US"/>
-          </a:p>
-        </p:txBody>
-      </p:sp>
-    </p:spTree>
-    <p:extLst>
-      <p:ext uri="{BB962C8B-B14F-4D97-AF65-F5344CB8AC3E}">
-        <p14:creationId xmlns:p14="http://schemas.microsoft.com/office/powerpoint/2010/main" val="3472721253"/>
-      </p:ext>
-    </p:extLst>
-  </p:cSld>
-  <p:clrMapOvr>
-    <a:masterClrMapping/>
-  </p:clrMapOvr>
-</p:sldLayout>
-</file>
-
-<file path=ppt/slideLayouts/slideLayout7.xml><?xml version="1.0" encoding="utf-8"?>
-<p:sldLayout xmlns:a="http://schemas.openxmlformats.org/drawingml/2006/main" xmlns:r="http://schemas.openxmlformats.org/officeDocument/2006/relationships" xmlns:p="http://schemas.openxmlformats.org/presentationml/2006/main" type="blank" preserve="1">
-  <p:cSld name="Blank">
-    <p:spTree>
-      <p:nvGrpSpPr>
-        <p:cNvPr id="1" name=""/>
-        <p:cNvGrpSpPr/>
-        <p:nvPr/>
-      </p:nvGrpSpPr>
-      <p:grpSpPr>
-        <a:xfrm>
-          <a:off x="0" y="0"/>
-          <a:ext cx="0" cy="0"/>
-          <a:chOff x="0" y="0"/>
-          <a:chExt cx="0" cy="0"/>
-        </a:xfrm>
-      </p:grpSpPr>
-      <p:sp>
-        <p:nvSpPr>
-          <p:cNvPr id="2" name="Date Placeholder 1"/>
-          <p:cNvSpPr>
-            <a:spLocks noGrp="1"/>
-          </p:cNvSpPr>
-          <p:nvPr>
-            <p:ph type="dt" sz="half" idx="10"/>
-          </p:nvPr>
-        </p:nvSpPr>
-        <p:spPr/>
-        <p:txBody>
-          <a:bodyPr/>
-          <a:lstStyle/>
-          <a:p>
-            <a:fld id="{241EB5C9-1307-BA42-ABA2-0BC069CD8E7F}" type="datetimeFigureOut">
-              <a:rPr lang="en-US" smtClean="0"/>
-              <a:t>4/5/2019</a:t>
-            </a:fld>
-            <a:endParaRPr lang="en-US"/>
-          </a:p>
-        </p:txBody>
-      </p:sp>
-      <p:sp>
-        <p:nvSpPr>
-          <p:cNvPr id="3" name="Footer Placeholder 2"/>
-          <p:cNvSpPr>
-            <a:spLocks noGrp="1"/>
-          </p:cNvSpPr>
-          <p:nvPr>
-            <p:ph type="ftr" sz="quarter" idx="11"/>
-          </p:nvPr>
-        </p:nvSpPr>
-        <p:spPr/>
-        <p:txBody>
-          <a:bodyPr/>
-          <a:lstStyle/>
-          <a:p>
-            <a:endParaRPr lang="en-US"/>
-          </a:p>
-        </p:txBody>
-      </p:sp>
-      <p:sp>
-        <p:nvSpPr>
-          <p:cNvPr id="4" name="Slide Number Placeholder 3"/>
-          <p:cNvSpPr>
-            <a:spLocks noGrp="1"/>
-          </p:cNvSpPr>
-          <p:nvPr>
-            <p:ph type="sldNum" sz="quarter" idx="12"/>
-          </p:nvPr>
-        </p:nvSpPr>
-        <p:spPr/>
-        <p:txBody>
-          <a:bodyPr/>
-          <a:lstStyle/>
-          <a:p>
-            <a:fld id="{C5EF2332-01BF-834F-8236-50238282D533}" type="slidenum">
-              <a:rPr lang="en-US" smtClean="0"/>
-              <a:t>‹#›</a:t>
-            </a:fld>
-            <a:endParaRPr lang="en-US"/>
-          </a:p>
-        </p:txBody>
-      </p:sp>
-    </p:spTree>
-    <p:extLst>
-      <p:ext uri="{BB962C8B-B14F-4D97-AF65-F5344CB8AC3E}">
-        <p14:creationId xmlns:p14="http://schemas.microsoft.com/office/powerpoint/2010/main" val="2130901097"/>
-      </p:ext>
-    </p:extLst>
-  </p:cSld>
-  <p:clrMapOvr>
-    <a:masterClrMapping/>
-  </p:clrMapOvr>
-</p:sldLayout>
-</file>
-
-<file path=ppt/slideLayouts/slideLayout8.xml><?xml version="1.0" encoding="utf-8"?>
-<p:sldLayout xmlns:a="http://schemas.openxmlformats.org/drawingml/2006/main" xmlns:r="http://schemas.openxmlformats.org/officeDocument/2006/relationships" xmlns:p="http://schemas.openxmlformats.org/presentationml/2006/main" type="objTx" preserve="1">
-  <p:cSld name="Content with Caption">
-    <p:spTree>
-      <p:nvGrpSpPr>
-        <p:cNvPr id="1" name=""/>
-        <p:cNvGrpSpPr/>
-        <p:nvPr/>
-      </p:nvGrpSpPr>
-      <p:grpSpPr>
-        <a:xfrm>
-          <a:off x="0" y="0"/>
-          <a:ext cx="0" cy="0"/>
-          <a:chOff x="0" y="0"/>
-          <a:chExt cx="0" cy="0"/>
-        </a:xfrm>
-      </p:grpSpPr>
-      <p:sp>
-        <p:nvSpPr>
-          <p:cNvPr id="2" name="Title 1"/>
-          <p:cNvSpPr>
-            <a:spLocks noGrp="1"/>
-          </p:cNvSpPr>
-          <p:nvPr>
-            <p:ph type="title"/>
-          </p:nvPr>
-        </p:nvSpPr>
-        <p:spPr>
-          <a:xfrm>
-            <a:off x="457200" y="273050"/>
-            <a:ext cx="3008313" cy="1162050"/>
-          </a:xfrm>
-        </p:spPr>
-        <p:txBody>
-          <a:bodyPr anchor="b"/>
-          <a:lstStyle>
-            <a:lvl1pPr algn="l">
-              <a:defRPr sz="2000" b="1"/>
-            </a:lvl1pPr>
-          </a:lstStyle>
-          <a:p>
-            <a:r>
-              <a:rPr lang="en-US" smtClean="0"/>
-              <a:t>Click to edit Master title style</a:t>
-            </a:r>
-            <a:endParaRPr lang="en-US"/>
-          </a:p>
-        </p:txBody>
-      </p:sp>
-      <p:sp>
-        <p:nvSpPr>
-          <p:cNvPr id="3" name="Content Placeholder 2"/>
-          <p:cNvSpPr>
-            <a:spLocks noGrp="1"/>
-          </p:cNvSpPr>
-          <p:nvPr>
-            <p:ph idx="1"/>
-          </p:nvPr>
-        </p:nvSpPr>
-        <p:spPr>
-          <a:xfrm>
-            <a:off x="3575050" y="273050"/>
-            <a:ext cx="5111750" cy="5853113"/>
-          </a:xfrm>
-        </p:spPr>
-        <p:txBody>
-          <a:bodyPr/>
-          <a:lstStyle>
-            <a:lvl1pPr>
-              <a:defRPr sz="3200"/>
-            </a:lvl1pPr>
-            <a:lvl2pPr>
-              <a:defRPr sz="2800"/>
-            </a:lvl2pPr>
-            <a:lvl3pPr>
-              <a:defRPr sz="2400"/>
-            </a:lvl3pPr>
-            <a:lvl4pPr>
-              <a:defRPr sz="2000"/>
-            </a:lvl4pPr>
-            <a:lvl5pPr>
-              <a:defRPr sz="2000"/>
-            </a:lvl5pPr>
-            <a:lvl6pPr>
-              <a:defRPr sz="2000"/>
-            </a:lvl6pPr>
-            <a:lvl7pPr>
-              <a:defRPr sz="2000"/>
-            </a:lvl7pPr>
-            <a:lvl8pPr>
-              <a:defRPr sz="2000"/>
-            </a:lvl8pPr>
-            <a:lvl9pPr>
-              <a:defRPr sz="2000"/>
-            </a:lvl9pPr>
-          </a:lstStyle>
-          <a:p>
-            <a:pPr lvl="0"/>
-            <a:r>
-              <a:rPr lang="en-US" smtClean="0"/>
-              <a:t>Click to edit Master text styles</a:t>
-            </a:r>
-          </a:p>
-          <a:p>
-            <a:pPr lvl="1"/>
-            <a:r>
-              <a:rPr lang="en-US" smtClean="0"/>
-              <a:t>Second level</a:t>
-            </a:r>
-          </a:p>
-          <a:p>
-            <a:pPr lvl="2"/>
-            <a:r>
-              <a:rPr lang="en-US" smtClean="0"/>
-              <a:t>Third level</a:t>
-            </a:r>
-          </a:p>
-          <a:p>
-            <a:pPr lvl="3"/>
-            <a:r>
-              <a:rPr lang="en-US" smtClean="0"/>
-              <a:t>Fourth level</a:t>
-            </a:r>
-          </a:p>
-          <a:p>
-            <a:pPr lvl="4"/>
-            <a:r>
-              <a:rPr lang="en-US" smtClean="0"/>
-              <a:t>Fifth level</a:t>
-            </a:r>
-            <a:endParaRPr lang="en-US"/>
-          </a:p>
-        </p:txBody>
-      </p:sp>
-      <p:sp>
-        <p:nvSpPr>
-          <p:cNvPr id="4" name="Text Placeholder 3"/>
-          <p:cNvSpPr>
-            <a:spLocks noGrp="1"/>
-          </p:cNvSpPr>
-          <p:nvPr>
-            <p:ph type="body" sz="half" idx="2"/>
-          </p:nvPr>
-        </p:nvSpPr>
-        <p:spPr>
-          <a:xfrm>
-            <a:off x="457200" y="1435100"/>
-            <a:ext cx="3008313" cy="4691063"/>
-          </a:xfrm>
-        </p:spPr>
-        <p:txBody>
-          <a:bodyPr/>
-          <a:lstStyle>
-            <a:lvl1pPr marL="0" indent="0">
-              <a:buNone/>
-              <a:defRPr sz="1400"/>
-            </a:lvl1pPr>
-            <a:lvl2pPr marL="457200" indent="0">
-              <a:buNone/>
-              <a:defRPr sz="1200"/>
-            </a:lvl2pPr>
-            <a:lvl3pPr marL="914400" indent="0">
-              <a:buNone/>
-              <a:defRPr sz="1000"/>
-            </a:lvl3pPr>
-            <a:lvl4pPr marL="1371600" indent="0">
-              <a:buNone/>
-              <a:defRPr sz="900"/>
-            </a:lvl4pPr>
-            <a:lvl5pPr marL="1828800" indent="0">
-              <a:buNone/>
-              <a:defRPr sz="900"/>
-            </a:lvl5pPr>
-            <a:lvl6pPr marL="2286000" indent="0">
-              <a:buNone/>
-              <a:defRPr sz="900"/>
-            </a:lvl6pPr>
-            <a:lvl7pPr marL="2743200" indent="0">
-              <a:buNone/>
-              <a:defRPr sz="900"/>
-            </a:lvl7pPr>
-            <a:lvl8pPr marL="3200400" indent="0">
-              <a:buNone/>
-              <a:defRPr sz="900"/>
-            </a:lvl8pPr>
-            <a:lvl9pPr marL="3657600" indent="0">
-              <a:buNone/>
-              <a:defRPr sz="900"/>
-            </a:lvl9pPr>
-          </a:lstStyle>
-          <a:p>
-            <a:pPr lvl="0"/>
-            <a:r>
-              <a:rPr lang="en-US" smtClean="0"/>
-              <a:t>Click to edit Master text styles</a:t>
-            </a:r>
-          </a:p>
-        </p:txBody>
-      </p:sp>
-      <p:sp>
-        <p:nvSpPr>
-          <p:cNvPr id="5" name="Date Placeholder 4"/>
-          <p:cNvSpPr>
-            <a:spLocks noGrp="1"/>
-          </p:cNvSpPr>
-          <p:nvPr>
-            <p:ph type="dt" sz="half" idx="10"/>
-          </p:nvPr>
-        </p:nvSpPr>
-        <p:spPr/>
-        <p:txBody>
-          <a:bodyPr/>
-          <a:lstStyle/>
-          <a:p>
-            <a:fld id="{241EB5C9-1307-BA42-ABA2-0BC069CD8E7F}" type="datetimeFigureOut">
-              <a:rPr lang="en-US" smtClean="0"/>
-              <a:t>4/5/2019</a:t>
-            </a:fld>
-            <a:endParaRPr lang="en-US"/>
-          </a:p>
-        </p:txBody>
-      </p:sp>
-      <p:sp>
-        <p:nvSpPr>
-          <p:cNvPr id="6" name="Footer Placeholder 5"/>
-          <p:cNvSpPr>
-            <a:spLocks noGrp="1"/>
-          </p:cNvSpPr>
-          <p:nvPr>
-            <p:ph type="ftr" sz="quarter" idx="11"/>
-          </p:nvPr>
-        </p:nvSpPr>
-        <p:spPr/>
-        <p:txBody>
-          <a:bodyPr/>
-          <a:lstStyle/>
-          <a:p>
-            <a:endParaRPr lang="en-US"/>
-          </a:p>
-        </p:txBody>
-      </p:sp>
-      <p:sp>
-        <p:nvSpPr>
-          <p:cNvPr id="7" name="Slide Number Placeholder 6"/>
-          <p:cNvSpPr>
-            <a:spLocks noGrp="1"/>
-          </p:cNvSpPr>
-          <p:nvPr>
-            <p:ph type="sldNum" sz="quarter" idx="12"/>
-          </p:nvPr>
-        </p:nvSpPr>
-        <p:spPr/>
-        <p:txBody>
-          <a:bodyPr/>
-          <a:lstStyle/>
-          <a:p>
-            <a:fld id="{C5EF2332-01BF-834F-8236-50238282D533}" type="slidenum">
-              <a:rPr lang="en-US" smtClean="0"/>
-              <a:t>‹#›</a:t>
-            </a:fld>
-            <a:endParaRPr lang="en-US"/>
-          </a:p>
-        </p:txBody>
-      </p:sp>
-    </p:spTree>
-    <p:extLst>
-      <p:ext uri="{BB962C8B-B14F-4D97-AF65-F5344CB8AC3E}">
-        <p14:creationId xmlns:p14="http://schemas.microsoft.com/office/powerpoint/2010/main" val="3540895647"/>
-      </p:ext>
-    </p:extLst>
-  </p:cSld>
-  <p:clrMapOvr>
-    <a:masterClrMapping/>
-  </p:clrMapOvr>
-</p:sldLayout>
-</file>
-
-<file path=ppt/slideLayouts/slideLayout9.xml><?xml version="1.0" encoding="utf-8"?>
-<p:sldLayout xmlns:a="http://schemas.openxmlformats.org/drawingml/2006/main" xmlns:r="http://schemas.openxmlformats.org/officeDocument/2006/relationships" xmlns:p="http://schemas.openxmlformats.org/presentationml/2006/main" type="picTx" preserve="1">
-  <p:cSld name="Picture with Caption">
-    <p:spTree>
-      <p:nvGrpSpPr>
-        <p:cNvPr id="1" name=""/>
-        <p:cNvGrpSpPr/>
-        <p:nvPr/>
-      </p:nvGrpSpPr>
-      <p:grpSpPr>
-        <a:xfrm>
-          <a:off x="0" y="0"/>
-          <a:ext cx="0" cy="0"/>
-          <a:chOff x="0" y="0"/>
-          <a:chExt cx="0" cy="0"/>
-        </a:xfrm>
-      </p:grpSpPr>
-      <p:sp>
-        <p:nvSpPr>
-          <p:cNvPr id="2" name="Title 1"/>
-          <p:cNvSpPr>
-            <a:spLocks noGrp="1"/>
-          </p:cNvSpPr>
-          <p:nvPr>
-            <p:ph type="title"/>
-          </p:nvPr>
-        </p:nvSpPr>
-        <p:spPr>
-          <a:xfrm>
-            <a:off x="1792288" y="4800600"/>
-            <a:ext cx="5486400" cy="566738"/>
-          </a:xfrm>
-        </p:spPr>
-        <p:txBody>
-          <a:bodyPr anchor="b"/>
-          <a:lstStyle>
-            <a:lvl1pPr algn="l">
-              <a:defRPr sz="2000" b="1"/>
-            </a:lvl1pPr>
-          </a:lstStyle>
-          <a:p>
-            <a:r>
-              <a:rPr lang="en-US" smtClean="0"/>
-              <a:t>Click to edit Master title style</a:t>
-            </a:r>
-            <a:endParaRPr lang="en-US"/>
-          </a:p>
-        </p:txBody>
-      </p:sp>
-      <p:sp>
-        <p:nvSpPr>
-          <p:cNvPr id="3" name="Picture Placeholder 2"/>
-          <p:cNvSpPr>
-            <a:spLocks noGrp="1"/>
-          </p:cNvSpPr>
-          <p:nvPr>
-            <p:ph type="pic" idx="1"/>
-          </p:nvPr>
-        </p:nvSpPr>
-        <p:spPr>
-          <a:xfrm>
-            <a:off x="1792288" y="612775"/>
-            <a:ext cx="5486400" cy="4114800"/>
-          </a:xfrm>
-        </p:spPr>
-        <p:txBody>
-          <a:bodyPr/>
-          <a:lstStyle>
-            <a:lvl1pPr marL="0" indent="0">
-              <a:buNone/>
-              <a:defRPr sz="3200"/>
-            </a:lvl1pPr>
-            <a:lvl2pPr marL="457200" indent="0">
-              <a:buNone/>
-              <a:defRPr sz="2800"/>
-            </a:lvl2pPr>
-            <a:lvl3pPr marL="914400" indent="0">
-              <a:buNone/>
-              <a:defRPr sz="2400"/>
-            </a:lvl3pPr>
-            <a:lvl4pPr marL="1371600" indent="0">
-              <a:buNone/>
-              <a:defRPr sz="2000"/>
-            </a:lvl4pPr>
-            <a:lvl5pPr marL="1828800" indent="0">
-              <a:buNone/>
-              <a:defRPr sz="2000"/>
-            </a:lvl5pPr>
-            <a:lvl6pPr marL="2286000" indent="0">
-              <a:buNone/>
-              <a:defRPr sz="2000"/>
-            </a:lvl6pPr>
-            <a:lvl7pPr marL="2743200" indent="0">
-              <a:buNone/>
-              <a:defRPr sz="2000"/>
-            </a:lvl7pPr>
-            <a:lvl8pPr marL="3200400" indent="0">
-              <a:buNone/>
-              <a:defRPr sz="2000"/>
-            </a:lvl8pPr>
-            <a:lvl9pPr marL="3657600" indent="0">
-              <a:buNone/>
-              <a:defRPr sz="2000"/>
-            </a:lvl9pPr>
-          </a:lstStyle>
-          <a:p>
-            <a:endParaRPr lang="en-US"/>
-          </a:p>
-        </p:txBody>
-      </p:sp>
-      <p:sp>
-        <p:nvSpPr>
-          <p:cNvPr id="4" name="Text Placeholder 3"/>
-          <p:cNvSpPr>
-            <a:spLocks noGrp="1"/>
-          </p:cNvSpPr>
-          <p:nvPr>
-            <p:ph type="body" sz="half" idx="2"/>
-          </p:nvPr>
-        </p:nvSpPr>
-        <p:spPr>
-          <a:xfrm>
-            <a:off x="1792288" y="5367338"/>
-            <a:ext cx="5486400" cy="804862"/>
-          </a:xfrm>
-        </p:spPr>
-        <p:txBody>
-          <a:bodyPr/>
-          <a:lstStyle>
-            <a:lvl1pPr marL="0" indent="0">
-              <a:buNone/>
-              <a:defRPr sz="1400"/>
-            </a:lvl1pPr>
-            <a:lvl2pPr marL="457200" indent="0">
-              <a:buNone/>
-              <a:defRPr sz="1200"/>
-            </a:lvl2pPr>
-            <a:lvl3pPr marL="914400" indent="0">
-              <a:buNone/>
-              <a:defRPr sz="1000"/>
-            </a:lvl3pPr>
-            <a:lvl4pPr marL="1371600" indent="0">
-              <a:buNone/>
-              <a:defRPr sz="900"/>
-            </a:lvl4pPr>
-            <a:lvl5pPr marL="1828800" indent="0">
-              <a:buNone/>
-              <a:defRPr sz="900"/>
-            </a:lvl5pPr>
-            <a:lvl6pPr marL="2286000" indent="0">
-              <a:buNone/>
-              <a:defRPr sz="900"/>
-            </a:lvl6pPr>
-            <a:lvl7pPr marL="2743200" indent="0">
-              <a:buNone/>
-              <a:defRPr sz="900"/>
-            </a:lvl7pPr>
-            <a:lvl8pPr marL="3200400" indent="0">
-              <a:buNone/>
-              <a:defRPr sz="900"/>
-            </a:lvl8pPr>
-            <a:lvl9pPr marL="3657600" indent="0">
-              <a:buNone/>
-              <a:defRPr sz="900"/>
-            </a:lvl9pPr>
-          </a:lstStyle>
-          <a:p>
-            <a:pPr lvl="0"/>
-            <a:r>
-              <a:rPr lang="en-US" smtClean="0"/>
-              <a:t>Click to edit Master text styles</a:t>
-            </a:r>
-          </a:p>
-        </p:txBody>
-      </p:sp>
-      <p:sp>
-        <p:nvSpPr>
-          <p:cNvPr id="5" name="Date Placeholder 4"/>
-          <p:cNvSpPr>
-            <a:spLocks noGrp="1"/>
-          </p:cNvSpPr>
-          <p:nvPr>
-            <p:ph type="dt" sz="half" idx="10"/>
-          </p:nvPr>
-        </p:nvSpPr>
-        <p:spPr/>
-        <p:txBody>
-          <a:bodyPr/>
-          <a:lstStyle/>
-          <a:p>
-            <a:fld id="{241EB5C9-1307-BA42-ABA2-0BC069CD8E7F}" type="datetimeFigureOut">
-              <a:rPr lang="en-US" smtClean="0"/>
-              <a:t>4/5/2019</a:t>
-            </a:fld>
-            <a:endParaRPr lang="en-US"/>
-          </a:p>
-        </p:txBody>
-      </p:sp>
-      <p:sp>
-        <p:nvSpPr>
-          <p:cNvPr id="6" name="Footer Placeholder 5"/>
-          <p:cNvSpPr>
-            <a:spLocks noGrp="1"/>
-          </p:cNvSpPr>
-          <p:nvPr>
-            <p:ph type="ftr" sz="quarter" idx="11"/>
-          </p:nvPr>
-        </p:nvSpPr>
-        <p:spPr/>
-        <p:txBody>
-          <a:bodyPr/>
-          <a:lstStyle/>
-          <a:p>
-            <a:endParaRPr lang="en-US"/>
-          </a:p>
-        </p:txBody>
-      </p:sp>
-      <p:sp>
-        <p:nvSpPr>
-          <p:cNvPr id="7" name="Slide Number Placeholder 6"/>
-          <p:cNvSpPr>
-            <a:spLocks noGrp="1"/>
-          </p:cNvSpPr>
-          <p:nvPr>
-            <p:ph type="sldNum" sz="quarter" idx="12"/>
-          </p:nvPr>
-        </p:nvSpPr>
-        <p:spPr/>
-        <p:txBody>
-          <a:bodyPr/>
-          <a:lstStyle/>
-          <a:p>
-            <a:fld id="{C5EF2332-01BF-834F-8236-50238282D533}" type="slidenum">
-              <a:rPr lang="en-US" smtClean="0"/>
-              <a:t>‹#›</a:t>
-            </a:fld>
-            <a:endParaRPr lang="en-US"/>
-          </a:p>
-        </p:txBody>
-      </p:sp>
-    </p:spTree>
-    <p:extLst>
-      <p:ext uri="{BB962C8B-B14F-4D97-AF65-F5344CB8AC3E}">
-        <p14:creationId xmlns:p14="http://schemas.microsoft.com/office/powerpoint/2010/main" val="3566899855"/>
       </p:ext>
     </p:extLst>
   </p:cSld>
@@ -3213,60 +1698,51 @@
           <a:bodyPr/>
           <a:lstStyle/>
           <a:p>
-            <a:pPr lvl="0" marL="0" indent="0">
+            <a:pPr marL="0" lvl="0" indent="0">
               <a:buNone/>
             </a:pPr>
             <a:r>
-              <a:rPr/>
-              <a:t>1.</a:t>
-            </a:r>
-            <a:r>
-              <a:rPr/>
-              <a:t> </a:t>
-            </a:r>
-            <a:r>
-              <a:rPr/>
-              <a:t>Øvelse:</a:t>
-            </a:r>
-            <a:r>
-              <a:rPr/>
-              <a:t> </a:t>
-            </a:r>
-            <a:r>
-              <a:rPr/>
-              <a:t>Intro</a:t>
-            </a:r>
-            <a:r>
-              <a:rPr/>
-              <a:t> </a:t>
-            </a:r>
-            <a:r>
-              <a:rPr/>
+              <a:rPr dirty="0"/>
+              <a:t>1. </a:t>
+            </a:r>
+            <a:r>
+              <a:rPr dirty="0" err="1"/>
+              <a:t>Øvelse</a:t>
+            </a:r>
+            <a:r>
+              <a:rPr dirty="0"/>
+              <a:t>: </a:t>
+            </a:r>
+            <a:br>
+              <a:rPr lang="de-DE" dirty="0"/>
+            </a:br>
+            <a:r>
+              <a:rPr dirty="0"/>
+              <a:t>Intro </a:t>
+            </a:r>
+            <a:r>
+              <a:rPr dirty="0" err="1"/>
               <a:t>til</a:t>
             </a:r>
             <a:r>
-              <a:rPr/>
-              <a:t> </a:t>
-            </a:r>
-            <a:r>
-              <a:rPr/>
+              <a:rPr dirty="0"/>
+              <a:t> </a:t>
+            </a:r>
+            <a:r>
+              <a:rPr dirty="0" err="1"/>
               <a:t>netværksanalyse</a:t>
             </a:r>
             <a:r>
-              <a:rPr/>
-              <a:t> </a:t>
-            </a:r>
-            <a:r>
-              <a:rPr/>
+              <a:rPr dirty="0"/>
+              <a:t> </a:t>
+            </a:r>
+            <a:r>
+              <a:rPr dirty="0" err="1"/>
               <a:t>i</a:t>
             </a:r>
             <a:r>
-              <a:rPr/>
-              <a:t> </a:t>
-            </a:r>
-            <a:r>
-              <a:rPr/>
-              <a:t>R</a:t>
+              <a:rPr dirty="0"/>
+              <a:t> R</a:t>
             </a:r>
           </a:p>
         </p:txBody>
@@ -3284,7 +1760,7 @@
             <a:spLocks noGrp="1"/>
           </p:cNvSpPr>
           <p:nvPr>
-            <p:ph idx="1" type="subTitle"/>
+            <p:ph type="subTitle" idx="1"/>
           </p:nvPr>
         </p:nvSpPr>
         <p:spPr>
@@ -3294,32 +1770,146 @@
           </a:xfrm>
         </p:spPr>
         <p:txBody>
-          <a:bodyPr/>
+          <a:bodyPr>
+            <a:normAutofit fontScale="85000" lnSpcReduction="20000"/>
+          </a:bodyPr>
           <a:lstStyle/>
           <a:p>
-            <a:pPr lvl="0" marL="0" indent="0">
-              <a:buNone/>
-            </a:pPr>
-            <a:br/>
-            <a:br/>
-            <a:r>
-              <a:rPr/>
-              <a:t>Alexander</a:t>
-            </a:r>
-            <a:r>
-              <a:rPr/>
-              <a:t> </a:t>
-            </a:r>
-            <a:r>
-              <a:rPr/>
-              <a:t>Gamerdinger</a:t>
-            </a:r>
+            <a:pPr lvl="0"/>
+            <a:br>
+              <a:rPr dirty="0"/>
+            </a:br>
+            <a:r>
+              <a:rPr lang="en-US" dirty="0"/>
+              <a:t>Alexander Gamerdinger</a:t>
+            </a:r>
+          </a:p>
+          <a:p>
+            <a:pPr lvl="0"/>
+            <a:r>
+              <a:rPr lang="en-US" dirty="0"/>
+              <a:t>  Department of Organization, Copenhagen Business School </a:t>
+            </a:r>
+          </a:p>
+          <a:p>
+            <a:pPr lvl="0"/>
+            <a:r>
+              <a:rPr lang="en-US" dirty="0"/>
+              <a:t>  E-mail: </a:t>
+            </a:r>
+            <a:r>
+              <a:rPr lang="en-US" dirty="0" err="1"/>
+              <a:t>aga.ioa@cbs.dk</a:t>
+            </a:r>
+            <a:endParaRPr lang="en-US" dirty="0"/>
+          </a:p>
+          <a:p>
+            <a:pPr lvl="0"/>
+            <a:r>
+              <a:rPr lang="en-US" dirty="0"/>
+              <a:t>  15 </a:t>
+            </a:r>
+            <a:r>
+              <a:rPr lang="en-US" dirty="0" err="1"/>
+              <a:t>februar</a:t>
+            </a:r>
+            <a:r>
+              <a:rPr lang="en-US" dirty="0"/>
+              <a:t> 2022</a:t>
+            </a:r>
+            <a:endParaRPr dirty="0"/>
           </a:p>
         </p:txBody>
       </p:sp>
-      <p:sp/>
+      <p:sp>
+        <p:nvSpPr>
+          <p:cNvPr id="4" name=" 3"/>
+          <p:cNvSpPr/>
+          <p:nvPr/>
+        </p:nvSpPr>
+        <p:spPr/>
+      </p:sp>
+      <p:sp>
+        <p:nvSpPr>
+          <p:cNvPr id="5" name="TextBox 4">
+            <a:extLst>
+              <a:ext uri="{FF2B5EF4-FFF2-40B4-BE49-F238E27FC236}">
+                <a16:creationId xmlns:a16="http://schemas.microsoft.com/office/drawing/2014/main" id="{A7413E15-238D-5740-9FC4-A1A69DAC0BF6}"/>
+              </a:ext>
+            </a:extLst>
+          </p:cNvPr>
+          <p:cNvSpPr txBox="1"/>
+          <p:nvPr/>
+        </p:nvSpPr>
+        <p:spPr>
+          <a:xfrm>
+            <a:off x="287676" y="236306"/>
+            <a:ext cx="4976042" cy="369332"/>
+          </a:xfrm>
+          <a:prstGeom prst="rect">
+            <a:avLst/>
+          </a:prstGeom>
+          <a:noFill/>
+        </p:spPr>
+        <p:txBody>
+          <a:bodyPr wrap="none" rtlCol="0">
+            <a:spAutoFit/>
+          </a:bodyPr>
+          <a:lstStyle/>
+          <a:p>
+            <a:r>
+              <a:rPr lang="en-DK" dirty="0">
+                <a:latin typeface="Sitka Display" pitchFamily="2" charset="0"/>
+              </a:rPr>
+              <a:t>Virkomshedsstrategi </a:t>
+            </a:r>
+            <a:r>
+              <a:rPr lang="en-US" dirty="0" err="1">
+                <a:latin typeface="Sitka Display" pitchFamily="2" charset="0"/>
+              </a:rPr>
+              <a:t>i</a:t>
+            </a:r>
+            <a:r>
+              <a:rPr lang="en-US" dirty="0">
+                <a:latin typeface="Sitka Display" pitchFamily="2" charset="0"/>
+              </a:rPr>
+              <a:t> et </a:t>
+            </a:r>
+            <a:r>
+              <a:rPr lang="en-US" dirty="0" err="1">
+                <a:latin typeface="Sitka Display" pitchFamily="2" charset="0"/>
+              </a:rPr>
+              <a:t>netværksperspektiv</a:t>
+            </a:r>
+            <a:r>
+              <a:rPr lang="en-US" dirty="0">
+                <a:latin typeface="Sitka Display" pitchFamily="2" charset="0"/>
+              </a:rPr>
+              <a:t> | </a:t>
+            </a:r>
+            <a:r>
+              <a:rPr lang="en-US" dirty="0" err="1">
+                <a:latin typeface="Sitka Display" pitchFamily="2" charset="0"/>
+              </a:rPr>
+              <a:t>Uge</a:t>
+            </a:r>
+            <a:r>
+              <a:rPr lang="en-US" dirty="0">
+                <a:latin typeface="Sitka Display" pitchFamily="2" charset="0"/>
+              </a:rPr>
+              <a:t> 7</a:t>
+            </a:r>
+            <a:endParaRPr lang="en-DK" dirty="0">
+              <a:latin typeface="Sitka Display" pitchFamily="2" charset="0"/>
+            </a:endParaRPr>
+          </a:p>
+        </p:txBody>
+      </p:sp>
     </p:spTree>
   </p:cSld>
+  <p:clrMapOvr>
+    <a:masterClrMapping/>
+  </p:clrMapOvr>
 </p:sld>
 </file>
 
@@ -3366,28 +1956,11 @@
           <a:bodyPr/>
           <a:lstStyle/>
           <a:p>
-            <a:pPr lvl="0" marL="0" indent="0">
+            <a:pPr marL="0" lvl="0" indent="0">
               <a:buNone/>
             </a:pPr>
             <a:r>
-              <a:rPr/>
-              <a:t>Data</a:t>
-            </a:r>
-            <a:r>
-              <a:rPr/>
-              <a:t> </a:t>
-            </a:r>
-            <a:r>
-              <a:rPr/>
-              <a:t>bearbejdning</a:t>
-            </a:r>
-            <a:r>
-              <a:rPr/>
-              <a:t> </a:t>
-            </a:r>
-            <a:r>
-              <a:rPr/>
-              <a:t>(dplyr)</a:t>
+              <a:t>Data bearbejdning (dplyr)</a:t>
             </a:r>
           </a:p>
         </p:txBody>
@@ -3405,35 +1978,66 @@
             <a:spLocks noGrp="1"/>
           </p:cNvSpPr>
           <p:nvPr>
-            <p:ph idx="1" sz="half"/>
+            <p:ph sz="half" idx="1"/>
           </p:nvPr>
         </p:nvSpPr>
         <p:spPr/>
         <p:txBody>
-          <a:bodyPr/>
+          <a:bodyPr>
+            <a:normAutofit fontScale="92500" lnSpcReduction="20000"/>
+          </a:bodyPr>
           <a:lstStyle/>
           <a:p>
             <a:pPr lvl="0" indent="0">
               <a:buNone/>
             </a:pPr>
             <a:r>
-              <a:rPr i="1">
-                <a:solidFill>
-                  <a:srgbClr val="60A0B0"/>
-                </a:solidFill>
-                <a:latin typeface="Courier"/>
-              </a:rPr>
-              <a:t>#data.table select funktion</a:t>
-            </a:r>
-            <a:br/>
-            <a:r>
-              <a:rPr>
+              <a:rPr i="1" dirty="0">
+                <a:solidFill>
+                  <a:srgbClr val="60A0B0"/>
+                </a:solidFill>
+                <a:latin typeface="Courier"/>
+              </a:rPr>
+              <a:t>#</a:t>
+            </a:r>
+            <a:r>
+              <a:rPr i="1" dirty="0" err="1">
+                <a:solidFill>
+                  <a:srgbClr val="60A0B0"/>
+                </a:solidFill>
+                <a:latin typeface="Courier"/>
+              </a:rPr>
+              <a:t>data.table</a:t>
+            </a:r>
+            <a:r>
+              <a:rPr i="1" dirty="0">
+                <a:solidFill>
+                  <a:srgbClr val="60A0B0"/>
+                </a:solidFill>
+                <a:latin typeface="Courier"/>
+              </a:rPr>
+              <a:t> select </a:t>
+            </a:r>
+            <a:r>
+              <a:rPr i="1" dirty="0" err="1">
+                <a:solidFill>
+                  <a:srgbClr val="60A0B0"/>
+                </a:solidFill>
+                <a:latin typeface="Courier"/>
+              </a:rPr>
+              <a:t>funktion</a:t>
+            </a:r>
+            <a:br>
+              <a:rPr dirty="0"/>
+            </a:br>
+            <a:r>
+              <a:rPr dirty="0">
                 <a:latin typeface="Courier"/>
               </a:rPr>
               <a:t>den </a:t>
             </a:r>
             <a:r>
-              <a:rPr>
+              <a:rPr dirty="0">
                 <a:solidFill>
                   <a:srgbClr val="4070A0"/>
                 </a:solidFill>
@@ -3442,13 +2046,13 @@
               <a:t>%&gt;%</a:t>
             </a:r>
             <a:r>
-              <a:rPr>
-                <a:latin typeface="Courier"/>
-              </a:rPr>
-              <a:t> </a:t>
-            </a:r>
-            <a:r>
-              <a:rPr>
+              <a:rPr dirty="0">
+                <a:latin typeface="Courier"/>
+              </a:rPr>
+              <a:t> </a:t>
+            </a:r>
+            <a:r>
+              <a:rPr dirty="0">
                 <a:solidFill>
                   <a:srgbClr val="06287E"/>
                 </a:solidFill>
@@ -3457,7 +2061,7 @@
               <a:t>select</a:t>
             </a:r>
             <a:r>
-              <a:rPr>
+              <a:rPr dirty="0">
                 <a:latin typeface="Courier"/>
               </a:rPr>
               <a:t>(name, gender)</a:t>
@@ -3468,22 +2072,238 @@
               <a:buNone/>
             </a:pPr>
             <a:r>
-              <a:rPr>
-                <a:latin typeface="Courier"/>
-              </a:rPr>
-              <a:t>## # A tibble: 56,849 × 2
+              <a:rPr dirty="0">
+                <a:latin typeface="Courier"/>
+              </a:rPr>
+              <a:t>## # A </a:t>
+            </a:r>
+            <a:r>
+              <a:rPr dirty="0" err="1">
+                <a:latin typeface="Courier"/>
+              </a:rPr>
+              <a:t>tibble</a:t>
+            </a:r>
+            <a:r>
+              <a:rPr dirty="0">
+                <a:latin typeface="Courier"/>
+              </a:rPr>
+              <a:t>: 56,849 × 2
 ##    name                 gender
-##    &lt;chr&gt;                &lt;chr&gt; 
-##  1 Aage Almtoft         Men   
-##  2 Aage B. Andersen     Men   
-##  3 Aage Christensen     Men   
-##  4 Aage Dam             Men   
-##  5 Aage Dam             Men   
-##  6 Aage Frandsen        Men   
-##  7 Aage Juhl Joergensen Men   
-##  8 Aage Krogsdam        Men   
-##  9 Aage Larsen          Men   
-## 10 Aage Lauridsen       Men   
+##    &lt;</a:t>
+            </a:r>
+            <a:r>
+              <a:rPr dirty="0" err="1">
+                <a:latin typeface="Courier"/>
+              </a:rPr>
+              <a:t>chr</a:t>
+            </a:r>
+            <a:r>
+              <a:rPr dirty="0">
+                <a:latin typeface="Courier"/>
+              </a:rPr>
+              <a:t>&gt;                &lt;</a:t>
+            </a:r>
+            <a:r>
+              <a:rPr dirty="0" err="1">
+                <a:latin typeface="Courier"/>
+              </a:rPr>
+              <a:t>chr</a:t>
+            </a:r>
+            <a:r>
+              <a:rPr dirty="0">
+                <a:latin typeface="Courier"/>
+              </a:rPr>
+              <a:t>&gt; 
+##  1 </a:t>
+            </a:r>
+            <a:r>
+              <a:rPr dirty="0" err="1">
+                <a:latin typeface="Courier"/>
+              </a:rPr>
+              <a:t>Aage</a:t>
+            </a:r>
+            <a:r>
+              <a:rPr dirty="0">
+                <a:latin typeface="Courier"/>
+              </a:rPr>
+              <a:t> </a:t>
+            </a:r>
+            <a:r>
+              <a:rPr dirty="0" err="1">
+                <a:latin typeface="Courier"/>
+              </a:rPr>
+              <a:t>Almtoft</a:t>
+            </a:r>
+            <a:r>
+              <a:rPr dirty="0">
+                <a:latin typeface="Courier"/>
+              </a:rPr>
+              <a:t>         Men   
+##  2 </a:t>
+            </a:r>
+            <a:r>
+              <a:rPr dirty="0" err="1">
+                <a:latin typeface="Courier"/>
+              </a:rPr>
+              <a:t>Aage</a:t>
+            </a:r>
+            <a:r>
+              <a:rPr dirty="0">
+                <a:latin typeface="Courier"/>
+              </a:rPr>
+              <a:t> B. Andersen     Men   
+##  3 </a:t>
+            </a:r>
+            <a:r>
+              <a:rPr dirty="0" err="1">
+                <a:latin typeface="Courier"/>
+              </a:rPr>
+              <a:t>Aage</a:t>
+            </a:r>
+            <a:r>
+              <a:rPr dirty="0">
+                <a:latin typeface="Courier"/>
+              </a:rPr>
+              <a:t> Christensen     Men   
+##  4 </a:t>
+            </a:r>
+            <a:r>
+              <a:rPr dirty="0" err="1">
+                <a:latin typeface="Courier"/>
+              </a:rPr>
+              <a:t>Aage</a:t>
+            </a:r>
+            <a:r>
+              <a:rPr dirty="0">
+                <a:latin typeface="Courier"/>
+              </a:rPr>
+              <a:t> Dam             Men   
+##  5 </a:t>
+            </a:r>
+            <a:r>
+              <a:rPr dirty="0" err="1">
+                <a:latin typeface="Courier"/>
+              </a:rPr>
+              <a:t>Aage</a:t>
+            </a:r>
+            <a:r>
+              <a:rPr dirty="0">
+                <a:latin typeface="Courier"/>
+              </a:rPr>
+              <a:t> Dam             Men   
+##  6 </a:t>
+            </a:r>
+            <a:r>
+              <a:rPr dirty="0" err="1">
+                <a:latin typeface="Courier"/>
+              </a:rPr>
+              <a:t>Aage</a:t>
+            </a:r>
+            <a:r>
+              <a:rPr dirty="0">
+                <a:latin typeface="Courier"/>
+              </a:rPr>
+              <a:t> Frandsen        Men   
+##  7 </a:t>
+            </a:r>
+            <a:r>
+              <a:rPr dirty="0" err="1">
+                <a:latin typeface="Courier"/>
+              </a:rPr>
+              <a:t>Aage</a:t>
+            </a:r>
+            <a:r>
+              <a:rPr dirty="0">
+                <a:latin typeface="Courier"/>
+              </a:rPr>
+              <a:t> </a:t>
+            </a:r>
+            <a:r>
+              <a:rPr dirty="0" err="1">
+                <a:latin typeface="Courier"/>
+              </a:rPr>
+              <a:t>Juhl</a:t>
+            </a:r>
+            <a:r>
+              <a:rPr dirty="0">
+                <a:latin typeface="Courier"/>
+              </a:rPr>
+              <a:t> </a:t>
+            </a:r>
+            <a:r>
+              <a:rPr dirty="0" err="1">
+                <a:latin typeface="Courier"/>
+              </a:rPr>
+              <a:t>Joergensen</a:t>
+            </a:r>
+            <a:r>
+              <a:rPr dirty="0">
+                <a:latin typeface="Courier"/>
+              </a:rPr>
+              <a:t> Men   
+##  8 </a:t>
+            </a:r>
+            <a:r>
+              <a:rPr dirty="0" err="1">
+                <a:latin typeface="Courier"/>
+              </a:rPr>
+              <a:t>Aage</a:t>
+            </a:r>
+            <a:r>
+              <a:rPr dirty="0">
+                <a:latin typeface="Courier"/>
+              </a:rPr>
+              <a:t> </a:t>
+            </a:r>
+            <a:r>
+              <a:rPr dirty="0" err="1">
+                <a:latin typeface="Courier"/>
+              </a:rPr>
+              <a:t>Krogsdam</a:t>
+            </a:r>
+            <a:r>
+              <a:rPr dirty="0">
+                <a:latin typeface="Courier"/>
+              </a:rPr>
+              <a:t>        Men   
+##  9 </a:t>
+            </a:r>
+            <a:r>
+              <a:rPr dirty="0" err="1">
+                <a:latin typeface="Courier"/>
+              </a:rPr>
+              <a:t>Aage</a:t>
+            </a:r>
+            <a:r>
+              <a:rPr dirty="0">
+                <a:latin typeface="Courier"/>
+              </a:rPr>
+              <a:t> Larsen          Men   
+## 10 </a:t>
+            </a:r>
+            <a:r>
+              <a:rPr dirty="0" err="1">
+                <a:latin typeface="Courier"/>
+              </a:rPr>
+              <a:t>Aage</a:t>
+            </a:r>
+            <a:r>
+              <a:rPr dirty="0">
+                <a:latin typeface="Courier"/>
+              </a:rPr>
+              <a:t> </a:t>
+            </a:r>
+            <a:r>
+              <a:rPr dirty="0" err="1">
+                <a:latin typeface="Courier"/>
+              </a:rPr>
+              <a:t>Lauridsen</a:t>
+            </a:r>
+            <a:r>
+              <a:rPr dirty="0">
+                <a:latin typeface="Courier"/>
+              </a:rPr>
+              <a:t>       Men   
 ## # … with 56,839 more rows</a:t>
             </a:r>
           </a:p>
@@ -3502,35 +2322,66 @@
             <a:spLocks noGrp="1"/>
           </p:cNvSpPr>
           <p:nvPr>
-            <p:ph idx="2" sz="half"/>
+            <p:ph sz="half" idx="2"/>
           </p:nvPr>
         </p:nvSpPr>
         <p:spPr/>
         <p:txBody>
-          <a:bodyPr/>
+          <a:bodyPr>
+            <a:normAutofit fontScale="70000" lnSpcReduction="20000"/>
+          </a:bodyPr>
           <a:lstStyle/>
           <a:p>
             <a:pPr lvl="0" indent="0">
               <a:buNone/>
             </a:pPr>
             <a:r>
-              <a:rPr i="1">
-                <a:solidFill>
-                  <a:srgbClr val="60A0B0"/>
-                </a:solidFill>
-                <a:latin typeface="Courier"/>
-              </a:rPr>
-              <a:t>#data.table count funktion</a:t>
-            </a:r>
-            <a:br/>
-            <a:r>
-              <a:rPr>
+              <a:rPr sz="1900" i="1" dirty="0">
+                <a:solidFill>
+                  <a:srgbClr val="60A0B0"/>
+                </a:solidFill>
+                <a:latin typeface="Courier"/>
+              </a:rPr>
+              <a:t>#</a:t>
+            </a:r>
+            <a:r>
+              <a:rPr sz="1900" i="1" dirty="0" err="1">
+                <a:solidFill>
+                  <a:srgbClr val="60A0B0"/>
+                </a:solidFill>
+                <a:latin typeface="Courier"/>
+              </a:rPr>
+              <a:t>data.table</a:t>
+            </a:r>
+            <a:r>
+              <a:rPr sz="1900" i="1" dirty="0">
+                <a:solidFill>
+                  <a:srgbClr val="60A0B0"/>
+                </a:solidFill>
+                <a:latin typeface="Courier"/>
+              </a:rPr>
+              <a:t> count </a:t>
+            </a:r>
+            <a:r>
+              <a:rPr sz="1900" i="1" dirty="0" err="1">
+                <a:solidFill>
+                  <a:srgbClr val="60A0B0"/>
+                </a:solidFill>
+                <a:latin typeface="Courier"/>
+              </a:rPr>
+              <a:t>funktion</a:t>
+            </a:r>
+            <a:br>
+              <a:rPr sz="1900" dirty="0"/>
+            </a:br>
+            <a:r>
+              <a:rPr sz="1900" dirty="0">
                 <a:latin typeface="Courier"/>
               </a:rPr>
               <a:t>den </a:t>
             </a:r>
             <a:r>
-              <a:rPr>
+              <a:rPr sz="1900" dirty="0">
                 <a:solidFill>
                   <a:srgbClr val="4070A0"/>
                 </a:solidFill>
@@ -3539,13 +2390,13 @@
               <a:t>%&gt;%</a:t>
             </a:r>
             <a:r>
-              <a:rPr>
-                <a:latin typeface="Courier"/>
-              </a:rPr>
-              <a:t> </a:t>
-            </a:r>
-            <a:r>
-              <a:rPr>
+              <a:rPr sz="1900" dirty="0">
+                <a:latin typeface="Courier"/>
+              </a:rPr>
+              <a:t> </a:t>
+            </a:r>
+            <a:r>
+              <a:rPr sz="1900" dirty="0" err="1">
                 <a:solidFill>
                   <a:srgbClr val="06287E"/>
                 </a:solidFill>
@@ -3554,13 +2405,13 @@
               <a:t>group_by</a:t>
             </a:r>
             <a:r>
-              <a:rPr>
+              <a:rPr sz="1900" dirty="0">
                 <a:latin typeface="Courier"/>
               </a:rPr>
               <a:t>(sector) </a:t>
             </a:r>
             <a:r>
-              <a:rPr>
+              <a:rPr sz="1900" dirty="0">
                 <a:solidFill>
                   <a:srgbClr val="4070A0"/>
                 </a:solidFill>
@@ -3569,13 +2420,13 @@
               <a:t>%&gt;%</a:t>
             </a:r>
             <a:r>
-              <a:rPr>
-                <a:latin typeface="Courier"/>
-              </a:rPr>
-              <a:t> </a:t>
-            </a:r>
-            <a:r>
-              <a:rPr>
+              <a:rPr sz="1900" dirty="0">
+                <a:latin typeface="Courier"/>
+              </a:rPr>
+              <a:t> </a:t>
+            </a:r>
+            <a:r>
+              <a:rPr sz="1900" dirty="0">
                 <a:solidFill>
                   <a:srgbClr val="06287E"/>
                 </a:solidFill>
@@ -3584,13 +2435,13 @@
               <a:t>summarize</a:t>
             </a:r>
             <a:r>
-              <a:rPr>
+              <a:rPr sz="1900" dirty="0">
                 <a:latin typeface="Courier"/>
               </a:rPr>
               <a:t>(</a:t>
             </a:r>
             <a:r>
-              <a:rPr>
+              <a:rPr sz="1900" dirty="0">
                 <a:solidFill>
                   <a:srgbClr val="7D9029"/>
                 </a:solidFill>
@@ -3599,13 +2450,13 @@
               <a:t>N =</a:t>
             </a:r>
             <a:r>
-              <a:rPr>
-                <a:latin typeface="Courier"/>
-              </a:rPr>
-              <a:t> </a:t>
-            </a:r>
-            <a:r>
-              <a:rPr>
+              <a:rPr sz="1900" dirty="0">
+                <a:latin typeface="Courier"/>
+              </a:rPr>
+              <a:t> </a:t>
+            </a:r>
+            <a:r>
+              <a:rPr sz="1900" dirty="0">
                 <a:solidFill>
                   <a:srgbClr val="06287E"/>
                 </a:solidFill>
@@ -3614,13 +2465,13 @@
               <a:t>n</a:t>
             </a:r>
             <a:r>
-              <a:rPr>
+              <a:rPr sz="1900" dirty="0">
                 <a:latin typeface="Courier"/>
               </a:rPr>
               <a:t>()) </a:t>
             </a:r>
             <a:r>
-              <a:rPr i="1">
+              <a:rPr sz="1900" i="1" dirty="0">
                 <a:solidFill>
                   <a:srgbClr val="60A0B0"/>
                 </a:solidFill>
@@ -3634,12 +2485,36 @@
               <a:buNone/>
             </a:pPr>
             <a:r>
-              <a:rPr>
-                <a:latin typeface="Courier"/>
-              </a:rPr>
-              <a:t>## # A tibble: 13 × 2
+              <a:rPr dirty="0">
+                <a:latin typeface="Courier"/>
+              </a:rPr>
+              <a:t>## # A </a:t>
+            </a:r>
+            <a:r>
+              <a:rPr dirty="0" err="1">
+                <a:latin typeface="Courier"/>
+              </a:rPr>
+              <a:t>tibble</a:t>
+            </a:r>
+            <a:r>
+              <a:rPr dirty="0">
+                <a:latin typeface="Courier"/>
+              </a:rPr>
+              <a:t>: 13 × 2
 ##    sector           N
-##    &lt;chr&gt;        &lt;int&gt;
+##    &lt;</a:t>
+            </a:r>
+            <a:r>
+              <a:rPr dirty="0" err="1">
+                <a:latin typeface="Courier"/>
+              </a:rPr>
+              <a:t>chr</a:t>
+            </a:r>
+            <a:r>
+              <a:rPr dirty="0">
+                <a:latin typeface="Courier"/>
+              </a:rPr>
+              <a:t>&gt;        &lt;int&gt;
 ##  1 Commissions    795
 ##  2 Corporations  7989
 ##  3 Events        1948
@@ -3647,11 +2522,35 @@
 ##  5 Foundations   6987
 ##  6 Municipal      320
 ##  7 NGO          17720
-##  8 Organisation     6
+##  8 </a:t>
+            </a:r>
+            <a:r>
+              <a:rPr dirty="0" err="1">
+                <a:latin typeface="Courier"/>
+              </a:rPr>
+              <a:t>Organisation</a:t>
+            </a:r>
+            <a:r>
+              <a:rPr dirty="0">
+                <a:latin typeface="Courier"/>
+              </a:rPr>
+              <a:t>     6
 ##  9 Parliament    1087
 ## 10 Politics        37
 ## 11 State        13601
-## 12 VL_networks   3803
+## 12 </a:t>
+            </a:r>
+            <a:r>
+              <a:rPr dirty="0" err="1">
+                <a:latin typeface="Courier"/>
+              </a:rPr>
+              <a:t>VL_networks</a:t>
+            </a:r>
+            <a:r>
+              <a:rPr dirty="0">
+                <a:latin typeface="Courier"/>
+              </a:rPr>
+              <a:t>   3803
 ## 13 &lt;NA&gt;          2349</a:t>
             </a:r>
           </a:p>
@@ -3659,6 +2558,9 @@
       </p:sp>
     </p:spTree>
   </p:cSld>
+  <p:clrMapOvr>
+    <a:masterClrMapping/>
+  </p:clrMapOvr>
 </p:sld>
 </file>
 
@@ -3705,26 +2607,20 @@
           <a:bodyPr/>
           <a:lstStyle/>
           <a:p>
-            <a:pPr lvl="0" marL="0" indent="0">
+            <a:pPr marL="0" lvl="0" indent="0">
               <a:buNone/>
             </a:pPr>
             <a:r>
-              <a:rPr/>
-              <a:t>Netværk</a:t>
-            </a:r>
-            <a:r>
-              <a:rPr/>
-              <a:t> </a:t>
-            </a:r>
-            <a:r>
-              <a:rPr/>
-              <a:t>visualisering</a:t>
+              <a:t>Netværk visualisering</a:t>
             </a:r>
           </a:p>
         </p:txBody>
       </p:sp>
     </p:spTree>
   </p:cSld>
+  <p:clrMapOvr>
+    <a:masterClrMapping/>
+  </p:clrMapOvr>
 </p:sld>
 </file>
 
@@ -3771,20 +2667,11 @@
           <a:bodyPr/>
           <a:lstStyle/>
           <a:p>
-            <a:pPr lvl="0" marL="0" indent="0">
+            <a:pPr marL="0" lvl="0" indent="0">
               <a:buNone/>
             </a:pPr>
             <a:r>
-              <a:rPr/>
-              <a:t>Two-mode</a:t>
-            </a:r>
-            <a:r>
-              <a:rPr/>
-              <a:t> </a:t>
-            </a:r>
-            <a:r>
-              <a:rPr/>
-              <a:t>netværk</a:t>
+              <a:t>Two-mode netværk</a:t>
             </a:r>
           </a:p>
         </p:txBody>
@@ -3866,7 +2753,7 @@
                 </a:solidFill>
                 <a:latin typeface="Courier"/>
               </a:rPr>
-              <a:t>"Parliament"</a:t>
+              <a:t>"Family"</a:t>
             </a:r>
             <a:r>
               <a:rPr>
@@ -4090,6 +2977,9 @@
       </p:sp>
     </p:spTree>
   </p:cSld>
+  <p:clrMapOvr>
+    <a:masterClrMapping/>
+  </p:clrMapOvr>
 </p:sld>
 </file>
 
@@ -4136,20 +3026,11 @@
           <a:bodyPr/>
           <a:lstStyle/>
           <a:p>
-            <a:pPr lvl="0" marL="0" indent="0">
+            <a:pPr marL="0" lvl="0" indent="0">
               <a:buNone/>
             </a:pPr>
             <a:r>
-              <a:rPr/>
-              <a:t>One-mode</a:t>
-            </a:r>
-            <a:r>
-              <a:rPr/>
-              <a:t> </a:t>
-            </a:r>
-            <a:r>
-              <a:rPr/>
-              <a:t>netværk</a:t>
+              <a:t>One-mode netværk</a:t>
             </a:r>
           </a:p>
         </p:txBody>
@@ -4167,7 +3048,7 @@
             <a:spLocks noGrp="1"/>
           </p:cNvSpPr>
           <p:nvPr>
-            <p:ph idx="1" sz="half"/>
+            <p:ph sz="half" idx="1"/>
           </p:nvPr>
         </p:nvSpPr>
         <p:spPr/>
@@ -4175,7 +3056,7 @@
           <a:bodyPr/>
           <a:lstStyle/>
           <a:p>
-            <a:pPr lvl="0" marL="0" indent="0">
+            <a:pPr marL="0" lvl="0" indent="0">
               <a:spcBef>
                 <a:spcPts val="3000"/>
               </a:spcBef>
@@ -4348,7 +3229,7 @@
             <a:spLocks noGrp="1"/>
           </p:cNvSpPr>
           <p:nvPr>
-            <p:ph idx="2" sz="half"/>
+            <p:ph sz="half" idx="2"/>
           </p:nvPr>
         </p:nvSpPr>
         <p:spPr/>
@@ -4356,7 +3237,7 @@
           <a:bodyPr/>
           <a:lstStyle/>
           <a:p>
-            <a:pPr lvl="0" marL="0" indent="0">
+            <a:pPr marL="0" lvl="0" indent="0">
               <a:spcBef>
                 <a:spcPts val="3000"/>
               </a:spcBef>
@@ -4652,6 +3533,9 @@
       </p:sp>
     </p:spTree>
   </p:cSld>
+  <p:clrMapOvr>
+    <a:masterClrMapping/>
+  </p:clrMapOvr>
 </p:sld>
 </file>
 
@@ -4698,36 +3582,11 @@
           <a:bodyPr/>
           <a:lstStyle/>
           <a:p>
-            <a:pPr lvl="0" marL="0" indent="0">
+            <a:pPr marL="0" lvl="0" indent="0">
               <a:buNone/>
             </a:pPr>
             <a:r>
-              <a:rPr/>
-              <a:t>Netværk</a:t>
-            </a:r>
-            <a:r>
-              <a:rPr/>
-              <a:t> </a:t>
-            </a:r>
-            <a:r>
-              <a:rPr/>
-              <a:t>visualisering</a:t>
-            </a:r>
-            <a:r>
-              <a:rPr/>
-              <a:t> </a:t>
-            </a:r>
-            <a:r>
-              <a:rPr/>
-              <a:t>med</a:t>
-            </a:r>
-            <a:r>
-              <a:rPr/>
-              <a:t> </a:t>
-            </a:r>
-            <a:r>
-              <a:rPr/>
-              <a:t>ggraph</a:t>
+              <a:t>Netværk visualisering med ggraph</a:t>
             </a:r>
           </a:p>
         </p:txBody>
@@ -4750,30 +3609,46 @@
         </p:nvSpPr>
         <p:spPr/>
         <p:txBody>
-          <a:bodyPr/>
+          <a:bodyPr>
+            <a:normAutofit fontScale="92500"/>
+          </a:bodyPr>
           <a:lstStyle/>
           <a:p>
             <a:pPr lvl="0" indent="0">
+              <a:lnSpc>
+                <a:spcPct val="150000"/>
+              </a:lnSpc>
               <a:buNone/>
             </a:pPr>
             <a:r>
-              <a:rPr i="1">
-                <a:solidFill>
-                  <a:srgbClr val="60A0B0"/>
-                </a:solidFill>
-                <a:latin typeface="Courier"/>
-              </a:rPr>
-              <a:t># graph objekt</a:t>
-            </a:r>
-            <a:br/>
-            <a:r>
-              <a:rPr>
+              <a:rPr sz="1400" i="1" dirty="0">
+                <a:solidFill>
+                  <a:srgbClr val="60A0B0"/>
+                </a:solidFill>
+                <a:latin typeface="Courier"/>
+              </a:rPr>
+              <a:t># graph </a:t>
+            </a:r>
+            <a:r>
+              <a:rPr sz="1400" i="1" dirty="0" err="1">
+                <a:solidFill>
+                  <a:srgbClr val="60A0B0"/>
+                </a:solidFill>
+                <a:latin typeface="Courier"/>
+              </a:rPr>
+              <a:t>objekt</a:t>
+            </a:r>
+            <a:br>
+              <a:rPr sz="1400" dirty="0"/>
+            </a:br>
+            <a:r>
+              <a:rPr sz="1400" dirty="0">
                 <a:latin typeface="Courier"/>
               </a:rPr>
               <a:t>net1</a:t>
             </a:r>
             <a:r>
-              <a:rPr>
+              <a:rPr sz="1400" dirty="0">
                 <a:solidFill>
                   <a:srgbClr val="4070A0"/>
                 </a:solidFill>
@@ -4782,14 +3657,16 @@
               <a:t>%&gt;%</a:t>
             </a:r>
             <a:r>
-              <a:rPr>
-                <a:latin typeface="Courier"/>
-              </a:rPr>
-              <a:t> </a:t>
-            </a:r>
-            <a:br/>
-            <a:r>
-              <a:rPr i="1">
+              <a:rPr sz="1400" dirty="0">
+                <a:latin typeface="Courier"/>
+              </a:rPr>
+              <a:t> </a:t>
+            </a:r>
+            <a:br>
+              <a:rPr sz="1400" dirty="0"/>
+            </a:br>
+            <a:r>
+              <a:rPr sz="1400" i="1" dirty="0">
                 <a:solidFill>
                   <a:srgbClr val="60A0B0"/>
                 </a:solidFill>
@@ -4797,15 +3674,17 @@
               </a:rPr>
               <a:t># graph layout</a:t>
             </a:r>
-            <a:br/>
-            <a:r>
-              <a:rPr>
+            <a:br>
+              <a:rPr sz="1400" dirty="0"/>
+            </a:br>
+            <a:r>
+              <a:rPr sz="1400" dirty="0">
                 <a:latin typeface="Courier"/>
               </a:rPr>
               <a:t>  </a:t>
             </a:r>
             <a:r>
-              <a:rPr>
+              <a:rPr sz="1400" dirty="0">
                 <a:solidFill>
                   <a:srgbClr val="06287E"/>
                 </a:solidFill>
@@ -4814,13 +3693,13 @@
               <a:t>ggraph</a:t>
             </a:r>
             <a:r>
-              <a:rPr>
+              <a:rPr sz="1400" dirty="0">
                 <a:latin typeface="Courier"/>
               </a:rPr>
               <a:t>(</a:t>
             </a:r>
             <a:r>
-              <a:rPr>
+              <a:rPr sz="1400" dirty="0">
                 <a:solidFill>
                   <a:srgbClr val="7D9029"/>
                 </a:solidFill>
@@ -4829,28 +3708,46 @@
               <a:t>layout =</a:t>
             </a:r>
             <a:r>
-              <a:rPr>
-                <a:latin typeface="Courier"/>
-              </a:rPr>
-              <a:t> </a:t>
-            </a:r>
-            <a:r>
-              <a:rPr>
+              <a:rPr sz="1400" dirty="0">
+                <a:latin typeface="Courier"/>
+              </a:rPr>
+              <a:t> </a:t>
+            </a:r>
+            <a:r>
+              <a:rPr sz="1400" dirty="0">
                 <a:solidFill>
                   <a:srgbClr val="4070A0"/>
                 </a:solidFill>
                 <a:latin typeface="Courier"/>
               </a:rPr>
-              <a:t>"fr"</a:t>
-            </a:r>
-            <a:r>
-              <a:rPr>
+              <a:t>"</a:t>
+            </a:r>
+            <a:r>
+              <a:rPr sz="1400" dirty="0" err="1">
+                <a:solidFill>
+                  <a:srgbClr val="4070A0"/>
+                </a:solidFill>
+                <a:latin typeface="Courier"/>
+              </a:rPr>
+              <a:t>fr</a:t>
+            </a:r>
+            <a:r>
+              <a:rPr sz="1400" dirty="0">
+                <a:solidFill>
+                  <a:srgbClr val="4070A0"/>
+                </a:solidFill>
+                <a:latin typeface="Courier"/>
+              </a:rPr>
+              <a:t>"</a:t>
+            </a:r>
+            <a:r>
+              <a:rPr sz="1400" dirty="0">
                 <a:latin typeface="Courier"/>
               </a:rPr>
               <a:t>) </a:t>
             </a:r>
             <a:r>
-              <a:rPr>
+              <a:rPr sz="1400" dirty="0">
                 <a:solidFill>
                   <a:srgbClr val="4070A0"/>
                 </a:solidFill>
@@ -4858,25 +3755,155 @@
               </a:rPr>
               <a:t>+</a:t>
             </a:r>
-            <a:br/>
-            <a:r>
-              <a:rPr i="1">
-                <a:solidFill>
-                  <a:srgbClr val="60A0B0"/>
-                </a:solidFill>
-                <a:latin typeface="Courier"/>
-              </a:rPr>
-              <a:t># Tilføjer forbindelser mellem aktørene - alpha (fra 0-1 - 0 svag, 1 stærk)</a:t>
-            </a:r>
-            <a:br/>
-            <a:r>
-              <a:rPr>
+            <a:br>
+              <a:rPr sz="1400" dirty="0"/>
+            </a:br>
+            <a:r>
+              <a:rPr sz="1400" i="1" dirty="0">
+                <a:solidFill>
+                  <a:srgbClr val="60A0B0"/>
+                </a:solidFill>
+                <a:latin typeface="Courier"/>
+              </a:rPr>
+              <a:t># </a:t>
+            </a:r>
+            <a:r>
+              <a:rPr sz="1400" i="1" dirty="0" err="1">
+                <a:solidFill>
+                  <a:srgbClr val="60A0B0"/>
+                </a:solidFill>
+                <a:latin typeface="Courier"/>
+              </a:rPr>
+              <a:t>Tilføjer</a:t>
+            </a:r>
+            <a:r>
+              <a:rPr sz="1400" i="1" dirty="0">
+                <a:solidFill>
+                  <a:srgbClr val="60A0B0"/>
+                </a:solidFill>
+                <a:latin typeface="Courier"/>
+              </a:rPr>
+              <a:t> </a:t>
+            </a:r>
+            <a:r>
+              <a:rPr sz="1400" i="1" dirty="0" err="1">
+                <a:solidFill>
+                  <a:srgbClr val="60A0B0"/>
+                </a:solidFill>
+                <a:latin typeface="Courier"/>
+              </a:rPr>
+              <a:t>forbindelser</a:t>
+            </a:r>
+            <a:r>
+              <a:rPr sz="1400" i="1" dirty="0">
+                <a:solidFill>
+                  <a:srgbClr val="60A0B0"/>
+                </a:solidFill>
+                <a:latin typeface="Courier"/>
+              </a:rPr>
+              <a:t> </a:t>
+            </a:r>
+            <a:r>
+              <a:rPr sz="1400" i="1" dirty="0" err="1">
+                <a:solidFill>
+                  <a:srgbClr val="60A0B0"/>
+                </a:solidFill>
+                <a:latin typeface="Courier"/>
+              </a:rPr>
+              <a:t>mellem</a:t>
+            </a:r>
+            <a:r>
+              <a:rPr sz="1400" i="1" dirty="0">
+                <a:solidFill>
+                  <a:srgbClr val="60A0B0"/>
+                </a:solidFill>
+                <a:latin typeface="Courier"/>
+              </a:rPr>
+              <a:t> </a:t>
+            </a:r>
+            <a:r>
+              <a:rPr sz="1400" i="1" dirty="0" err="1">
+                <a:solidFill>
+                  <a:srgbClr val="60A0B0"/>
+                </a:solidFill>
+                <a:latin typeface="Courier"/>
+              </a:rPr>
+              <a:t>aktørene</a:t>
+            </a:r>
+            <a:r>
+              <a:rPr sz="1400" i="1" dirty="0">
+                <a:solidFill>
+                  <a:srgbClr val="60A0B0"/>
+                </a:solidFill>
+                <a:latin typeface="Courier"/>
+              </a:rPr>
+              <a:t> - alpha (</a:t>
+            </a:r>
+            <a:r>
+              <a:rPr sz="1400" i="1" dirty="0" err="1">
+                <a:solidFill>
+                  <a:srgbClr val="60A0B0"/>
+                </a:solidFill>
+                <a:latin typeface="Courier"/>
+              </a:rPr>
+              <a:t>fra</a:t>
+            </a:r>
+            <a:r>
+              <a:rPr sz="1400" i="1" dirty="0">
+                <a:solidFill>
+                  <a:srgbClr val="60A0B0"/>
+                </a:solidFill>
+                <a:latin typeface="Courier"/>
+              </a:rPr>
+              <a:t> 0-1 - 0 </a:t>
+            </a:r>
+            <a:r>
+              <a:rPr sz="1400" i="1" dirty="0" err="1">
+                <a:solidFill>
+                  <a:srgbClr val="60A0B0"/>
+                </a:solidFill>
+                <a:latin typeface="Courier"/>
+              </a:rPr>
+              <a:t>svag</a:t>
+            </a:r>
+            <a:r>
+              <a:rPr sz="1400" i="1" dirty="0">
+                <a:solidFill>
+                  <a:srgbClr val="60A0B0"/>
+                </a:solidFill>
+                <a:latin typeface="Courier"/>
+              </a:rPr>
+              <a:t>, 1 </a:t>
+            </a:r>
+            <a:r>
+              <a:rPr sz="1400" i="1" dirty="0" err="1">
+                <a:solidFill>
+                  <a:srgbClr val="60A0B0"/>
+                </a:solidFill>
+                <a:latin typeface="Courier"/>
+              </a:rPr>
+              <a:t>stærk</a:t>
+            </a:r>
+            <a:r>
+              <a:rPr sz="1400" i="1" dirty="0">
+                <a:solidFill>
+                  <a:srgbClr val="60A0B0"/>
+                </a:solidFill>
+                <a:latin typeface="Courier"/>
+              </a:rPr>
+              <a:t>)</a:t>
+            </a:r>
+            <a:br>
+              <a:rPr sz="1400" dirty="0"/>
+            </a:br>
+            <a:r>
+              <a:rPr sz="1400" dirty="0">
                 <a:latin typeface="Courier"/>
               </a:rPr>
               <a:t>  </a:t>
             </a:r>
             <a:r>
-              <a:rPr>
+              <a:rPr sz="1400" dirty="0">
                 <a:solidFill>
                   <a:srgbClr val="06287E"/>
                 </a:solidFill>
@@ -4885,13 +3912,13 @@
               <a:t>geom_edge_link0</a:t>
             </a:r>
             <a:r>
-              <a:rPr>
+              <a:rPr sz="1400" dirty="0">
                 <a:latin typeface="Courier"/>
               </a:rPr>
               <a:t>(</a:t>
             </a:r>
             <a:r>
-              <a:rPr>
+              <a:rPr sz="1400" dirty="0">
                 <a:solidFill>
                   <a:srgbClr val="7D9029"/>
                 </a:solidFill>
@@ -4900,13 +3927,13 @@
               <a:t>color =</a:t>
             </a:r>
             <a:r>
-              <a:rPr>
-                <a:latin typeface="Courier"/>
-              </a:rPr>
-              <a:t> </a:t>
-            </a:r>
-            <a:r>
-              <a:rPr>
+              <a:rPr sz="1400" dirty="0">
+                <a:latin typeface="Courier"/>
+              </a:rPr>
+              <a:t> </a:t>
+            </a:r>
+            <a:r>
+              <a:rPr sz="1400" dirty="0">
                 <a:solidFill>
                   <a:srgbClr val="4070A0"/>
                 </a:solidFill>
@@ -4915,13 +3942,13 @@
               <a:t>"gray60"</a:t>
             </a:r>
             <a:r>
-              <a:rPr>
+              <a:rPr sz="1400" dirty="0">
                 <a:latin typeface="Courier"/>
               </a:rPr>
               <a:t>, </a:t>
             </a:r>
             <a:r>
-              <a:rPr>
+              <a:rPr sz="1400" dirty="0">
                 <a:solidFill>
                   <a:srgbClr val="7D9029"/>
                 </a:solidFill>
@@ -4930,13 +3957,13 @@
               <a:t>alpha =</a:t>
             </a:r>
             <a:r>
-              <a:rPr>
-                <a:latin typeface="Courier"/>
-              </a:rPr>
-              <a:t> </a:t>
-            </a:r>
-            <a:r>
-              <a:rPr>
+              <a:rPr sz="1400" dirty="0">
+                <a:latin typeface="Courier"/>
+              </a:rPr>
+              <a:t> </a:t>
+            </a:r>
+            <a:r>
+              <a:rPr sz="1400" dirty="0">
                 <a:solidFill>
                   <a:srgbClr val="40A070"/>
                 </a:solidFill>
@@ -4945,13 +3972,13 @@
               <a:t>0.8</a:t>
             </a:r>
             <a:r>
-              <a:rPr>
+              <a:rPr sz="1400" dirty="0">
                 <a:latin typeface="Courier"/>
               </a:rPr>
               <a:t>) </a:t>
             </a:r>
             <a:r>
-              <a:rPr>
+              <a:rPr sz="1400" dirty="0">
                 <a:solidFill>
                   <a:srgbClr val="4070A0"/>
                 </a:solidFill>
@@ -4959,25 +3986,101 @@
               </a:rPr>
               <a:t>+</a:t>
             </a:r>
-            <a:br/>
-            <a:r>
-              <a:rPr i="1">
-                <a:solidFill>
-                  <a:srgbClr val="60A0B0"/>
-                </a:solidFill>
-                <a:latin typeface="Courier"/>
-              </a:rPr>
-              <a:t># Tilføjer punkter eller aktørene </a:t>
-            </a:r>
-            <a:br/>
-            <a:r>
-              <a:rPr>
+            <a:br>
+              <a:rPr sz="1400" dirty="0"/>
+            </a:br>
+            <a:r>
+              <a:rPr sz="1400" i="1" dirty="0">
+                <a:solidFill>
+                  <a:srgbClr val="60A0B0"/>
+                </a:solidFill>
+                <a:latin typeface="Courier"/>
+              </a:rPr>
+              <a:t># </a:t>
+            </a:r>
+            <a:r>
+              <a:rPr sz="1400" i="1" dirty="0" err="1">
+                <a:solidFill>
+                  <a:srgbClr val="60A0B0"/>
+                </a:solidFill>
+                <a:latin typeface="Courier"/>
+              </a:rPr>
+              <a:t>Tilføjer</a:t>
+            </a:r>
+            <a:r>
+              <a:rPr sz="1400" i="1" dirty="0">
+                <a:solidFill>
+                  <a:srgbClr val="60A0B0"/>
+                </a:solidFill>
+                <a:latin typeface="Courier"/>
+              </a:rPr>
+              <a:t> </a:t>
+            </a:r>
+            <a:r>
+              <a:rPr sz="1400" i="1" dirty="0" err="1">
+                <a:solidFill>
+                  <a:srgbClr val="60A0B0"/>
+                </a:solidFill>
+                <a:latin typeface="Courier"/>
+              </a:rPr>
+              <a:t>punkter</a:t>
+            </a:r>
+            <a:r>
+              <a:rPr sz="1400" i="1" dirty="0">
+                <a:solidFill>
+                  <a:srgbClr val="60A0B0"/>
+                </a:solidFill>
+                <a:latin typeface="Courier"/>
+              </a:rPr>
+              <a:t> </a:t>
+            </a:r>
+            <a:r>
+              <a:rPr sz="1400" i="1" dirty="0" err="1">
+                <a:solidFill>
+                  <a:srgbClr val="60A0B0"/>
+                </a:solidFill>
+                <a:latin typeface="Courier"/>
+              </a:rPr>
+              <a:t>eller</a:t>
+            </a:r>
+            <a:r>
+              <a:rPr sz="1400" i="1" dirty="0">
+                <a:solidFill>
+                  <a:srgbClr val="60A0B0"/>
+                </a:solidFill>
+                <a:latin typeface="Courier"/>
+              </a:rPr>
+              <a:t> </a:t>
+            </a:r>
+            <a:r>
+              <a:rPr sz="1400" i="1" dirty="0" err="1">
+                <a:solidFill>
+                  <a:srgbClr val="60A0B0"/>
+                </a:solidFill>
+                <a:latin typeface="Courier"/>
+              </a:rPr>
+              <a:t>aktørene</a:t>
+            </a:r>
+            <a:r>
+              <a:rPr sz="1400" i="1" dirty="0">
+                <a:solidFill>
+                  <a:srgbClr val="60A0B0"/>
+                </a:solidFill>
+                <a:latin typeface="Courier"/>
+              </a:rPr>
+              <a:t> </a:t>
+            </a:r>
+            <a:br>
+              <a:rPr sz="1400" dirty="0"/>
+            </a:br>
+            <a:r>
+              <a:rPr sz="1400" dirty="0">
                 <a:latin typeface="Courier"/>
               </a:rPr>
               <a:t>  </a:t>
             </a:r>
             <a:r>
-              <a:rPr>
+              <a:rPr sz="1400" dirty="0" err="1">
                 <a:solidFill>
                   <a:srgbClr val="06287E"/>
                 </a:solidFill>
@@ -4986,13 +4089,13 @@
               <a:t>geom_node_point</a:t>
             </a:r>
             <a:r>
-              <a:rPr>
+              <a:rPr sz="1400" dirty="0">
                 <a:latin typeface="Courier"/>
               </a:rPr>
               <a:t>(</a:t>
             </a:r>
             <a:r>
-              <a:rPr>
+              <a:rPr sz="1400" dirty="0" err="1">
                 <a:solidFill>
                   <a:srgbClr val="06287E"/>
                 </a:solidFill>
@@ -5001,13 +4104,13 @@
               <a:t>aes</a:t>
             </a:r>
             <a:r>
-              <a:rPr>
+              <a:rPr sz="1400" dirty="0">
                 <a:latin typeface="Courier"/>
               </a:rPr>
               <a:t>(</a:t>
             </a:r>
             <a:r>
-              <a:rPr>
+              <a:rPr sz="1400" dirty="0">
                 <a:solidFill>
                   <a:srgbClr val="7D9029"/>
                 </a:solidFill>
@@ -5016,13 +4119,13 @@
               <a:t>color =</a:t>
             </a:r>
             <a:r>
-              <a:rPr>
+              <a:rPr sz="1400" dirty="0">
                 <a:latin typeface="Courier"/>
               </a:rPr>
               <a:t> type), </a:t>
             </a:r>
             <a:r>
-              <a:rPr>
+              <a:rPr sz="1400" dirty="0">
                 <a:solidFill>
                   <a:srgbClr val="7D9029"/>
                 </a:solidFill>
@@ -5031,13 +4134,13 @@
               <a:t>size =</a:t>
             </a:r>
             <a:r>
-              <a:rPr>
-                <a:latin typeface="Courier"/>
-              </a:rPr>
-              <a:t> </a:t>
-            </a:r>
-            <a:r>
-              <a:rPr>
+              <a:rPr sz="1400" dirty="0">
+                <a:latin typeface="Courier"/>
+              </a:rPr>
+              <a:t> </a:t>
+            </a:r>
+            <a:r>
+              <a:rPr sz="1400" dirty="0">
                 <a:solidFill>
                   <a:srgbClr val="40A070"/>
                 </a:solidFill>
@@ -5046,13 +4149,13 @@
               <a:t>3</a:t>
             </a:r>
             <a:r>
-              <a:rPr>
+              <a:rPr sz="1400" dirty="0">
                 <a:latin typeface="Courier"/>
               </a:rPr>
               <a:t>) </a:t>
             </a:r>
             <a:r>
-              <a:rPr>
+              <a:rPr sz="1400" dirty="0">
                 <a:solidFill>
                   <a:srgbClr val="4070A0"/>
                 </a:solidFill>
@@ -5060,25 +4163,92 @@
               </a:rPr>
               <a:t>+</a:t>
             </a:r>
-            <a:br/>
-            <a:r>
-              <a:rPr i="1">
-                <a:solidFill>
-                  <a:srgbClr val="60A0B0"/>
-                </a:solidFill>
-                <a:latin typeface="Courier"/>
-              </a:rPr>
-              <a:t># Tilføjer beskrivelser af familie</a:t>
-            </a:r>
-            <a:br/>
-            <a:r>
-              <a:rPr>
+            <a:br>
+              <a:rPr sz="1400" dirty="0"/>
+            </a:br>
+            <a:r>
+              <a:rPr sz="1400" i="1" dirty="0">
+                <a:solidFill>
+                  <a:srgbClr val="60A0B0"/>
+                </a:solidFill>
+                <a:latin typeface="Courier"/>
+              </a:rPr>
+              <a:t># </a:t>
+            </a:r>
+            <a:r>
+              <a:rPr sz="1400" i="1" dirty="0" err="1">
+                <a:solidFill>
+                  <a:srgbClr val="60A0B0"/>
+                </a:solidFill>
+                <a:latin typeface="Courier"/>
+              </a:rPr>
+              <a:t>Tilføjer</a:t>
+            </a:r>
+            <a:r>
+              <a:rPr sz="1400" i="1" dirty="0">
+                <a:solidFill>
+                  <a:srgbClr val="60A0B0"/>
+                </a:solidFill>
+                <a:latin typeface="Courier"/>
+              </a:rPr>
+              <a:t> </a:t>
+            </a:r>
+            <a:r>
+              <a:rPr sz="1400" i="1" dirty="0" err="1">
+                <a:solidFill>
+                  <a:srgbClr val="60A0B0"/>
+                </a:solidFill>
+                <a:latin typeface="Courier"/>
+              </a:rPr>
+              <a:t>beskrivelser</a:t>
+            </a:r>
+            <a:r>
+              <a:rPr sz="1400" i="1" dirty="0">
+                <a:solidFill>
+                  <a:srgbClr val="60A0B0"/>
+                </a:solidFill>
+                <a:latin typeface="Courier"/>
+              </a:rPr>
+              <a:t> </a:t>
+            </a:r>
+            <a:r>
+              <a:rPr sz="1400" i="1" dirty="0" err="1">
+                <a:solidFill>
+                  <a:srgbClr val="60A0B0"/>
+                </a:solidFill>
+                <a:latin typeface="Courier"/>
+              </a:rPr>
+              <a:t>af</a:t>
+            </a:r>
+            <a:r>
+              <a:rPr sz="1400" i="1" dirty="0">
+                <a:solidFill>
+                  <a:srgbClr val="60A0B0"/>
+                </a:solidFill>
+                <a:latin typeface="Courier"/>
+              </a:rPr>
+              <a:t> </a:t>
+            </a:r>
+            <a:r>
+              <a:rPr sz="1400" i="1" dirty="0" err="1">
+                <a:solidFill>
+                  <a:srgbClr val="60A0B0"/>
+                </a:solidFill>
+                <a:latin typeface="Courier"/>
+              </a:rPr>
+              <a:t>familie</a:t>
+            </a:r>
+            <a:br>
+              <a:rPr sz="1400" dirty="0"/>
+            </a:br>
+            <a:r>
+              <a:rPr sz="1400" dirty="0">
                 <a:latin typeface="Courier"/>
               </a:rPr>
               <a:t>  </a:t>
             </a:r>
             <a:r>
-              <a:rPr>
+              <a:rPr sz="1400" dirty="0" err="1">
                 <a:solidFill>
                   <a:srgbClr val="06287E"/>
                 </a:solidFill>
@@ -5087,13 +4257,13 @@
               <a:t>geom_node_text</a:t>
             </a:r>
             <a:r>
-              <a:rPr>
+              <a:rPr sz="1400" dirty="0">
                 <a:latin typeface="Courier"/>
               </a:rPr>
               <a:t>(</a:t>
             </a:r>
             <a:r>
-              <a:rPr>
+              <a:rPr sz="1400" dirty="0" err="1">
                 <a:solidFill>
                   <a:srgbClr val="06287E"/>
                 </a:solidFill>
@@ -5102,13 +4272,13 @@
               <a:t>aes</a:t>
             </a:r>
             <a:r>
-              <a:rPr>
+              <a:rPr sz="1400" dirty="0">
                 <a:latin typeface="Courier"/>
               </a:rPr>
               <a:t>(</a:t>
             </a:r>
             <a:r>
-              <a:rPr>
+              <a:rPr sz="1400" dirty="0">
                 <a:solidFill>
                   <a:srgbClr val="7D9029"/>
                 </a:solidFill>
@@ -5117,13 +4287,13 @@
               <a:t>filter=</a:t>
             </a:r>
             <a:r>
-              <a:rPr>
+              <a:rPr sz="1400" dirty="0">
                 <a:latin typeface="Courier"/>
               </a:rPr>
               <a:t>type</a:t>
             </a:r>
             <a:r>
-              <a:rPr>
+              <a:rPr sz="1400" dirty="0">
                 <a:solidFill>
                   <a:srgbClr val="4070A0"/>
                 </a:solidFill>
@@ -5132,7 +4302,7 @@
               <a:t>==</a:t>
             </a:r>
             <a:r>
-              <a:rPr>
+              <a:rPr sz="1400" dirty="0">
                 <a:solidFill>
                   <a:srgbClr val="880000"/>
                 </a:solidFill>
@@ -5141,13 +4311,13 @@
               <a:t>TRUE</a:t>
             </a:r>
             <a:r>
-              <a:rPr>
+              <a:rPr sz="1400" dirty="0">
                 <a:latin typeface="Courier"/>
               </a:rPr>
               <a:t>, </a:t>
             </a:r>
             <a:r>
-              <a:rPr>
+              <a:rPr sz="1400" dirty="0">
                 <a:solidFill>
                   <a:srgbClr val="7D9029"/>
                 </a:solidFill>
@@ -5156,13 +4326,13 @@
               <a:t>label =</a:t>
             </a:r>
             <a:r>
-              <a:rPr>
+              <a:rPr sz="1400" dirty="0">
                 <a:latin typeface="Courier"/>
               </a:rPr>
               <a:t> name), </a:t>
             </a:r>
             <a:r>
-              <a:rPr>
+              <a:rPr sz="1400" dirty="0">
                 <a:solidFill>
                   <a:srgbClr val="7D9029"/>
                 </a:solidFill>
@@ -5171,13 +4341,13 @@
               <a:t>repel =</a:t>
             </a:r>
             <a:r>
-              <a:rPr>
-                <a:latin typeface="Courier"/>
-              </a:rPr>
-              <a:t> </a:t>
-            </a:r>
-            <a:r>
-              <a:rPr>
+              <a:rPr sz="1400" dirty="0">
+                <a:latin typeface="Courier"/>
+              </a:rPr>
+              <a:t> </a:t>
+            </a:r>
+            <a:r>
+              <a:rPr sz="1400" dirty="0">
                 <a:solidFill>
                   <a:srgbClr val="880000"/>
                 </a:solidFill>
@@ -5186,13 +4356,13 @@
               <a:t>TRUE</a:t>
             </a:r>
             <a:r>
-              <a:rPr>
+              <a:rPr sz="1400" dirty="0">
                 <a:latin typeface="Courier"/>
               </a:rPr>
               <a:t>, </a:t>
             </a:r>
             <a:r>
-              <a:rPr>
+              <a:rPr sz="1400" dirty="0">
                 <a:solidFill>
                   <a:srgbClr val="7D9029"/>
                 </a:solidFill>
@@ -5201,13 +4371,13 @@
               <a:t>size =</a:t>
             </a:r>
             <a:r>
-              <a:rPr>
-                <a:latin typeface="Courier"/>
-              </a:rPr>
-              <a:t> </a:t>
-            </a:r>
-            <a:r>
-              <a:rPr>
+              <a:rPr sz="1400" dirty="0">
+                <a:latin typeface="Courier"/>
+              </a:rPr>
+              <a:t> </a:t>
+            </a:r>
+            <a:r>
+              <a:rPr sz="1400" dirty="0">
                 <a:solidFill>
                   <a:srgbClr val="40A070"/>
                 </a:solidFill>
@@ -5216,13 +4386,13 @@
               <a:t>4</a:t>
             </a:r>
             <a:r>
-              <a:rPr>
+              <a:rPr sz="1400" dirty="0">
                 <a:latin typeface="Courier"/>
               </a:rPr>
               <a:t>) </a:t>
             </a:r>
             <a:r>
-              <a:rPr>
+              <a:rPr sz="1400" dirty="0">
                 <a:solidFill>
                   <a:srgbClr val="4070A0"/>
                 </a:solidFill>
@@ -5230,25 +4400,65 @@
               </a:rPr>
               <a:t>+</a:t>
             </a:r>
-            <a:br/>
-            <a:r>
-              <a:rPr i="1">
-                <a:solidFill>
-                  <a:srgbClr val="60A0B0"/>
-                </a:solidFill>
-                <a:latin typeface="Courier"/>
-              </a:rPr>
-              <a:t># ændrer farver + labels</a:t>
-            </a:r>
-            <a:br/>
-            <a:r>
-              <a:rPr>
+            <a:br>
+              <a:rPr sz="1400" dirty="0"/>
+            </a:br>
+            <a:r>
+              <a:rPr sz="1400" i="1" dirty="0">
+                <a:solidFill>
+                  <a:srgbClr val="60A0B0"/>
+                </a:solidFill>
+                <a:latin typeface="Courier"/>
+              </a:rPr>
+              <a:t># </a:t>
+            </a:r>
+            <a:r>
+              <a:rPr sz="1400" i="1" dirty="0" err="1">
+                <a:solidFill>
+                  <a:srgbClr val="60A0B0"/>
+                </a:solidFill>
+                <a:latin typeface="Courier"/>
+              </a:rPr>
+              <a:t>ændrer</a:t>
+            </a:r>
+            <a:r>
+              <a:rPr sz="1400" i="1" dirty="0">
+                <a:solidFill>
+                  <a:srgbClr val="60A0B0"/>
+                </a:solidFill>
+                <a:latin typeface="Courier"/>
+              </a:rPr>
+              <a:t> </a:t>
+            </a:r>
+            <a:r>
+              <a:rPr sz="1400" i="1" dirty="0" err="1">
+                <a:solidFill>
+                  <a:srgbClr val="60A0B0"/>
+                </a:solidFill>
+                <a:latin typeface="Courier"/>
+              </a:rPr>
+              <a:t>farver</a:t>
+            </a:r>
+            <a:r>
+              <a:rPr sz="1400" i="1" dirty="0">
+                <a:solidFill>
+                  <a:srgbClr val="60A0B0"/>
+                </a:solidFill>
+                <a:latin typeface="Courier"/>
+              </a:rPr>
+              <a:t> + labels</a:t>
+            </a:r>
+            <a:br>
+              <a:rPr sz="1400" dirty="0"/>
+            </a:br>
+            <a:r>
+              <a:rPr sz="1400" dirty="0">
                 <a:latin typeface="Courier"/>
               </a:rPr>
               <a:t>  </a:t>
             </a:r>
             <a:r>
-              <a:rPr>
+              <a:rPr sz="1400" dirty="0" err="1">
                 <a:solidFill>
                   <a:srgbClr val="06287E"/>
                 </a:solidFill>
@@ -5257,13 +4467,13 @@
               <a:t>scale_color_manual</a:t>
             </a:r>
             <a:r>
-              <a:rPr>
+              <a:rPr sz="1400" dirty="0">
                 <a:latin typeface="Courier"/>
               </a:rPr>
               <a:t>(</a:t>
             </a:r>
             <a:r>
-              <a:rPr>
+              <a:rPr sz="1400" dirty="0">
                 <a:solidFill>
                   <a:srgbClr val="7D9029"/>
                 </a:solidFill>
@@ -5272,13 +4482,13 @@
               <a:t>values =</a:t>
             </a:r>
             <a:r>
-              <a:rPr>
-                <a:latin typeface="Courier"/>
-              </a:rPr>
-              <a:t> </a:t>
-            </a:r>
-            <a:r>
-              <a:rPr>
+              <a:rPr sz="1400" dirty="0">
+                <a:latin typeface="Courier"/>
+              </a:rPr>
+              <a:t> </a:t>
+            </a:r>
+            <a:r>
+              <a:rPr sz="1400" dirty="0">
                 <a:solidFill>
                   <a:srgbClr val="06287E"/>
                 </a:solidFill>
@@ -5287,43 +4497,79 @@
               <a:t>c</a:t>
             </a:r>
             <a:r>
-              <a:rPr>
+              <a:rPr sz="1400" dirty="0">
                 <a:latin typeface="Courier"/>
               </a:rPr>
               <a:t>(</a:t>
             </a:r>
             <a:r>
-              <a:rPr>
+              <a:rPr sz="1400" dirty="0">
                 <a:solidFill>
                   <a:srgbClr val="4070A0"/>
                 </a:solidFill>
                 <a:latin typeface="Courier"/>
               </a:rPr>
-              <a:t>"lightblue"</a:t>
-            </a:r>
-            <a:r>
-              <a:rPr>
+              <a:t>"</a:t>
+            </a:r>
+            <a:r>
+              <a:rPr sz="1400" dirty="0" err="1">
+                <a:solidFill>
+                  <a:srgbClr val="4070A0"/>
+                </a:solidFill>
+                <a:latin typeface="Courier"/>
+              </a:rPr>
+              <a:t>lightblue</a:t>
+            </a:r>
+            <a:r>
+              <a:rPr sz="1400" dirty="0">
+                <a:solidFill>
+                  <a:srgbClr val="4070A0"/>
+                </a:solidFill>
+                <a:latin typeface="Courier"/>
+              </a:rPr>
+              <a:t>"</a:t>
+            </a:r>
+            <a:r>
+              <a:rPr sz="1400" dirty="0">
                 <a:latin typeface="Courier"/>
               </a:rPr>
               <a:t>, </a:t>
             </a:r>
             <a:r>
-              <a:rPr>
+              <a:rPr sz="1400" dirty="0">
                 <a:solidFill>
                   <a:srgbClr val="4070A0"/>
                 </a:solidFill>
                 <a:latin typeface="Courier"/>
               </a:rPr>
-              <a:t>"darkred"</a:t>
-            </a:r>
-            <a:r>
-              <a:rPr>
+              <a:t>"</a:t>
+            </a:r>
+            <a:r>
+              <a:rPr sz="1400" dirty="0" err="1">
+                <a:solidFill>
+                  <a:srgbClr val="4070A0"/>
+                </a:solidFill>
+                <a:latin typeface="Courier"/>
+              </a:rPr>
+              <a:t>darkred</a:t>
+            </a:r>
+            <a:r>
+              <a:rPr sz="1400" dirty="0">
+                <a:solidFill>
+                  <a:srgbClr val="4070A0"/>
+                </a:solidFill>
+                <a:latin typeface="Courier"/>
+              </a:rPr>
+              <a:t>"</a:t>
+            </a:r>
+            <a:r>
+              <a:rPr sz="1400" dirty="0">
                 <a:latin typeface="Courier"/>
               </a:rPr>
               <a:t>), </a:t>
             </a:r>
             <a:r>
-              <a:rPr>
+              <a:rPr sz="1400" dirty="0">
                 <a:solidFill>
                   <a:srgbClr val="7D9029"/>
                 </a:solidFill>
@@ -5332,13 +4578,13 @@
               <a:t>labels =</a:t>
             </a:r>
             <a:r>
-              <a:rPr>
-                <a:latin typeface="Courier"/>
-              </a:rPr>
-              <a:t> </a:t>
-            </a:r>
-            <a:r>
-              <a:rPr>
+              <a:rPr sz="1400" dirty="0">
+                <a:latin typeface="Courier"/>
+              </a:rPr>
+              <a:t> </a:t>
+            </a:r>
+            <a:r>
+              <a:rPr sz="1400" dirty="0">
                 <a:solidFill>
                   <a:srgbClr val="06287E"/>
                 </a:solidFill>
@@ -5347,13 +4593,13 @@
               <a:t>c</a:t>
             </a:r>
             <a:r>
-              <a:rPr>
+              <a:rPr sz="1400" dirty="0">
                 <a:latin typeface="Courier"/>
               </a:rPr>
               <a:t>(</a:t>
             </a:r>
             <a:r>
-              <a:rPr>
+              <a:rPr sz="1400" dirty="0">
                 <a:solidFill>
                   <a:srgbClr val="4070A0"/>
                 </a:solidFill>
@@ -5362,13 +4608,13 @@
               <a:t>"Individuals"</a:t>
             </a:r>
             <a:r>
-              <a:rPr>
+              <a:rPr sz="1400" dirty="0">
                 <a:latin typeface="Courier"/>
               </a:rPr>
               <a:t>, </a:t>
             </a:r>
             <a:r>
-              <a:rPr>
+              <a:rPr sz="1400" dirty="0">
                 <a:solidFill>
                   <a:srgbClr val="4070A0"/>
                 </a:solidFill>
@@ -5377,13 +4623,13 @@
               <a:t>"Family"</a:t>
             </a:r>
             <a:r>
-              <a:rPr>
+              <a:rPr sz="1400" dirty="0">
                 <a:latin typeface="Courier"/>
               </a:rPr>
               <a:t>)) </a:t>
             </a:r>
             <a:r>
-              <a:rPr>
+              <a:rPr sz="1400" dirty="0">
                 <a:solidFill>
                   <a:srgbClr val="4070A0"/>
                 </a:solidFill>
@@ -5391,25 +4637,119 @@
               </a:rPr>
               <a:t>+</a:t>
             </a:r>
-            <a:br/>
-            <a:r>
-              <a:rPr i="1">
-                <a:solidFill>
-                  <a:srgbClr val="60A0B0"/>
-                </a:solidFill>
-                <a:latin typeface="Courier"/>
-              </a:rPr>
-              <a:t># graph thema som skal altid tilføjes </a:t>
-            </a:r>
-            <a:br/>
-            <a:r>
-              <a:rPr>
+            <a:br>
+              <a:rPr sz="1400" dirty="0"/>
+            </a:br>
+            <a:r>
+              <a:rPr sz="1400" i="1" dirty="0">
+                <a:solidFill>
+                  <a:srgbClr val="60A0B0"/>
+                </a:solidFill>
+                <a:latin typeface="Courier"/>
+              </a:rPr>
+              <a:t># graph </a:t>
+            </a:r>
+            <a:r>
+              <a:rPr sz="1400" i="1" dirty="0" err="1">
+                <a:solidFill>
+                  <a:srgbClr val="60A0B0"/>
+                </a:solidFill>
+                <a:latin typeface="Courier"/>
+              </a:rPr>
+              <a:t>thema</a:t>
+            </a:r>
+            <a:r>
+              <a:rPr sz="1400" i="1" dirty="0">
+                <a:solidFill>
+                  <a:srgbClr val="60A0B0"/>
+                </a:solidFill>
+                <a:latin typeface="Courier"/>
+              </a:rPr>
+              <a:t> </a:t>
+            </a:r>
+            <a:r>
+              <a:rPr sz="1400" i="1" dirty="0" err="1">
+                <a:solidFill>
+                  <a:srgbClr val="60A0B0"/>
+                </a:solidFill>
+                <a:latin typeface="Courier"/>
+              </a:rPr>
+              <a:t>som</a:t>
+            </a:r>
+            <a:r>
+              <a:rPr sz="1400" i="1" dirty="0">
+                <a:solidFill>
+                  <a:srgbClr val="60A0B0"/>
+                </a:solidFill>
+                <a:latin typeface="Courier"/>
+              </a:rPr>
+              <a:t> </a:t>
+            </a:r>
+            <a:r>
+              <a:rPr sz="1400" i="1" dirty="0" err="1">
+                <a:solidFill>
+                  <a:srgbClr val="60A0B0"/>
+                </a:solidFill>
+                <a:latin typeface="Courier"/>
+              </a:rPr>
+              <a:t>skal</a:t>
+            </a:r>
+            <a:r>
+              <a:rPr sz="1400" i="1" dirty="0">
+                <a:solidFill>
+                  <a:srgbClr val="60A0B0"/>
+                </a:solidFill>
+                <a:latin typeface="Courier"/>
+              </a:rPr>
+              <a:t> </a:t>
+            </a:r>
+            <a:r>
+              <a:rPr sz="1400" i="1" dirty="0" err="1">
+                <a:solidFill>
+                  <a:srgbClr val="60A0B0"/>
+                </a:solidFill>
+                <a:latin typeface="Courier"/>
+              </a:rPr>
+              <a:t>altid</a:t>
+            </a:r>
+            <a:r>
+              <a:rPr sz="1400" i="1" dirty="0">
+                <a:solidFill>
+                  <a:srgbClr val="60A0B0"/>
+                </a:solidFill>
+                <a:latin typeface="Courier"/>
+              </a:rPr>
+              <a:t> </a:t>
+            </a:r>
+            <a:r>
+              <a:rPr sz="1400" i="1" dirty="0" err="1">
+                <a:solidFill>
+                  <a:srgbClr val="60A0B0"/>
+                </a:solidFill>
+                <a:latin typeface="Courier"/>
+              </a:rPr>
+              <a:t>tilføjes</a:t>
+            </a:r>
+            <a:r>
+              <a:rPr sz="1400" i="1" dirty="0">
+                <a:solidFill>
+                  <a:srgbClr val="60A0B0"/>
+                </a:solidFill>
+                <a:latin typeface="Courier"/>
+              </a:rPr>
+              <a:t> </a:t>
+            </a:r>
+            <a:br>
+              <a:rPr sz="1400" dirty="0"/>
+            </a:br>
+            <a:r>
+              <a:rPr sz="1400" dirty="0">
                 <a:latin typeface="Courier"/>
               </a:rPr>
               <a:t>  </a:t>
             </a:r>
             <a:r>
-              <a:rPr>
+              <a:rPr sz="1400" dirty="0" err="1">
                 <a:solidFill>
                   <a:srgbClr val="06287E"/>
                 </a:solidFill>
@@ -5418,13 +4758,13 @@
               <a:t>theme_graph</a:t>
             </a:r>
             <a:r>
-              <a:rPr>
+              <a:rPr sz="1400" dirty="0">
                 <a:latin typeface="Courier"/>
               </a:rPr>
               <a:t>() </a:t>
             </a:r>
             <a:r>
-              <a:rPr>
+              <a:rPr sz="1400" dirty="0">
                 <a:solidFill>
                   <a:srgbClr val="4070A0"/>
                 </a:solidFill>
@@ -5433,30 +4773,160 @@
               <a:t>+</a:t>
             </a:r>
             <a:r>
-              <a:rPr>
-                <a:latin typeface="Courier"/>
-              </a:rPr>
-              <a:t> </a:t>
-            </a:r>
-            <a:br/>
-            <a:r>
-              <a:rPr i="1">
-                <a:solidFill>
-                  <a:srgbClr val="60A0B0"/>
-                </a:solidFill>
-                <a:latin typeface="Courier"/>
-              </a:rPr>
-              <a:t># det gør at "color" titlen ikke bliver vist i forklaringerne </a:t>
-            </a:r>
-            <a:br/>
-            <a:r>
-              <a:rPr>
+              <a:rPr sz="1400" dirty="0">
+                <a:latin typeface="Courier"/>
+              </a:rPr>
+              <a:t> </a:t>
+            </a:r>
+            <a:br>
+              <a:rPr sz="1400" dirty="0"/>
+            </a:br>
+            <a:r>
+              <a:rPr sz="1400" i="1" dirty="0">
+                <a:solidFill>
+                  <a:srgbClr val="60A0B0"/>
+                </a:solidFill>
+                <a:latin typeface="Courier"/>
+              </a:rPr>
+              <a:t># det </a:t>
+            </a:r>
+            <a:r>
+              <a:rPr sz="1400" i="1" dirty="0" err="1">
+                <a:solidFill>
+                  <a:srgbClr val="60A0B0"/>
+                </a:solidFill>
+                <a:latin typeface="Courier"/>
+              </a:rPr>
+              <a:t>gør</a:t>
+            </a:r>
+            <a:r>
+              <a:rPr sz="1400" i="1" dirty="0">
+                <a:solidFill>
+                  <a:srgbClr val="60A0B0"/>
+                </a:solidFill>
+                <a:latin typeface="Courier"/>
+              </a:rPr>
+              <a:t> at "color" </a:t>
+            </a:r>
+            <a:r>
+              <a:rPr sz="1400" i="1" dirty="0" err="1">
+                <a:solidFill>
+                  <a:srgbClr val="60A0B0"/>
+                </a:solidFill>
+                <a:latin typeface="Courier"/>
+              </a:rPr>
+              <a:t>titlen</a:t>
+            </a:r>
+            <a:r>
+              <a:rPr sz="1400" i="1" dirty="0">
+                <a:solidFill>
+                  <a:srgbClr val="60A0B0"/>
+                </a:solidFill>
+                <a:latin typeface="Courier"/>
+              </a:rPr>
+              <a:t> </a:t>
+            </a:r>
+            <a:r>
+              <a:rPr sz="1400" i="1" dirty="0" err="1">
+                <a:solidFill>
+                  <a:srgbClr val="60A0B0"/>
+                </a:solidFill>
+                <a:latin typeface="Courier"/>
+              </a:rPr>
+              <a:t>ikke</a:t>
+            </a:r>
+            <a:r>
+              <a:rPr sz="1400" i="1" dirty="0">
+                <a:solidFill>
+                  <a:srgbClr val="60A0B0"/>
+                </a:solidFill>
+                <a:latin typeface="Courier"/>
+              </a:rPr>
+              <a:t> </a:t>
+            </a:r>
+            <a:r>
+              <a:rPr sz="1400" i="1" dirty="0" err="1">
+                <a:solidFill>
+                  <a:srgbClr val="60A0B0"/>
+                </a:solidFill>
+                <a:latin typeface="Courier"/>
+              </a:rPr>
+              <a:t>bliver</a:t>
+            </a:r>
+            <a:r>
+              <a:rPr sz="1400" i="1" dirty="0">
+                <a:solidFill>
+                  <a:srgbClr val="60A0B0"/>
+                </a:solidFill>
+                <a:latin typeface="Courier"/>
+              </a:rPr>
+              <a:t> </a:t>
+            </a:r>
+            <a:r>
+              <a:rPr sz="1400" i="1" dirty="0" err="1">
+                <a:solidFill>
+                  <a:srgbClr val="60A0B0"/>
+                </a:solidFill>
+                <a:latin typeface="Courier"/>
+              </a:rPr>
+              <a:t>vist</a:t>
+            </a:r>
+            <a:r>
+              <a:rPr sz="1400" i="1" dirty="0">
+                <a:solidFill>
+                  <a:srgbClr val="60A0B0"/>
+                </a:solidFill>
+                <a:latin typeface="Courier"/>
+              </a:rPr>
+              <a:t> </a:t>
+            </a:r>
+            <a:r>
+              <a:rPr sz="1400" i="1" dirty="0" err="1">
+                <a:solidFill>
+                  <a:srgbClr val="60A0B0"/>
+                </a:solidFill>
+                <a:latin typeface="Courier"/>
+              </a:rPr>
+              <a:t>i</a:t>
+            </a:r>
+            <a:r>
+              <a:rPr sz="1400" i="1" dirty="0">
+                <a:solidFill>
+                  <a:srgbClr val="60A0B0"/>
+                </a:solidFill>
+                <a:latin typeface="Courier"/>
+              </a:rPr>
+              <a:t> </a:t>
+            </a:r>
+            <a:r>
+              <a:rPr sz="1400" i="1" dirty="0" err="1">
+                <a:solidFill>
+                  <a:srgbClr val="60A0B0"/>
+                </a:solidFill>
+                <a:latin typeface="Courier"/>
+              </a:rPr>
+              <a:t>forklaringerne</a:t>
+            </a:r>
+            <a:r>
+              <a:rPr sz="1400" i="1" dirty="0">
+                <a:solidFill>
+                  <a:srgbClr val="60A0B0"/>
+                </a:solidFill>
+                <a:latin typeface="Courier"/>
+              </a:rPr>
+              <a:t> </a:t>
+            </a:r>
+            <a:br>
+              <a:rPr sz="1400" dirty="0"/>
+            </a:br>
+            <a:r>
+              <a:rPr sz="1400" dirty="0">
                 <a:latin typeface="Courier"/>
               </a:rPr>
               <a:t>  </a:t>
             </a:r>
             <a:r>
-              <a:rPr>
+              <a:rPr sz="1400" dirty="0">
                 <a:solidFill>
                   <a:srgbClr val="06287E"/>
                 </a:solidFill>
@@ -5465,13 +4935,13 @@
               <a:t>labs</a:t>
             </a:r>
             <a:r>
-              <a:rPr>
+              <a:rPr sz="1400" dirty="0">
                 <a:latin typeface="Courier"/>
               </a:rPr>
               <a:t>(</a:t>
             </a:r>
             <a:r>
-              <a:rPr>
+              <a:rPr sz="1400" dirty="0">
                 <a:solidFill>
                   <a:srgbClr val="7D9029"/>
                 </a:solidFill>
@@ -5480,13 +4950,13 @@
               <a:t>color =</a:t>
             </a:r>
             <a:r>
-              <a:rPr>
-                <a:latin typeface="Courier"/>
-              </a:rPr>
-              <a:t> </a:t>
-            </a:r>
-            <a:r>
-              <a:rPr>
+              <a:rPr sz="1400" dirty="0">
+                <a:latin typeface="Courier"/>
+              </a:rPr>
+              <a:t> </a:t>
+            </a:r>
+            <a:r>
+              <a:rPr sz="1400" dirty="0">
                 <a:solidFill>
                   <a:srgbClr val="4070A0"/>
                 </a:solidFill>
@@ -5495,28 +4965,19 @@
               <a:t>""</a:t>
             </a:r>
             <a:r>
-              <a:rPr>
+              <a:rPr sz="1400" dirty="0">
                 <a:latin typeface="Courier"/>
               </a:rPr>
               <a:t>)</a:t>
-            </a:r>
-          </a:p>
-          <a:p>
-            <a:pPr lvl="0" indent="0">
-              <a:buNone/>
-            </a:pPr>
-            <a:r>
-              <a:rPr>
-                <a:latin typeface="Courier"/>
-              </a:rPr>
-              <a:t>## Warning: ggrepel: 6 unlabeled data points (too many overlaps). Consider
-## increasing max.overlaps</a:t>
             </a:r>
           </a:p>
         </p:txBody>
       </p:sp>
     </p:spTree>
   </p:cSld>
+  <p:clrMapOvr>
+    <a:masterClrMapping/>
+  </p:clrMapOvr>
 </p:sld>
 </file>
 
@@ -5539,7 +5000,7 @@
       </p:grpSpPr>
       <p:pic>
         <p:nvPicPr>
-          <p:cNvPr descr="øvelse_1_files/figure-pptx/s7-2-1.png" id="0" name="Picture 1"/>
+          <p:cNvPr id="2" name="Picture 1" descr="øvelse_1_files/figure-pptx/s7-2-1.png"/>
           <p:cNvPicPr>
             <a:picLocks noGrp="1" noChangeAspect="1"/>
           </p:cNvPicPr>
@@ -5569,6 +5030,9 @@
       </p:pic>
     </p:spTree>
   </p:cSld>
+  <p:clrMapOvr>
+    <a:masterClrMapping/>
+  </p:clrMapOvr>
 </p:sld>
 </file>
 
@@ -5615,11 +5079,10 @@
           <a:bodyPr/>
           <a:lstStyle/>
           <a:p>
-            <a:pPr lvl="0" marL="0" indent="0">
+            <a:pPr marL="0" lvl="0" indent="0">
               <a:buNone/>
             </a:pPr>
             <a:r>
-              <a:rPr/>
               <a:t>Øvelse</a:t>
             </a:r>
           </a:p>
@@ -5627,6 +5090,9 @@
       </p:sp>
     </p:spTree>
   </p:cSld>
+  <p:clrMapOvr>
+    <a:masterClrMapping/>
+  </p:clrMapOvr>
 </p:sld>
 </file>
 
@@ -5673,11 +5139,10 @@
           <a:bodyPr/>
           <a:lstStyle/>
           <a:p>
-            <a:pPr lvl="0" marL="0" indent="0">
+            <a:pPr marL="0" lvl="0" indent="0">
               <a:buNone/>
             </a:pPr>
             <a:r>
-              <a:rPr/>
               <a:t>Opgaver</a:t>
             </a:r>
           </a:p>
@@ -5705,22 +5170,25 @@
           <a:lstStyle/>
           <a:p>
             <a:pPr lvl="1">
+              <a:lnSpc>
+                <a:spcPct val="150000"/>
+              </a:lnSpc>
               <a:buAutoNum type="arabicPeriod"/>
             </a:pPr>
             <a:r>
-              <a:rPr/>
+              <a:rPr dirty="0"/>
               <a:t>Download tom r-fil: </a:t>
             </a:r>
             <a:r>
-              <a:rPr b="1"/>
+              <a:rPr b="1" dirty="0"/>
               <a:t>lektion01-øvelse</a:t>
             </a:r>
             <a:r>
-              <a:rPr/>
-              <a:t> </a:t>
-            </a:r>
-            <a:r>
-              <a:rPr>
+              <a:rPr dirty="0"/>
+              <a:t> </a:t>
+            </a:r>
+            <a:r>
+              <a:rPr dirty="0">
                 <a:hlinkClick r:id="rId2"/>
               </a:rPr>
               <a:t>her</a:t>
@@ -5728,72 +5196,416 @@
           </a:p>
           <a:p>
             <a:pPr lvl="1">
+              <a:lnSpc>
+                <a:spcPct val="150000"/>
+              </a:lnSpc>
               <a:buAutoNum type="arabicPeriod"/>
             </a:pPr>
             <a:r>
-              <a:rPr/>
-              <a:t>Svar på følgende spørgsmål:</a:t>
-            </a:r>
-          </a:p>
-          <a:p>
-            <a:pPr lvl="1"/>
-            <a:r>
-              <a:rPr/>
-              <a:t>Hvilke styrelser (affiliation) har de fleste medlemmer?</a:t>
-            </a:r>
-          </a:p>
-          <a:p>
-            <a:pPr lvl="1"/>
-            <a:r>
-              <a:rPr/>
-              <a:t>Hvor mange kvinder findes der i data sæt?</a:t>
-            </a:r>
-          </a:p>
-          <a:p>
-            <a:pPr lvl="1"/>
-            <a:r>
-              <a:rPr/>
-              <a:t>Hvem sidder i de fleste styrelser?</a:t>
+              <a:rPr dirty="0" err="1"/>
+              <a:t>Svar</a:t>
+            </a:r>
+            <a:r>
+              <a:rPr dirty="0"/>
+              <a:t> </a:t>
+            </a:r>
+            <a:r>
+              <a:rPr dirty="0" err="1"/>
+              <a:t>på</a:t>
+            </a:r>
+            <a:r>
+              <a:rPr dirty="0"/>
+              <a:t> </a:t>
+            </a:r>
+            <a:r>
+              <a:rPr dirty="0" err="1"/>
+              <a:t>følgende</a:t>
+            </a:r>
+            <a:r>
+              <a:rPr dirty="0"/>
+              <a:t> </a:t>
+            </a:r>
+            <a:r>
+              <a:rPr dirty="0" err="1"/>
+              <a:t>spørgsmål</a:t>
+            </a:r>
+            <a:r>
+              <a:rPr dirty="0"/>
+              <a:t>:</a:t>
             </a:r>
           </a:p>
           <a:p>
             <a:pPr lvl="1">
-              <a:buAutoNum startAt="3" type="arabicPeriod"/>
+              <a:lnSpc>
+                <a:spcPct val="150000"/>
+              </a:lnSpc>
             </a:pPr>
             <a:r>
-              <a:rPr/>
-              <a:t>Lav et nyt datasæt “den1” hvor vi kigger kun på aktørene i sektor “Parliament”</a:t>
-            </a:r>
-          </a:p>
-          <a:p>
-            <a:pPr lvl="1"/>
-            <a:r>
-              <a:rPr/>
-              <a:t>Er der flere kvinder i dette dataseæt?</a:t>
+              <a:rPr dirty="0" err="1"/>
+              <a:t>Hvilke</a:t>
+            </a:r>
+            <a:r>
+              <a:rPr dirty="0"/>
+              <a:t> </a:t>
+            </a:r>
+            <a:r>
+              <a:rPr dirty="0" err="1"/>
+              <a:t>styrelser</a:t>
+            </a:r>
+            <a:r>
+              <a:rPr dirty="0"/>
+              <a:t> (affiliation) har de </a:t>
+            </a:r>
+            <a:r>
+              <a:rPr dirty="0" err="1"/>
+              <a:t>fleste</a:t>
+            </a:r>
+            <a:r>
+              <a:rPr dirty="0"/>
+              <a:t> </a:t>
+            </a:r>
+            <a:r>
+              <a:rPr dirty="0" err="1"/>
+              <a:t>medlemmer</a:t>
+            </a:r>
+            <a:r>
+              <a:rPr dirty="0"/>
+              <a:t>?</a:t>
             </a:r>
           </a:p>
           <a:p>
             <a:pPr lvl="1">
-              <a:buAutoNum startAt="4" type="arabicPeriod"/>
+              <a:lnSpc>
+                <a:spcPct val="150000"/>
+              </a:lnSpc>
             </a:pPr>
             <a:r>
-              <a:rPr/>
-              <a:t>Lav et one-mode netværk af individuer og visualisere dette.</a:t>
+              <a:rPr dirty="0" err="1"/>
+              <a:t>Hvor</a:t>
+            </a:r>
+            <a:r>
+              <a:rPr dirty="0"/>
+              <a:t> mange </a:t>
+            </a:r>
+            <a:r>
+              <a:rPr dirty="0" err="1"/>
+              <a:t>kvinder</a:t>
+            </a:r>
+            <a:r>
+              <a:rPr dirty="0"/>
+              <a:t> </a:t>
+            </a:r>
+            <a:r>
+              <a:rPr dirty="0" err="1"/>
+              <a:t>findes</a:t>
+            </a:r>
+            <a:r>
+              <a:rPr dirty="0"/>
+              <a:t> der </a:t>
+            </a:r>
+            <a:r>
+              <a:rPr dirty="0" err="1"/>
+              <a:t>i</a:t>
+            </a:r>
+            <a:r>
+              <a:rPr dirty="0"/>
+              <a:t> </a:t>
+            </a:r>
+            <a:r>
+              <a:rPr dirty="0" err="1"/>
+              <a:t>datasæt</a:t>
+            </a:r>
+            <a:r>
+              <a:rPr dirty="0"/>
+              <a:t>?</a:t>
             </a:r>
           </a:p>
           <a:p>
             <a:pPr lvl="1">
-              <a:buAutoNum startAt="4" type="arabicPeriod"/>
+              <a:lnSpc>
+                <a:spcPct val="150000"/>
+              </a:lnSpc>
             </a:pPr>
             <a:r>
-              <a:rPr/>
-              <a:t>Beskriv netværket</a:t>
-            </a:r>
+              <a:rPr dirty="0" err="1"/>
+              <a:t>Hvem</a:t>
+            </a:r>
+            <a:r>
+              <a:rPr dirty="0"/>
+              <a:t> </a:t>
+            </a:r>
+            <a:r>
+              <a:rPr dirty="0" err="1"/>
+              <a:t>sidder</a:t>
+            </a:r>
+            <a:r>
+              <a:rPr dirty="0"/>
+              <a:t> </a:t>
+            </a:r>
+            <a:r>
+              <a:rPr dirty="0" err="1"/>
+              <a:t>i</a:t>
+            </a:r>
+            <a:r>
+              <a:rPr dirty="0"/>
+              <a:t> de </a:t>
+            </a:r>
+            <a:r>
+              <a:rPr dirty="0" err="1"/>
+              <a:t>fleste</a:t>
+            </a:r>
+            <a:r>
+              <a:rPr dirty="0"/>
+              <a:t> </a:t>
+            </a:r>
+            <a:r>
+              <a:rPr dirty="0" err="1"/>
+              <a:t>styrelser</a:t>
+            </a:r>
+            <a:r>
+              <a:rPr dirty="0"/>
+              <a:t>?</a:t>
+            </a:r>
+          </a:p>
+          <a:p>
+            <a:pPr lvl="1">
+              <a:lnSpc>
+                <a:spcPct val="150000"/>
+              </a:lnSpc>
+              <a:buAutoNum type="arabicPeriod" startAt="3"/>
+            </a:pPr>
+            <a:r>
+              <a:rPr dirty="0" err="1"/>
+              <a:t>Lav</a:t>
+            </a:r>
+            <a:r>
+              <a:rPr dirty="0"/>
+              <a:t> et </a:t>
+            </a:r>
+            <a:r>
+              <a:rPr dirty="0" err="1"/>
+              <a:t>nyt</a:t>
+            </a:r>
+            <a:r>
+              <a:rPr dirty="0"/>
+              <a:t> </a:t>
+            </a:r>
+            <a:r>
+              <a:rPr dirty="0" err="1"/>
+              <a:t>datasæt</a:t>
+            </a:r>
+            <a:r>
+              <a:rPr dirty="0"/>
+              <a:t> “den1” </a:t>
+            </a:r>
+            <a:r>
+              <a:rPr dirty="0" err="1"/>
+              <a:t>hvor</a:t>
+            </a:r>
+            <a:r>
+              <a:rPr dirty="0"/>
+              <a:t> </a:t>
+            </a:r>
+            <a:r>
+              <a:rPr lang="de-DE" dirty="0"/>
+              <a:t>I</a:t>
+            </a:r>
+            <a:r>
+              <a:rPr dirty="0"/>
+              <a:t> </a:t>
+            </a:r>
+            <a:r>
+              <a:rPr dirty="0" err="1"/>
+              <a:t>kigger</a:t>
+            </a:r>
+            <a:r>
+              <a:rPr dirty="0"/>
+              <a:t> </a:t>
+            </a:r>
+            <a:r>
+              <a:rPr dirty="0" err="1"/>
+              <a:t>kun</a:t>
+            </a:r>
+            <a:r>
+              <a:rPr dirty="0"/>
+              <a:t> </a:t>
+            </a:r>
+            <a:r>
+              <a:rPr dirty="0" err="1"/>
+              <a:t>på</a:t>
+            </a:r>
+            <a:r>
+              <a:rPr dirty="0"/>
+              <a:t> </a:t>
+            </a:r>
+            <a:r>
+              <a:rPr dirty="0" err="1"/>
+              <a:t>aktørene</a:t>
+            </a:r>
+            <a:r>
+              <a:rPr dirty="0"/>
+              <a:t> </a:t>
+            </a:r>
+            <a:r>
+              <a:rPr dirty="0" err="1"/>
+              <a:t>i</a:t>
+            </a:r>
+            <a:r>
+              <a:rPr dirty="0"/>
+              <a:t> </a:t>
+            </a:r>
+            <a:r>
+              <a:rPr dirty="0" err="1"/>
+              <a:t>sektor</a:t>
+            </a:r>
+            <a:r>
+              <a:rPr dirty="0"/>
+              <a:t> “Parliament”</a:t>
+            </a:r>
+          </a:p>
+          <a:p>
+            <a:pPr lvl="1">
+              <a:lnSpc>
+                <a:spcPct val="150000"/>
+              </a:lnSpc>
+            </a:pPr>
+            <a:r>
+              <a:rPr dirty="0"/>
+              <a:t>Er der </a:t>
+            </a:r>
+            <a:r>
+              <a:rPr dirty="0" err="1"/>
+              <a:t>flere</a:t>
+            </a:r>
+            <a:r>
+              <a:rPr dirty="0"/>
+              <a:t> </a:t>
+            </a:r>
+            <a:r>
+              <a:rPr dirty="0" err="1"/>
+              <a:t>kvinder</a:t>
+            </a:r>
+            <a:r>
+              <a:rPr dirty="0"/>
+              <a:t> </a:t>
+            </a:r>
+            <a:r>
+              <a:rPr dirty="0" err="1"/>
+              <a:t>i</a:t>
+            </a:r>
+            <a:r>
+              <a:rPr dirty="0"/>
+              <a:t> </a:t>
+            </a:r>
+            <a:r>
+              <a:rPr dirty="0" err="1"/>
+              <a:t>dette</a:t>
+            </a:r>
+            <a:r>
+              <a:rPr dirty="0"/>
+              <a:t> </a:t>
+            </a:r>
+            <a:r>
+              <a:rPr dirty="0" err="1"/>
+              <a:t>dataseæt</a:t>
+            </a:r>
+            <a:r>
+              <a:rPr dirty="0"/>
+              <a:t>?</a:t>
+            </a:r>
+          </a:p>
+          <a:p>
+            <a:pPr lvl="1">
+              <a:lnSpc>
+                <a:spcPct val="150000"/>
+              </a:lnSpc>
+              <a:buAutoNum type="arabicPeriod" startAt="4"/>
+            </a:pPr>
+            <a:r>
+              <a:rPr dirty="0" err="1"/>
+              <a:t>Lav</a:t>
+            </a:r>
+            <a:r>
+              <a:rPr dirty="0"/>
+              <a:t> et one-mode </a:t>
+            </a:r>
+            <a:r>
+              <a:rPr dirty="0" err="1"/>
+              <a:t>netværk</a:t>
+            </a:r>
+            <a:r>
+              <a:rPr dirty="0"/>
+              <a:t> </a:t>
+            </a:r>
+            <a:r>
+              <a:rPr dirty="0" err="1"/>
+              <a:t>af</a:t>
+            </a:r>
+            <a:r>
+              <a:rPr dirty="0"/>
+              <a:t> </a:t>
+            </a:r>
+            <a:r>
+              <a:rPr dirty="0" err="1"/>
+              <a:t>individuer</a:t>
+            </a:r>
+            <a:r>
+              <a:rPr dirty="0"/>
+              <a:t> </a:t>
+            </a:r>
+            <a:r>
+              <a:rPr dirty="0" err="1"/>
+              <a:t>og</a:t>
+            </a:r>
+            <a:r>
+              <a:rPr dirty="0"/>
+              <a:t> </a:t>
+            </a:r>
+            <a:r>
+              <a:rPr dirty="0" err="1"/>
+              <a:t>visualisere</a:t>
+            </a:r>
+            <a:r>
+              <a:rPr dirty="0"/>
+              <a:t> </a:t>
+            </a:r>
+            <a:r>
+              <a:rPr dirty="0" err="1"/>
+              <a:t>dette</a:t>
+            </a:r>
+            <a:r>
+              <a:rPr dirty="0"/>
+              <a:t>.</a:t>
+            </a:r>
+          </a:p>
+          <a:p>
+            <a:pPr lvl="1">
+              <a:lnSpc>
+                <a:spcPct val="150000"/>
+              </a:lnSpc>
+              <a:buAutoNum type="arabicPeriod" startAt="4"/>
+            </a:pPr>
+            <a:r>
+              <a:rPr dirty="0" err="1"/>
+              <a:t>Beskriv</a:t>
+            </a:r>
+            <a:r>
+              <a:rPr dirty="0"/>
+              <a:t> </a:t>
+            </a:r>
+            <a:r>
+              <a:rPr dirty="0" err="1"/>
+              <a:t>netværket</a:t>
+            </a:r>
+            <a:endParaRPr dirty="0"/>
           </a:p>
         </p:txBody>
       </p:sp>
     </p:spTree>
   </p:cSld>
+  <p:clrMapOvr>
+    <a:masterClrMapping/>
+  </p:clrMapOvr>
 </p:sld>
 </file>
 
@@ -5840,34 +5652,20 @@
           <a:bodyPr/>
           <a:lstStyle/>
           <a:p>
-            <a:pPr lvl="0" marL="0" indent="0">
+            <a:pPr marL="0" lvl="0" indent="0">
               <a:buNone/>
             </a:pPr>
             <a:r>
-              <a:rPr/>
-              <a:t>R</a:t>
-            </a:r>
-            <a:r>
-              <a:rPr/>
-              <a:t> </a:t>
-            </a:r>
-            <a:r>
-              <a:rPr/>
-              <a:t>set</a:t>
-            </a:r>
-            <a:r>
-              <a:rPr/>
-              <a:t> </a:t>
-            </a:r>
-            <a:r>
-              <a:rPr/>
-              <a:t>up</a:t>
+              <a:t>R set up</a:t>
             </a:r>
           </a:p>
         </p:txBody>
       </p:sp>
     </p:spTree>
   </p:cSld>
+  <p:clrMapOvr>
+    <a:masterClrMapping/>
+  </p:clrMapOvr>
 </p:sld>
 </file>
 
@@ -5914,44 +5712,11 @@
           <a:bodyPr/>
           <a:lstStyle/>
           <a:p>
-            <a:pPr lvl="0" marL="0" indent="0">
+            <a:pPr marL="0" lvl="0" indent="0">
               <a:buNone/>
             </a:pPr>
             <a:r>
-              <a:rPr/>
-              <a:t>Installering</a:t>
-            </a:r>
-            <a:r>
-              <a:rPr/>
-              <a:t> </a:t>
-            </a:r>
-            <a:r>
-              <a:rPr/>
-              <a:t>af</a:t>
-            </a:r>
-            <a:r>
-              <a:rPr/>
-              <a:t> </a:t>
-            </a:r>
-            <a:r>
-              <a:rPr/>
-              <a:t>R</a:t>
-            </a:r>
-            <a:r>
-              <a:rPr/>
-              <a:t> </a:t>
-            </a:r>
-            <a:r>
-              <a:rPr/>
-              <a:t>og</a:t>
-            </a:r>
-            <a:r>
-              <a:rPr/>
-              <a:t> </a:t>
-            </a:r>
-            <a:r>
-              <a:rPr/>
-              <a:t>Rstudio</a:t>
+              <a:t>Installering af R og Rstudio</a:t>
             </a:r>
           </a:p>
         </p:txBody>
@@ -5981,23 +5746,115 @@
               <a:buNone/>
             </a:pPr>
             <a:r>
-              <a:rPr i="1">
-                <a:solidFill>
-                  <a:srgbClr val="60A0B0"/>
-                </a:solidFill>
-                <a:latin typeface="Courier"/>
-              </a:rPr>
-              <a:t># funktion til at vise informationerne om R versionen + andre ting</a:t>
-            </a:r>
-            <a:br/>
-            <a:r>
-              <a:rPr>
+              <a:rPr i="1" dirty="0">
+                <a:solidFill>
+                  <a:srgbClr val="60A0B0"/>
+                </a:solidFill>
+                <a:latin typeface="Courier"/>
+              </a:rPr>
+              <a:t># </a:t>
+            </a:r>
+            <a:r>
+              <a:rPr i="1" dirty="0" err="1">
+                <a:solidFill>
+                  <a:srgbClr val="60A0B0"/>
+                </a:solidFill>
+                <a:latin typeface="Courier"/>
+              </a:rPr>
+              <a:t>funktion</a:t>
+            </a:r>
+            <a:r>
+              <a:rPr i="1" dirty="0">
+                <a:solidFill>
+                  <a:srgbClr val="60A0B0"/>
+                </a:solidFill>
+                <a:latin typeface="Courier"/>
+              </a:rPr>
+              <a:t> </a:t>
+            </a:r>
+            <a:r>
+              <a:rPr i="1" dirty="0" err="1">
+                <a:solidFill>
+                  <a:srgbClr val="60A0B0"/>
+                </a:solidFill>
+                <a:latin typeface="Courier"/>
+              </a:rPr>
+              <a:t>til</a:t>
+            </a:r>
+            <a:r>
+              <a:rPr i="1" dirty="0">
+                <a:solidFill>
+                  <a:srgbClr val="60A0B0"/>
+                </a:solidFill>
+                <a:latin typeface="Courier"/>
+              </a:rPr>
+              <a:t> at vise </a:t>
+            </a:r>
+            <a:r>
+              <a:rPr i="1" dirty="0" err="1">
+                <a:solidFill>
+                  <a:srgbClr val="60A0B0"/>
+                </a:solidFill>
+                <a:latin typeface="Courier"/>
+              </a:rPr>
+              <a:t>informationerne</a:t>
+            </a:r>
+            <a:r>
+              <a:rPr i="1" dirty="0">
+                <a:solidFill>
+                  <a:srgbClr val="60A0B0"/>
+                </a:solidFill>
+                <a:latin typeface="Courier"/>
+              </a:rPr>
+              <a:t> om R </a:t>
+            </a:r>
+            <a:r>
+              <a:rPr i="1" dirty="0" err="1">
+                <a:solidFill>
+                  <a:srgbClr val="60A0B0"/>
+                </a:solidFill>
+                <a:latin typeface="Courier"/>
+              </a:rPr>
+              <a:t>versionen</a:t>
+            </a:r>
+            <a:r>
+              <a:rPr i="1" dirty="0">
+                <a:solidFill>
+                  <a:srgbClr val="60A0B0"/>
+                </a:solidFill>
+                <a:latin typeface="Courier"/>
+              </a:rPr>
+              <a:t> + </a:t>
+            </a:r>
+            <a:r>
+              <a:rPr i="1" dirty="0" err="1">
+                <a:solidFill>
+                  <a:srgbClr val="60A0B0"/>
+                </a:solidFill>
+                <a:latin typeface="Courier"/>
+              </a:rPr>
+              <a:t>andre</a:t>
+            </a:r>
+            <a:r>
+              <a:rPr i="1" dirty="0">
+                <a:solidFill>
+                  <a:srgbClr val="60A0B0"/>
+                </a:solidFill>
+                <a:latin typeface="Courier"/>
+              </a:rPr>
+              <a:t> ting</a:t>
+            </a:r>
+            <a:br>
+              <a:rPr dirty="0"/>
+            </a:br>
+            <a:r>
+              <a:rPr dirty="0">
                 <a:latin typeface="Courier"/>
               </a:rPr>
               <a:t>version </a:t>
             </a:r>
             <a:r>
-              <a:rPr>
+              <a:rPr dirty="0">
                 <a:solidFill>
                   <a:srgbClr val="007020"/>
                 </a:solidFill>
@@ -6006,13 +5863,13 @@
               <a:t>&lt;-</a:t>
             </a:r>
             <a:r>
-              <a:rPr>
-                <a:latin typeface="Courier"/>
-              </a:rPr>
-              <a:t> </a:t>
-            </a:r>
-            <a:r>
-              <a:rPr>
+              <a:rPr dirty="0">
+                <a:latin typeface="Courier"/>
+              </a:rPr>
+              <a:t> </a:t>
+            </a:r>
+            <a:r>
+              <a:rPr dirty="0" err="1">
                 <a:solidFill>
                   <a:srgbClr val="06287E"/>
                 </a:solidFill>
@@ -6021,31 +5878,64 @@
               <a:t>R.Version</a:t>
             </a:r>
             <a:r>
-              <a:rPr>
+              <a:rPr dirty="0">
                 <a:latin typeface="Courier"/>
               </a:rPr>
               <a:t>() </a:t>
             </a:r>
-            <a:br/>
-            <a:br/>
-            <a:r>
-              <a:rPr i="1">
-                <a:solidFill>
-                  <a:srgbClr val="60A0B0"/>
-                </a:solidFill>
-                <a:latin typeface="Courier"/>
-              </a:rPr>
-              <a:t># kun R versionen</a:t>
-            </a:r>
-            <a:br/>
-            <a:r>
-              <a:rPr>
+            <a:br>
+              <a:rPr dirty="0"/>
+            </a:br>
+            <a:br>
+              <a:rPr dirty="0"/>
+            </a:br>
+            <a:r>
+              <a:rPr i="1" dirty="0">
+                <a:solidFill>
+                  <a:srgbClr val="60A0B0"/>
+                </a:solidFill>
+                <a:latin typeface="Courier"/>
+              </a:rPr>
+              <a:t># </a:t>
+            </a:r>
+            <a:r>
+              <a:rPr i="1" dirty="0" err="1">
+                <a:solidFill>
+                  <a:srgbClr val="60A0B0"/>
+                </a:solidFill>
+                <a:latin typeface="Courier"/>
+              </a:rPr>
+              <a:t>kun</a:t>
+            </a:r>
+            <a:r>
+              <a:rPr i="1" dirty="0">
+                <a:solidFill>
+                  <a:srgbClr val="60A0B0"/>
+                </a:solidFill>
+                <a:latin typeface="Courier"/>
+              </a:rPr>
+              <a:t> R </a:t>
+            </a:r>
+            <a:r>
+              <a:rPr i="1" dirty="0" err="1">
+                <a:solidFill>
+                  <a:srgbClr val="60A0B0"/>
+                </a:solidFill>
+                <a:latin typeface="Courier"/>
+              </a:rPr>
+              <a:t>versionen</a:t>
+            </a:r>
+            <a:br>
+              <a:rPr dirty="0"/>
+            </a:br>
+            <a:r>
+              <a:rPr dirty="0" err="1">
                 <a:latin typeface="Courier"/>
               </a:rPr>
               <a:t>version</a:t>
             </a:r>
             <a:r>
-              <a:rPr>
+              <a:rPr dirty="0" err="1">
                 <a:solidFill>
                   <a:srgbClr val="4070A0"/>
                 </a:solidFill>
@@ -6054,36 +5944,84 @@
               <a:t>$</a:t>
             </a:r>
             <a:r>
-              <a:rPr>
+              <a:rPr dirty="0" err="1">
                 <a:latin typeface="Courier"/>
               </a:rPr>
               <a:t>version.string</a:t>
             </a:r>
+            <a:endParaRPr dirty="0">
+              <a:latin typeface="Courier"/>
+            </a:endParaRPr>
           </a:p>
           <a:p>
             <a:pPr lvl="0" indent="0">
               <a:buNone/>
             </a:pPr>
             <a:r>
-              <a:rPr>
+              <a:rPr dirty="0">
                 <a:latin typeface="Courier"/>
               </a:rPr>
               <a:t>## [1] "R version 4.1.2 (2021-11-01)"</a:t>
             </a:r>
           </a:p>
           <a:p>
-            <a:pPr lvl="0" marL="0" indent="0">
+            <a:pPr marL="0" lvl="0" indent="0">
               <a:buNone/>
             </a:pPr>
-            <a:r>
-              <a:rPr/>
-              <a:t>Sådan tjekker du Rstudio version: Help -&gt; About Rstudio</a:t>
-            </a:r>
+            <a:endParaRPr lang="de-DE" dirty="0"/>
+          </a:p>
+          <a:p>
+            <a:pPr marL="0" lvl="0" indent="0">
+              <a:buNone/>
+            </a:pPr>
+            <a:endParaRPr lang="en-DK" dirty="0"/>
+          </a:p>
+          <a:p>
+            <a:pPr marL="0" lvl="0" indent="0">
+              <a:buNone/>
+            </a:pPr>
+            <a:r>
+              <a:rPr dirty="0" err="1"/>
+              <a:t>Sådan</a:t>
+            </a:r>
+            <a:r>
+              <a:rPr dirty="0"/>
+              <a:t> </a:t>
+            </a:r>
+            <a:r>
+              <a:rPr dirty="0" err="1"/>
+              <a:t>tjekker</a:t>
+            </a:r>
+            <a:r>
+              <a:rPr dirty="0"/>
+              <a:t> du </a:t>
+            </a:r>
+            <a:r>
+              <a:rPr lang="de-DE" dirty="0" err="1"/>
+              <a:t>din</a:t>
+            </a:r>
+            <a:r>
+              <a:rPr lang="de-DE" dirty="0"/>
+              <a:t> </a:t>
+            </a:r>
+            <a:r>
+              <a:rPr dirty="0" err="1"/>
+              <a:t>Rstudio</a:t>
+            </a:r>
+            <a:r>
+              <a:rPr dirty="0"/>
+              <a:t> version: Help -&gt; About </a:t>
+            </a:r>
+            <a:r>
+              <a:rPr dirty="0" err="1"/>
+              <a:t>Rstudio</a:t>
+            </a:r>
+            <a:endParaRPr dirty="0"/>
           </a:p>
           <a:p>
             <a:pPr lvl="1"/>
             <a:r>
-              <a:rPr b="1"/>
+              <a:rPr b="1" dirty="0"/>
               <a:t>RStudio 2021.09.0+351</a:t>
             </a:r>
           </a:p>
@@ -6091,6 +6029,9 @@
       </p:sp>
     </p:spTree>
   </p:cSld>
+  <p:clrMapOvr>
+    <a:masterClrMapping/>
+  </p:clrMapOvr>
 </p:sld>
 </file>
 
@@ -6137,20 +6078,11 @@
           <a:bodyPr/>
           <a:lstStyle/>
           <a:p>
-            <a:pPr lvl="0" marL="0" indent="0">
+            <a:pPr marL="0" lvl="0" indent="0">
               <a:buNone/>
             </a:pPr>
             <a:r>
-              <a:rPr/>
-              <a:t>Folder</a:t>
-            </a:r>
-            <a:r>
-              <a:rPr/>
-              <a:t> </a:t>
-            </a:r>
-            <a:r>
-              <a:rPr/>
-              <a:t>struktur</a:t>
+              <a:t>Folder struktur</a:t>
             </a:r>
           </a:p>
         </p:txBody>
@@ -6180,17 +6112,73 @@
               <a:buNone/>
             </a:pPr>
             <a:r>
-              <a:rPr i="1">
-                <a:solidFill>
-                  <a:srgbClr val="60A0B0"/>
-                </a:solidFill>
-                <a:latin typeface="Courier"/>
-              </a:rPr>
-              <a:t># funktionen til at lave en "working directory"</a:t>
-            </a:r>
-            <a:br/>
-            <a:r>
-              <a:rPr>
+              <a:rPr i="1" dirty="0">
+                <a:solidFill>
+                  <a:srgbClr val="60A0B0"/>
+                </a:solidFill>
+                <a:latin typeface="Courier"/>
+              </a:rPr>
+              <a:t># </a:t>
+            </a:r>
+            <a:r>
+              <a:rPr i="1" dirty="0" err="1">
+                <a:solidFill>
+                  <a:srgbClr val="60A0B0"/>
+                </a:solidFill>
+                <a:latin typeface="Courier"/>
+              </a:rPr>
+              <a:t>funktionen</a:t>
+            </a:r>
+            <a:r>
+              <a:rPr i="1" dirty="0">
+                <a:solidFill>
+                  <a:srgbClr val="60A0B0"/>
+                </a:solidFill>
+                <a:latin typeface="Courier"/>
+              </a:rPr>
+              <a:t> </a:t>
+            </a:r>
+            <a:r>
+              <a:rPr i="1" dirty="0" err="1">
+                <a:solidFill>
+                  <a:srgbClr val="60A0B0"/>
+                </a:solidFill>
+                <a:latin typeface="Courier"/>
+              </a:rPr>
+              <a:t>til</a:t>
+            </a:r>
+            <a:r>
+              <a:rPr i="1" dirty="0">
+                <a:solidFill>
+                  <a:srgbClr val="60A0B0"/>
+                </a:solidFill>
+                <a:latin typeface="Courier"/>
+              </a:rPr>
+              <a:t> at lave </a:t>
+            </a:r>
+            <a:r>
+              <a:rPr i="1" dirty="0" err="1">
+                <a:solidFill>
+                  <a:srgbClr val="60A0B0"/>
+                </a:solidFill>
+                <a:latin typeface="Courier"/>
+              </a:rPr>
+              <a:t>en</a:t>
+            </a:r>
+            <a:r>
+              <a:rPr i="1" dirty="0">
+                <a:solidFill>
+                  <a:srgbClr val="60A0B0"/>
+                </a:solidFill>
+                <a:latin typeface="Courier"/>
+              </a:rPr>
+              <a:t> "working directory"</a:t>
+            </a:r>
+            <a:br>
+              <a:rPr dirty="0"/>
+            </a:br>
+            <a:r>
+              <a:rPr dirty="0" err="1">
                 <a:solidFill>
                   <a:srgbClr val="06287E"/>
                 </a:solidFill>
@@ -6199,40 +6187,82 @@
               <a:t>setwd</a:t>
             </a:r>
             <a:r>
-              <a:rPr>
+              <a:rPr dirty="0">
                 <a:latin typeface="Courier"/>
               </a:rPr>
               <a:t>(</a:t>
             </a:r>
             <a:r>
-              <a:rPr>
+              <a:rPr dirty="0">
                 <a:solidFill>
                   <a:srgbClr val="4070A0"/>
                 </a:solidFill>
                 <a:latin typeface="Courier"/>
               </a:rPr>
-              <a:t>"/Users/alexandergamerdinger/Desktop/PhD/teaching/virksomhedsstrategi_forår_2022"</a:t>
-            </a:r>
-            <a:r>
-              <a:rPr>
+              <a:t>"/Users/</a:t>
+            </a:r>
+            <a:r>
+              <a:rPr dirty="0" err="1">
+                <a:solidFill>
+                  <a:srgbClr val="4070A0"/>
+                </a:solidFill>
+                <a:latin typeface="Courier"/>
+              </a:rPr>
+              <a:t>alexandergamerdinger</a:t>
+            </a:r>
+            <a:r>
+              <a:rPr dirty="0">
+                <a:solidFill>
+                  <a:srgbClr val="4070A0"/>
+                </a:solidFill>
+                <a:latin typeface="Courier"/>
+              </a:rPr>
+              <a:t>/Desktop/PhD/teaching/virksomhedsstrategi_forår_2022"</a:t>
+            </a:r>
+            <a:r>
+              <a:rPr dirty="0">
                 <a:latin typeface="Courier"/>
               </a:rPr>
               <a:t>)</a:t>
             </a:r>
-            <a:br/>
-            <a:br/>
-            <a:r>
-              <a:rPr i="1">
-                <a:solidFill>
-                  <a:srgbClr val="60A0B0"/>
-                </a:solidFill>
-                <a:latin typeface="Courier"/>
-              </a:rPr>
-              <a:t># se hvilken "working directory" du har</a:t>
-            </a:r>
-            <a:br/>
-            <a:r>
-              <a:rPr>
+            <a:br>
+              <a:rPr dirty="0"/>
+            </a:br>
+            <a:br>
+              <a:rPr dirty="0"/>
+            </a:br>
+            <a:r>
+              <a:rPr i="1" dirty="0">
+                <a:solidFill>
+                  <a:srgbClr val="60A0B0"/>
+                </a:solidFill>
+                <a:latin typeface="Courier"/>
+              </a:rPr>
+              <a:t># se </a:t>
+            </a:r>
+            <a:r>
+              <a:rPr i="1" dirty="0" err="1">
+                <a:solidFill>
+                  <a:srgbClr val="60A0B0"/>
+                </a:solidFill>
+                <a:latin typeface="Courier"/>
+              </a:rPr>
+              <a:t>hvilken</a:t>
+            </a:r>
+            <a:r>
+              <a:rPr i="1" dirty="0">
+                <a:solidFill>
+                  <a:srgbClr val="60A0B0"/>
+                </a:solidFill>
+                <a:latin typeface="Courier"/>
+              </a:rPr>
+              <a:t> "working directory" du har</a:t>
+            </a:r>
+            <a:br>
+              <a:rPr dirty="0"/>
+            </a:br>
+            <a:r>
+              <a:rPr dirty="0" err="1">
                 <a:solidFill>
                   <a:srgbClr val="06287E"/>
                 </a:solidFill>
@@ -6241,7 +6271,7 @@
               <a:t>getwd</a:t>
             </a:r>
             <a:r>
-              <a:rPr>
+              <a:rPr dirty="0">
                 <a:latin typeface="Courier"/>
               </a:rPr>
               <a:t>()</a:t>
@@ -6252,78 +6282,175 @@
               <a:buNone/>
             </a:pPr>
             <a:r>
-              <a:rPr>
-                <a:latin typeface="Courier"/>
-              </a:rPr>
-              <a:t>## [1] "/Users/alexandergamerdinger/Desktop/PhD/teaching/virksomhedsstrategi_forår_2022"</a:t>
+              <a:rPr dirty="0">
+                <a:latin typeface="Courier"/>
+              </a:rPr>
+              <a:t>## [1] "/Users/</a:t>
+            </a:r>
+            <a:r>
+              <a:rPr dirty="0" err="1">
+                <a:latin typeface="Courier"/>
+              </a:rPr>
+              <a:t>alexandergamerdinger</a:t>
+            </a:r>
+            <a:r>
+              <a:rPr dirty="0">
+                <a:latin typeface="Courier"/>
+              </a:rPr>
+              <a:t>/Desktop/PhD/teaching/virksomhedsstrategi_forår_2022"</a:t>
             </a:r>
           </a:p>
           <a:p>
             <a:pPr lvl="0" indent="0">
               <a:buNone/>
             </a:pPr>
-            <a:r>
-              <a:rPr i="1">
-                <a:solidFill>
-                  <a:srgbClr val="60A0B0"/>
-                </a:solidFill>
-                <a:latin typeface="Courier"/>
-              </a:rPr>
-              <a:t># se filerne i din "working directory" - "." betyder at alt skal vises</a:t>
-            </a:r>
-            <a:br/>
-            <a:r>
-              <a:rPr>
-                <a:solidFill>
-                  <a:srgbClr val="06287E"/>
-                </a:solidFill>
-                <a:latin typeface="Courier"/>
-              </a:rPr>
-              <a:t>list.files</a:t>
-            </a:r>
-            <a:r>
-              <a:rPr>
-                <a:latin typeface="Courier"/>
-              </a:rPr>
-              <a:t>(</a:t>
-            </a:r>
-            <a:r>
-              <a:rPr>
-                <a:solidFill>
-                  <a:srgbClr val="7D9029"/>
-                </a:solidFill>
-                <a:latin typeface="Courier"/>
-              </a:rPr>
-              <a:t>path =</a:t>
-            </a:r>
-            <a:r>
-              <a:rPr>
-                <a:latin typeface="Courier"/>
-              </a:rPr>
-              <a:t> </a:t>
-            </a:r>
-            <a:r>
-              <a:rPr>
-                <a:solidFill>
-                  <a:srgbClr val="4070A0"/>
-                </a:solidFill>
-                <a:latin typeface="Courier"/>
-              </a:rPr>
-              <a:t>"."</a:t>
-            </a:r>
-            <a:r>
-              <a:rPr>
-                <a:latin typeface="Courier"/>
-              </a:rPr>
-              <a:t>)</a:t>
-            </a:r>
+            <a:endParaRPr lang="de-DE" i="1" dirty="0">
+              <a:solidFill>
+                <a:srgbClr val="60A0B0"/>
+              </a:solidFill>
+              <a:latin typeface="Courier"/>
+            </a:endParaRPr>
           </a:p>
           <a:p>
             <a:pPr lvl="0" indent="0">
               <a:buNone/>
             </a:pPr>
             <a:r>
-              <a:rPr>
+              <a:rPr i="1" dirty="0">
+                <a:solidFill>
+                  <a:srgbClr val="60A0B0"/>
+                </a:solidFill>
+                <a:latin typeface="Courier"/>
+              </a:rPr>
+              <a:t># se </a:t>
+            </a:r>
+            <a:r>
+              <a:rPr i="1" dirty="0" err="1">
+                <a:solidFill>
+                  <a:srgbClr val="60A0B0"/>
+                </a:solidFill>
+                <a:latin typeface="Courier"/>
+              </a:rPr>
+              <a:t>filerne</a:t>
+            </a:r>
+            <a:r>
+              <a:rPr i="1" dirty="0">
+                <a:solidFill>
+                  <a:srgbClr val="60A0B0"/>
+                </a:solidFill>
+                <a:latin typeface="Courier"/>
+              </a:rPr>
+              <a:t> </a:t>
+            </a:r>
+            <a:r>
+              <a:rPr i="1" dirty="0" err="1">
+                <a:solidFill>
+                  <a:srgbClr val="60A0B0"/>
+                </a:solidFill>
+                <a:latin typeface="Courier"/>
+              </a:rPr>
+              <a:t>i</a:t>
+            </a:r>
+            <a:r>
+              <a:rPr i="1" dirty="0">
+                <a:solidFill>
+                  <a:srgbClr val="60A0B0"/>
+                </a:solidFill>
+                <a:latin typeface="Courier"/>
+              </a:rPr>
+              <a:t> din "working directory" - "." </a:t>
+            </a:r>
+            <a:r>
+              <a:rPr i="1" dirty="0" err="1">
+                <a:solidFill>
+                  <a:srgbClr val="60A0B0"/>
+                </a:solidFill>
+                <a:latin typeface="Courier"/>
+              </a:rPr>
+              <a:t>betyder</a:t>
+            </a:r>
+            <a:r>
+              <a:rPr i="1" dirty="0">
+                <a:solidFill>
+                  <a:srgbClr val="60A0B0"/>
+                </a:solidFill>
+                <a:latin typeface="Courier"/>
+              </a:rPr>
+              <a:t> at alt </a:t>
+            </a:r>
+            <a:r>
+              <a:rPr i="1" dirty="0" err="1">
+                <a:solidFill>
+                  <a:srgbClr val="60A0B0"/>
+                </a:solidFill>
+                <a:latin typeface="Courier"/>
+              </a:rPr>
+              <a:t>skal</a:t>
+            </a:r>
+            <a:r>
+              <a:rPr i="1" dirty="0">
+                <a:solidFill>
+                  <a:srgbClr val="60A0B0"/>
+                </a:solidFill>
+                <a:latin typeface="Courier"/>
+              </a:rPr>
+              <a:t> vises</a:t>
+            </a:r>
+            <a:br>
+              <a:rPr dirty="0"/>
+            </a:br>
+            <a:r>
+              <a:rPr dirty="0" err="1">
+                <a:solidFill>
+                  <a:srgbClr val="06287E"/>
+                </a:solidFill>
+                <a:latin typeface="Courier"/>
+              </a:rPr>
+              <a:t>list.files</a:t>
+            </a:r>
+            <a:r>
+              <a:rPr dirty="0">
+                <a:latin typeface="Courier"/>
+              </a:rPr>
+              <a:t>(</a:t>
+            </a:r>
+            <a:r>
+              <a:rPr dirty="0">
+                <a:solidFill>
+                  <a:srgbClr val="7D9029"/>
+                </a:solidFill>
+                <a:latin typeface="Courier"/>
+              </a:rPr>
+              <a:t>path =</a:t>
+            </a:r>
+            <a:r>
+              <a:rPr dirty="0">
+                <a:latin typeface="Courier"/>
+              </a:rPr>
+              <a:t> </a:t>
+            </a:r>
+            <a:r>
+              <a:rPr dirty="0">
+                <a:solidFill>
+                  <a:srgbClr val="4070A0"/>
+                </a:solidFill>
+                <a:latin typeface="Courier"/>
+              </a:rPr>
+              <a:t>"."</a:t>
+            </a:r>
+            <a:r>
+              <a:rPr dirty="0">
+                <a:latin typeface="Courier"/>
+              </a:rPr>
+              <a:t>)</a:t>
+            </a:r>
+          </a:p>
+          <a:p>
+            <a:pPr lvl="0" indent="0">
+              <a:buNone/>
+            </a:pPr>
+            <a:r>
+              <a:rPr dirty="0">
                 <a:latin typeface="Courier"/>
               </a:rPr>
               <a:t>## [1] "input"    "material" "output"   "r"</a:t>
@@ -6333,6 +6460,9 @@
       </p:sp>
     </p:spTree>
   </p:cSld>
+  <p:clrMapOvr>
+    <a:masterClrMapping/>
+  </p:clrMapOvr>
 </p:sld>
 </file>
 
@@ -6379,28 +6509,11 @@
           <a:bodyPr/>
           <a:lstStyle/>
           <a:p>
-            <a:pPr lvl="0" marL="0" indent="0">
+            <a:pPr marL="0" lvl="0" indent="0">
               <a:buNone/>
             </a:pPr>
             <a:r>
-              <a:rPr/>
-              <a:t>Installering</a:t>
-            </a:r>
-            <a:r>
-              <a:rPr/>
-              <a:t> </a:t>
-            </a:r>
-            <a:r>
-              <a:rPr/>
-              <a:t>af</a:t>
-            </a:r>
-            <a:r>
-              <a:rPr/>
-              <a:t> </a:t>
-            </a:r>
-            <a:r>
-              <a:rPr/>
-              <a:t>pakker</a:t>
+              <a:t>Installering af pakker</a:t>
             </a:r>
           </a:p>
         </p:txBody>
@@ -6418,7 +6531,7 @@
             <a:spLocks noGrp="1"/>
           </p:cNvSpPr>
           <p:nvPr>
-            <p:ph idx="1" sz="half"/>
+            <p:ph sz="half" idx="1"/>
           </p:nvPr>
         </p:nvSpPr>
         <p:spPr/>
@@ -6662,7 +6775,7 @@
             <a:spLocks noGrp="1"/>
           </p:cNvSpPr>
           <p:nvPr>
-            <p:ph idx="2" sz="half"/>
+            <p:ph sz="half" idx="2"/>
           </p:nvPr>
         </p:nvSpPr>
         <p:spPr/>
@@ -6895,6 +7008,9 @@
       </p:sp>
     </p:spTree>
   </p:cSld>
+  <p:clrMapOvr>
+    <a:masterClrMapping/>
+  </p:clrMapOvr>
 </p:sld>
 </file>
 
@@ -6941,50 +7057,20 @@
           <a:bodyPr/>
           <a:lstStyle/>
           <a:p>
-            <a:pPr lvl="0" marL="0" indent="0">
+            <a:pPr marL="0" lvl="0" indent="0">
               <a:buNone/>
             </a:pPr>
             <a:r>
-              <a:rPr/>
-              <a:t>Indlæsning</a:t>
-            </a:r>
-            <a:r>
-              <a:rPr/>
-              <a:t> </a:t>
-            </a:r>
-            <a:r>
-              <a:rPr/>
-              <a:t>&amp;</a:t>
-            </a:r>
-            <a:r>
-              <a:rPr/>
-              <a:t> </a:t>
-            </a:r>
-            <a:r>
-              <a:rPr/>
-              <a:t>barbejdning</a:t>
-            </a:r>
-            <a:r>
-              <a:rPr/>
-              <a:t> </a:t>
-            </a:r>
-            <a:r>
-              <a:rPr/>
-              <a:t>af</a:t>
-            </a:r>
-            <a:r>
-              <a:rPr/>
-              <a:t> </a:t>
-            </a:r>
-            <a:r>
-              <a:rPr/>
-              <a:t>data</a:t>
+              <a:t>Indlæsning &amp; barbejdning af data</a:t>
             </a:r>
           </a:p>
         </p:txBody>
       </p:sp>
     </p:spTree>
   </p:cSld>
+  <p:clrMapOvr>
+    <a:masterClrMapping/>
+  </p:clrMapOvr>
 </p:sld>
 </file>
 
@@ -7031,28 +7117,11 @@
           <a:bodyPr/>
           <a:lstStyle/>
           <a:p>
-            <a:pPr lvl="0" marL="0" indent="0">
+            <a:pPr marL="0" lvl="0" indent="0">
               <a:buNone/>
             </a:pPr>
             <a:r>
-              <a:rPr/>
-              <a:t>Load</a:t>
-            </a:r>
-            <a:r>
-              <a:rPr/>
-              <a:t> </a:t>
-            </a:r>
-            <a:r>
-              <a:rPr/>
-              <a:t>data</a:t>
-            </a:r>
-            <a:r>
-              <a:rPr/>
-              <a:t> </a:t>
-            </a:r>
-            <a:r>
-              <a:rPr/>
-              <a:t>(data.table)</a:t>
+              <a:t>Load data (data.table)</a:t>
             </a:r>
           </a:p>
         </p:txBody>
@@ -7075,19 +7144,111 @@
         </p:nvSpPr>
         <p:spPr/>
         <p:txBody>
-          <a:bodyPr/>
+          <a:bodyPr>
+            <a:normAutofit fontScale="55000" lnSpcReduction="20000"/>
+          </a:bodyPr>
           <a:lstStyle/>
           <a:p>
-            <a:pPr lvl="0" marL="0" indent="0">
+            <a:pPr marL="0" lvl="0" indent="0">
               <a:buNone/>
             </a:pPr>
             <a:r>
-              <a:rPr/>
-              <a:t>Først skal i downloade elite netværk data sæt fra canvas og gem filen under </a:t>
-            </a:r>
-            <a:r>
-              <a:rPr b="1"/>
-              <a:t>working_directory_folder/input</a:t>
+              <a:rPr sz="2900" dirty="0" err="1"/>
+              <a:t>Først</a:t>
+            </a:r>
+            <a:r>
+              <a:rPr sz="2900" dirty="0"/>
+              <a:t> </a:t>
+            </a:r>
+            <a:r>
+              <a:rPr sz="2900" dirty="0" err="1"/>
+              <a:t>skal</a:t>
+            </a:r>
+            <a:r>
+              <a:rPr sz="2900" dirty="0"/>
+              <a:t> </a:t>
+            </a:r>
+            <a:r>
+              <a:rPr sz="2900" dirty="0" err="1"/>
+              <a:t>i</a:t>
+            </a:r>
+            <a:r>
+              <a:rPr sz="2900" dirty="0"/>
+              <a:t> </a:t>
+            </a:r>
+            <a:r>
+              <a:rPr sz="2900" dirty="0" err="1"/>
+              <a:t>downloade</a:t>
+            </a:r>
+            <a:r>
+              <a:rPr sz="2900" dirty="0"/>
+              <a:t> elite </a:t>
+            </a:r>
+            <a:r>
+              <a:rPr sz="2900" dirty="0" err="1"/>
+              <a:t>netværk</a:t>
+            </a:r>
+            <a:r>
+              <a:rPr sz="2900" dirty="0"/>
+              <a:t> </a:t>
+            </a:r>
+            <a:r>
+              <a:rPr sz="2900" dirty="0" err="1"/>
+              <a:t>datasæt</a:t>
+            </a:r>
+            <a:r>
+              <a:rPr sz="2900" dirty="0"/>
+              <a:t> </a:t>
+            </a:r>
+            <a:r>
+              <a:rPr sz="2900" dirty="0" err="1"/>
+              <a:t>fra</a:t>
+            </a:r>
+            <a:r>
+              <a:rPr sz="2900" dirty="0"/>
+              <a:t> canvas </a:t>
+            </a:r>
+            <a:r>
+              <a:rPr lang="de-DE" sz="2900" dirty="0" err="1"/>
+              <a:t>eller</a:t>
+            </a:r>
+            <a:r>
+              <a:rPr lang="de-DE" sz="2900" dirty="0"/>
+              <a:t> </a:t>
+            </a:r>
+            <a:r>
+              <a:rPr lang="de-DE" sz="2900" dirty="0">
+                <a:hlinkClick r:id="rId2"/>
+              </a:rPr>
+              <a:t>her</a:t>
+            </a:r>
+            <a:r>
+              <a:rPr lang="de-DE" sz="2900" dirty="0"/>
+              <a:t> </a:t>
+            </a:r>
+            <a:r>
+              <a:rPr sz="2900" dirty="0" err="1"/>
+              <a:t>og</a:t>
+            </a:r>
+            <a:r>
+              <a:rPr sz="2900" dirty="0"/>
+              <a:t> gem </a:t>
+            </a:r>
+            <a:r>
+              <a:rPr sz="2900" dirty="0" err="1"/>
+              <a:t>filen</a:t>
+            </a:r>
+            <a:r>
+              <a:rPr sz="2900" dirty="0"/>
+              <a:t> under </a:t>
+            </a:r>
+            <a:r>
+              <a:rPr sz="2900" b="1" dirty="0" err="1"/>
+              <a:t>working_directory_folder</a:t>
+            </a:r>
+            <a:r>
+              <a:rPr sz="2900" b="1" dirty="0"/>
+              <a:t>/input</a:t>
             </a:r>
           </a:p>
           <a:p>
@@ -7095,23 +7256,43 @@
               <a:buNone/>
             </a:pPr>
             <a:r>
-              <a:rPr i="1">
-                <a:solidFill>
-                  <a:srgbClr val="60A0B0"/>
-                </a:solidFill>
-                <a:latin typeface="Courier"/>
-              </a:rPr>
-              <a:t>#data.table </a:t>
-            </a:r>
-            <a:br/>
-            <a:r>
-              <a:rPr>
+              <a:rPr sz="2500" i="1" dirty="0">
+                <a:solidFill>
+                  <a:srgbClr val="60A0B0"/>
+                </a:solidFill>
+                <a:latin typeface="Courier"/>
+              </a:rPr>
+              <a:t>#</a:t>
+            </a:r>
+            <a:r>
+              <a:rPr sz="2500" i="1" dirty="0" err="1">
+                <a:solidFill>
+                  <a:srgbClr val="60A0B0"/>
+                </a:solidFill>
+                <a:latin typeface="Courier"/>
+              </a:rPr>
+              <a:t>data.table</a:t>
+            </a:r>
+            <a:r>
+              <a:rPr sz="2500" i="1" dirty="0">
+                <a:solidFill>
+                  <a:srgbClr val="60A0B0"/>
+                </a:solidFill>
+                <a:latin typeface="Courier"/>
+              </a:rPr>
+              <a:t> </a:t>
+            </a:r>
+            <a:br>
+              <a:rPr sz="2500" dirty="0"/>
+            </a:br>
+            <a:r>
+              <a:rPr sz="2500" dirty="0">
                 <a:latin typeface="Courier"/>
               </a:rPr>
               <a:t>den </a:t>
             </a:r>
             <a:r>
-              <a:rPr>
+              <a:rPr sz="2500" dirty="0">
                 <a:solidFill>
                   <a:srgbClr val="007020"/>
                 </a:solidFill>
@@ -7120,13 +7301,13 @@
               <a:t>&lt;-</a:t>
             </a:r>
             <a:r>
-              <a:rPr>
-                <a:latin typeface="Courier"/>
-              </a:rPr>
-              <a:t> </a:t>
-            </a:r>
-            <a:r>
-              <a:rPr>
+              <a:rPr sz="2500" dirty="0">
+                <a:latin typeface="Courier"/>
+              </a:rPr>
+              <a:t> </a:t>
+            </a:r>
+            <a:r>
+              <a:rPr sz="2500" dirty="0" err="1">
                 <a:solidFill>
                   <a:srgbClr val="06287E"/>
                 </a:solidFill>
@@ -7135,13 +7316,13 @@
               <a:t>fread</a:t>
             </a:r>
             <a:r>
-              <a:rPr>
+              <a:rPr sz="2500" dirty="0">
                 <a:latin typeface="Courier"/>
               </a:rPr>
               <a:t>(</a:t>
             </a:r>
             <a:r>
-              <a:rPr>
+              <a:rPr sz="2500" dirty="0">
                 <a:solidFill>
                   <a:srgbClr val="4070A0"/>
                 </a:solidFill>
@@ -7150,14 +7331,16 @@
               <a:t>"input/den17-no-nordic-letters.csv"</a:t>
             </a:r>
             <a:r>
-              <a:rPr>
+              <a:rPr sz="2500" dirty="0">
                 <a:latin typeface="Courier"/>
               </a:rPr>
               <a:t>)</a:t>
             </a:r>
-            <a:br/>
-            <a:r>
-              <a:rPr>
+            <a:br>
+              <a:rPr sz="2500" dirty="0"/>
+            </a:br>
+            <a:r>
+              <a:rPr sz="2500" dirty="0">
                 <a:solidFill>
                   <a:srgbClr val="06287E"/>
                 </a:solidFill>
@@ -7166,7 +7349,7 @@
               <a:t>head</a:t>
             </a:r>
             <a:r>
-              <a:rPr>
+              <a:rPr sz="2500" dirty="0">
                 <a:latin typeface="Courier"/>
               </a:rPr>
               <a:t>(den)</a:t>
@@ -7177,64 +7360,358 @@
               <a:buNone/>
             </a:pPr>
             <a:r>
-              <a:rPr>
+              <a:rPr dirty="0">
                 <a:latin typeface="Courier"/>
               </a:rPr>
               <a:t>##                name
-## 1:     Aage Almtoft
-## 2: Aage B. Andersen
-## 3: Aage Christensen
-## 4:         Aage Dam
-## 5:         Aage Dam
-## 6:    Aage Frandsen
+## 1:     </a:t>
+            </a:r>
+            <a:r>
+              <a:rPr dirty="0" err="1">
+                <a:latin typeface="Courier"/>
+              </a:rPr>
+              <a:t>Aage</a:t>
+            </a:r>
+            <a:r>
+              <a:rPr dirty="0">
+                <a:latin typeface="Courier"/>
+              </a:rPr>
+              <a:t> </a:t>
+            </a:r>
+            <a:r>
+              <a:rPr dirty="0" err="1">
+                <a:latin typeface="Courier"/>
+              </a:rPr>
+              <a:t>Almtoft</a:t>
+            </a:r>
+            <a:r>
+              <a:rPr dirty="0">
+                <a:latin typeface="Courier"/>
+              </a:rPr>
+              <a:t>
+## 2: </a:t>
+            </a:r>
+            <a:r>
+              <a:rPr dirty="0" err="1">
+                <a:latin typeface="Courier"/>
+              </a:rPr>
+              <a:t>Aage</a:t>
+            </a:r>
+            <a:r>
+              <a:rPr dirty="0">
+                <a:latin typeface="Courier"/>
+              </a:rPr>
+              <a:t> B. Andersen
+## 3: </a:t>
+            </a:r>
+            <a:r>
+              <a:rPr dirty="0" err="1">
+                <a:latin typeface="Courier"/>
+              </a:rPr>
+              <a:t>Aage</a:t>
+            </a:r>
+            <a:r>
+              <a:rPr dirty="0">
+                <a:latin typeface="Courier"/>
+              </a:rPr>
+              <a:t> Christensen
+## 4:         </a:t>
+            </a:r>
+            <a:r>
+              <a:rPr dirty="0" err="1">
+                <a:latin typeface="Courier"/>
+              </a:rPr>
+              <a:t>Aage</a:t>
+            </a:r>
+            <a:r>
+              <a:rPr dirty="0">
+                <a:latin typeface="Courier"/>
+              </a:rPr>
+              <a:t> Dam
+## 5:         </a:t>
+            </a:r>
+            <a:r>
+              <a:rPr dirty="0" err="1">
+                <a:latin typeface="Courier"/>
+              </a:rPr>
+              <a:t>Aage</a:t>
+            </a:r>
+            <a:r>
+              <a:rPr dirty="0">
+                <a:latin typeface="Courier"/>
+              </a:rPr>
+              <a:t> Dam
+## 6:    </a:t>
+            </a:r>
+            <a:r>
+              <a:rPr dirty="0" err="1">
+                <a:latin typeface="Courier"/>
+              </a:rPr>
+              <a:t>Aage</a:t>
+            </a:r>
+            <a:r>
+              <a:rPr dirty="0">
+                <a:latin typeface="Courier"/>
+              </a:rPr>
+              <a:t> Frandsen
 ##                                                                      affiliation
-## 1:                                                         Middelfart Sparekasse
-## 2: Foreningen OEstifterne - Repraesentantskab (Medlemmer af delegeretforsamling)
+## 1:                                                         </a:t>
+            </a:r>
+            <a:r>
+              <a:rPr dirty="0" err="1">
+                <a:latin typeface="Courier"/>
+              </a:rPr>
+              <a:t>Middelfart</a:t>
+            </a:r>
+            <a:r>
+              <a:rPr dirty="0">
+                <a:latin typeface="Courier"/>
+              </a:rPr>
+              <a:t> </a:t>
+            </a:r>
+            <a:r>
+              <a:rPr dirty="0" err="1">
+                <a:latin typeface="Courier"/>
+              </a:rPr>
+              <a:t>Sparekasse</a:t>
+            </a:r>
+            <a:r>
+              <a:rPr dirty="0">
+                <a:latin typeface="Courier"/>
+              </a:rPr>
+              <a:t>
+## 2: </a:t>
+            </a:r>
+            <a:r>
+              <a:rPr dirty="0" err="1">
+                <a:latin typeface="Courier"/>
+              </a:rPr>
+              <a:t>Foreningen</a:t>
+            </a:r>
+            <a:r>
+              <a:rPr dirty="0">
+                <a:latin typeface="Courier"/>
+              </a:rPr>
+              <a:t> </a:t>
+            </a:r>
+            <a:r>
+              <a:rPr dirty="0" err="1">
+                <a:latin typeface="Courier"/>
+              </a:rPr>
+              <a:t>OEstifterne</a:t>
+            </a:r>
+            <a:r>
+              <a:rPr dirty="0">
+                <a:latin typeface="Courier"/>
+              </a:rPr>
+              <a:t> - </a:t>
+            </a:r>
+            <a:r>
+              <a:rPr dirty="0" err="1">
+                <a:latin typeface="Courier"/>
+              </a:rPr>
+              <a:t>Repraesentantskab</a:t>
+            </a:r>
+            <a:r>
+              <a:rPr dirty="0">
+                <a:latin typeface="Courier"/>
+              </a:rPr>
+              <a:t> (</a:t>
+            </a:r>
+            <a:r>
+              <a:rPr dirty="0" err="1">
+                <a:latin typeface="Courier"/>
+              </a:rPr>
+              <a:t>Medlemmer</a:t>
+            </a:r>
+            <a:r>
+              <a:rPr dirty="0">
+                <a:latin typeface="Courier"/>
+              </a:rPr>
+              <a:t> </a:t>
+            </a:r>
+            <a:r>
+              <a:rPr dirty="0" err="1">
+                <a:latin typeface="Courier"/>
+              </a:rPr>
+              <a:t>af</a:t>
+            </a:r>
+            <a:r>
+              <a:rPr dirty="0">
+                <a:latin typeface="Courier"/>
+              </a:rPr>
+              <a:t> </a:t>
+            </a:r>
+            <a:r>
+              <a:rPr dirty="0" err="1">
+                <a:latin typeface="Courier"/>
+              </a:rPr>
+              <a:t>delegeretforsamling</a:t>
+            </a:r>
+            <a:r>
+              <a:rPr dirty="0">
+                <a:latin typeface="Courier"/>
+              </a:rPr>
+              <a:t>)
 ## 3:                                                           AARHUS SOEMANDSHJEM
-## 4:                 Brancheforeningen automatik, tryk &amp; transmission (bestyrelse)
-## 5:                                                    Dansk Erhverv (bestyrelse)
-## 6:                                     Dommere valgt af Folketinget (Rigsretten)
-##        role                                             tags position_id     id
-## 1:   Member                Corporation, FINA, Banks, Finance           1  95023
-## 2:   Member   Charity, Foundation, Insurance, Socialomraadet           4  67511
-## 3: Chairman                      Foundation, Marine, Tourism           6 100903
-## 4: Chairman Business association, Interest group, Technology           8  69156
-## 5:   Member                            Employers association           9  72204
-## 6:   Member                Judges, Law, Parliament, Politics          15  73158
-##          sector         type
-## 1: Corporations             
-## 2:          NGO Organisation
-## 3:  Foundations             
-## 4:          NGO Organisation
-## 5:          NGO         Stat
-## 6:   Parliament             
-##                                                                                          description
-## 1: Automatisk CVR import at 2016-03-12 18:01:28: BESTYRELSE i Middelfart Sparekasse (2009-03-31 - ).
-## 2:                                                                                         Direktoer
-## 3:      Automatisk CVR import at 2016-03-12 18:08:31: formand i AARHUS SOEMANDSHJEM (2010-02-05 - ).
-## 4:                                                  Formand, Adm. direktoer, Bürkert Contromatic A/S
-## 5:                                                       Adm. dir. Aage Dam- Bürkert-Contromatic A/S
-## 6:                                                                                                  
-##                created archived        last_checked cvr_person cvr_affiliation
-## 1: 2016-03-12 18:01:28     &lt;NA&gt; 2017-11-09 15:38:01 4003983591        24744817
-## 2: 2016-02-05 14:45:10     &lt;NA&gt; 2016-02-12 14:41:09       &lt;NA&gt;              NA
-## 3: 2016-03-12 18:08:31     &lt;NA&gt; 2017-11-09 15:50:09 4000054465        29094411
-## 4: 2016-02-10 15:18:47     &lt;NA&gt; 2016-02-10 14:19:20       &lt;NA&gt;              NA
-## 5: 2016-02-16 10:49:01     &lt;NA&gt; 2016-02-16 11:55:34       &lt;NA&gt;        43232010
-## 6: 2016-02-17 10:04:45     &lt;NA&gt; 2016-02-17 09:00:34       &lt;NA&gt;              NA
-##    person_id affiliation_id gender
-## 1:         1           3687    Men
-## 2:         3           2528    Men
-## 3:         4            237    Men
-## 4:         5            469    Men
-## 5:         5           1041    Men
-## 6:         9           1781    Men</a:t>
+## 4:                 </a:t>
+            </a:r>
+            <a:r>
+              <a:rPr dirty="0" err="1">
+                <a:latin typeface="Courier"/>
+              </a:rPr>
+              <a:t>Brancheforeningen</a:t>
+            </a:r>
+            <a:r>
+              <a:rPr dirty="0">
+                <a:latin typeface="Courier"/>
+              </a:rPr>
+              <a:t> </a:t>
+            </a:r>
+            <a:r>
+              <a:rPr dirty="0" err="1">
+                <a:latin typeface="Courier"/>
+              </a:rPr>
+              <a:t>automatik</a:t>
+            </a:r>
+            <a:r>
+              <a:rPr dirty="0">
+                <a:latin typeface="Courier"/>
+              </a:rPr>
+              <a:t>, </a:t>
+            </a:r>
+            <a:r>
+              <a:rPr dirty="0" err="1">
+                <a:latin typeface="Courier"/>
+              </a:rPr>
+              <a:t>tryk</a:t>
+            </a:r>
+            <a:r>
+              <a:rPr dirty="0">
+                <a:latin typeface="Courier"/>
+              </a:rPr>
+              <a:t> &amp; transmission (</a:t>
+            </a:r>
+            <a:r>
+              <a:rPr dirty="0" err="1">
+                <a:latin typeface="Courier"/>
+              </a:rPr>
+              <a:t>bestyrelse</a:t>
+            </a:r>
+            <a:r>
+              <a:rPr dirty="0">
+                <a:latin typeface="Courier"/>
+              </a:rPr>
+              <a:t>)
+## 5:                                                    Dansk </a:t>
+            </a:r>
+            <a:r>
+              <a:rPr dirty="0" err="1">
+                <a:latin typeface="Courier"/>
+              </a:rPr>
+              <a:t>Erhverv</a:t>
+            </a:r>
+            <a:r>
+              <a:rPr dirty="0">
+                <a:latin typeface="Courier"/>
+              </a:rPr>
+              <a:t> (</a:t>
+            </a:r>
+            <a:r>
+              <a:rPr dirty="0" err="1">
+                <a:latin typeface="Courier"/>
+              </a:rPr>
+              <a:t>bestyrelse</a:t>
+            </a:r>
+            <a:r>
+              <a:rPr dirty="0">
+                <a:latin typeface="Courier"/>
+              </a:rPr>
+              <a:t>)
+## 6:                                     </a:t>
+            </a:r>
+            <a:r>
+              <a:rPr dirty="0" err="1">
+                <a:latin typeface="Courier"/>
+              </a:rPr>
+              <a:t>Dommere</a:t>
+            </a:r>
+            <a:r>
+              <a:rPr dirty="0">
+                <a:latin typeface="Courier"/>
+              </a:rPr>
+              <a:t> </a:t>
+            </a:r>
+            <a:r>
+              <a:rPr dirty="0" err="1">
+                <a:latin typeface="Courier"/>
+              </a:rPr>
+              <a:t>valgt</a:t>
+            </a:r>
+            <a:r>
+              <a:rPr dirty="0">
+                <a:latin typeface="Courier"/>
+              </a:rPr>
+              <a:t> </a:t>
+            </a:r>
+            <a:r>
+              <a:rPr dirty="0" err="1">
+                <a:latin typeface="Courier"/>
+              </a:rPr>
+              <a:t>af</a:t>
+            </a:r>
+            <a:r>
+              <a:rPr dirty="0">
+                <a:latin typeface="Courier"/>
+              </a:rPr>
+              <a:t> </a:t>
+            </a:r>
+            <a:r>
+              <a:rPr dirty="0" err="1">
+                <a:latin typeface="Courier"/>
+              </a:rPr>
+              <a:t>Folketinget</a:t>
+            </a:r>
+            <a:r>
+              <a:rPr dirty="0">
+                <a:latin typeface="Courier"/>
+              </a:rPr>
+              <a:t> (</a:t>
+            </a:r>
+            <a:r>
+              <a:rPr dirty="0" err="1">
+                <a:latin typeface="Courier"/>
+              </a:rPr>
+              <a:t>Rigsretten</a:t>
+            </a:r>
+            <a:r>
+              <a:rPr dirty="0">
+                <a:latin typeface="Courier"/>
+              </a:rPr>
+              <a:t>)
+##        role                                             tags </a:t>
+            </a:r>
+            <a:r>
+              <a:rPr dirty="0" err="1">
+                <a:latin typeface="Courier"/>
+              </a:rPr>
+              <a:t>position_id</a:t>
+            </a:r>
+            <a:r>
+              <a:rPr dirty="0">
+                <a:latin typeface="Courier"/>
+              </a:rPr>
+              <a:t>     id
+## 1:   Member                Corporation, FINA, Banks, Finance           1  95023</a:t>
             </a:r>
           </a:p>
         </p:txBody>
       </p:sp>
     </p:spTree>
   </p:cSld>
+  <p:clrMapOvr>
+    <a:masterClrMapping/>
+  </p:clrMapOvr>
 </p:sld>
 </file>
 
@@ -7281,28 +7758,11 @@
           <a:bodyPr/>
           <a:lstStyle/>
           <a:p>
-            <a:pPr lvl="0" marL="0" indent="0">
+            <a:pPr marL="0" lvl="0" indent="0">
               <a:buNone/>
             </a:pPr>
             <a:r>
-              <a:rPr/>
-              <a:t>Load</a:t>
-            </a:r>
-            <a:r>
-              <a:rPr/>
-              <a:t> </a:t>
-            </a:r>
-            <a:r>
-              <a:rPr/>
-              <a:t>data</a:t>
-            </a:r>
-            <a:r>
-              <a:rPr/>
-              <a:t> </a:t>
-            </a:r>
-            <a:r>
-              <a:rPr/>
-              <a:t>(dplyr)</a:t>
+              <a:t>Load data (dplyr)</a:t>
             </a:r>
           </a:p>
         </p:txBody>
@@ -7325,14 +7785,16 @@
         </p:nvSpPr>
         <p:spPr/>
         <p:txBody>
-          <a:bodyPr/>
+          <a:bodyPr>
+            <a:normAutofit fontScale="85000" lnSpcReduction="10000"/>
+          </a:bodyPr>
           <a:lstStyle/>
           <a:p>
             <a:pPr lvl="0" indent="0">
               <a:buNone/>
             </a:pPr>
             <a:r>
-              <a:rPr i="1">
+              <a:rPr i="1" dirty="0">
                 <a:solidFill>
                   <a:srgbClr val="60A0B0"/>
                 </a:solidFill>
@@ -7340,15 +7802,17 @@
               </a:rPr>
               <a:t>#dplyr </a:t>
             </a:r>
-            <a:br/>
-            <a:r>
-              <a:rPr>
+            <a:br>
+              <a:rPr dirty="0"/>
+            </a:br>
+            <a:r>
+              <a:rPr dirty="0">
                 <a:latin typeface="Courier"/>
               </a:rPr>
               <a:t>den </a:t>
             </a:r>
             <a:r>
-              <a:rPr>
+              <a:rPr dirty="0">
                 <a:solidFill>
                   <a:srgbClr val="007020"/>
                 </a:solidFill>
@@ -7357,13 +7821,13 @@
               <a:t>&lt;-</a:t>
             </a:r>
             <a:r>
-              <a:rPr>
-                <a:latin typeface="Courier"/>
-              </a:rPr>
-              <a:t> </a:t>
-            </a:r>
-            <a:r>
-              <a:rPr>
+              <a:rPr dirty="0">
+                <a:latin typeface="Courier"/>
+              </a:rPr>
+              <a:t> </a:t>
+            </a:r>
+            <a:r>
+              <a:rPr dirty="0" err="1">
                 <a:solidFill>
                   <a:srgbClr val="06287E"/>
                 </a:solidFill>
@@ -7372,13 +7836,13 @@
               <a:t>read_csv</a:t>
             </a:r>
             <a:r>
-              <a:rPr>
+              <a:rPr dirty="0">
                 <a:latin typeface="Courier"/>
               </a:rPr>
               <a:t>(</a:t>
             </a:r>
             <a:r>
-              <a:rPr>
+              <a:rPr dirty="0">
                 <a:solidFill>
                   <a:srgbClr val="4070A0"/>
                 </a:solidFill>
@@ -7387,7 +7851,7 @@
               <a:t>"input/den17-no-nordic-letters.csv"</a:t>
             </a:r>
             <a:r>
-              <a:rPr>
+              <a:rPr dirty="0">
                 <a:latin typeface="Courier"/>
               </a:rPr>
               <a:t>)</a:t>
@@ -7398,18 +7862,26 @@
               <a:buNone/>
             </a:pPr>
             <a:r>
-              <a:rPr>
+              <a:rPr dirty="0">
                 <a:latin typeface="Courier"/>
               </a:rPr>
               <a:t>## Rows: 56849 Columns: 17
-## ── Column specification ────────────────────────────────────────────────────────
-## Delimiter: ","
-## chr  (8): name, affiliation, role, tags, sector, type, description, gender
-## dbl  (6): position_id, id, cvr_person, cvr_affiliation, person_id, affiliati...
-## dttm (3): created, archived, last_checked
-## 
-## ℹ Use `spec()` to retrieve the full column specification for this data.
-## ℹ Specify the column types or set `show_col_types = FALSE` to quiet this message.</a:t>
+</a:t>
+            </a:r>
+            <a:r>
+              <a:rPr dirty="0">
+                <a:solidFill>
+                  <a:srgbClr val="06287E"/>
+                </a:solidFill>
+                <a:latin typeface="Courier"/>
+              </a:rPr>
+              <a:t>head</a:t>
+            </a:r>
+            <a:r>
+              <a:rPr dirty="0">
+                <a:latin typeface="Courier"/>
+              </a:rPr>
+              <a:t>(den)</a:t>
             </a:r>
           </a:p>
           <a:p>
@@ -7417,47 +7889,678 @@
               <a:buNone/>
             </a:pPr>
             <a:r>
-              <a:rPr>
-                <a:solidFill>
-                  <a:srgbClr val="06287E"/>
-                </a:solidFill>
-                <a:latin typeface="Courier"/>
-              </a:rPr>
-              <a:t>head</a:t>
-            </a:r>
-            <a:r>
-              <a:rPr>
-                <a:latin typeface="Courier"/>
-              </a:rPr>
-              <a:t>(den)</a:t>
-            </a:r>
-          </a:p>
-          <a:p>
-            <a:pPr lvl="0" indent="0">
-              <a:buNone/>
-            </a:pPr>
-            <a:r>
-              <a:rPr>
-                <a:latin typeface="Courier"/>
-              </a:rPr>
-              <a:t>## # A tibble: 6 × 17
-##   name       affiliation role  tags  position_id     id sector type  description
-##   &lt;chr&gt;      &lt;chr&gt;       &lt;chr&gt; &lt;chr&gt;       &lt;dbl&gt;  &lt;dbl&gt; &lt;chr&gt;  &lt;chr&gt; &lt;chr&gt;      
-## 1 Aage Almt… Middelfart… Memb… Corp…           1  95023 Corpo… &lt;NA&gt;  Automatisk…
-## 2 Aage B. A… Foreningen… Memb… Char…           4  67511 NGO    Orga… Direktoer  
-## 3 Aage Chri… AARHUS SOE… Chai… Foun…           6 100903 Found… &lt;NA&gt;  Automatisk…
-## 4 Aage Dam   Branchefor… Chai… Busi…           8  69156 NGO    Orga… Formand, A…
-## 5 Aage Dam   Dansk Erhv… Memb… Empl…           9  72204 NGO    Stat  Adm. dir. …
-## 6 Aage Fran… Dommere va… Memb… Judg…          15  73158 Parli… &lt;NA&gt;  &lt;NA&gt;       
-## # … with 8 more variables: created &lt;dttm&gt;, archived &lt;dttm&gt;,
-## #   last_checked &lt;dttm&gt;, cvr_person &lt;dbl&gt;, cvr_affiliation &lt;dbl&gt;,
-## #   person_id &lt;dbl&gt;, affiliation_id &lt;dbl&gt;, gender &lt;chr&gt;</a:t>
+              <a:rPr dirty="0">
+                <a:latin typeface="Courier"/>
+              </a:rPr>
+              <a:t>## # A </a:t>
+            </a:r>
+            <a:r>
+              <a:rPr dirty="0" err="1">
+                <a:latin typeface="Courier"/>
+              </a:rPr>
+              <a:t>tibble</a:t>
+            </a:r>
+            <a:r>
+              <a:rPr dirty="0">
+                <a:latin typeface="Courier"/>
+              </a:rPr>
+              <a:t>: 6 × 17
+##   name       affiliation role  tags  </a:t>
+            </a:r>
+            <a:r>
+              <a:rPr dirty="0" err="1">
+                <a:latin typeface="Courier"/>
+              </a:rPr>
+              <a:t>position_id</a:t>
+            </a:r>
+            <a:r>
+              <a:rPr dirty="0">
+                <a:latin typeface="Courier"/>
+              </a:rPr>
+              <a:t>     id sector type  description
+##   &lt;</a:t>
+            </a:r>
+            <a:r>
+              <a:rPr dirty="0" err="1">
+                <a:latin typeface="Courier"/>
+              </a:rPr>
+              <a:t>chr</a:t>
+            </a:r>
+            <a:r>
+              <a:rPr dirty="0">
+                <a:latin typeface="Courier"/>
+              </a:rPr>
+              <a:t>&gt;      &lt;</a:t>
+            </a:r>
+            <a:r>
+              <a:rPr dirty="0" err="1">
+                <a:latin typeface="Courier"/>
+              </a:rPr>
+              <a:t>chr</a:t>
+            </a:r>
+            <a:r>
+              <a:rPr dirty="0">
+                <a:latin typeface="Courier"/>
+              </a:rPr>
+              <a:t>&gt;       &lt;</a:t>
+            </a:r>
+            <a:r>
+              <a:rPr dirty="0" err="1">
+                <a:latin typeface="Courier"/>
+              </a:rPr>
+              <a:t>chr</a:t>
+            </a:r>
+            <a:r>
+              <a:rPr dirty="0">
+                <a:latin typeface="Courier"/>
+              </a:rPr>
+              <a:t>&gt; &lt;</a:t>
+            </a:r>
+            <a:r>
+              <a:rPr dirty="0" err="1">
+                <a:latin typeface="Courier"/>
+              </a:rPr>
+              <a:t>chr</a:t>
+            </a:r>
+            <a:r>
+              <a:rPr dirty="0">
+                <a:latin typeface="Courier"/>
+              </a:rPr>
+              <a:t>&gt;       &lt;</a:t>
+            </a:r>
+            <a:r>
+              <a:rPr dirty="0" err="1">
+                <a:latin typeface="Courier"/>
+              </a:rPr>
+              <a:t>dbl</a:t>
+            </a:r>
+            <a:r>
+              <a:rPr dirty="0">
+                <a:latin typeface="Courier"/>
+              </a:rPr>
+              <a:t>&gt;  &lt;</a:t>
+            </a:r>
+            <a:r>
+              <a:rPr dirty="0" err="1">
+                <a:latin typeface="Courier"/>
+              </a:rPr>
+              <a:t>dbl</a:t>
+            </a:r>
+            <a:r>
+              <a:rPr dirty="0">
+                <a:latin typeface="Courier"/>
+              </a:rPr>
+              <a:t>&gt; &lt;</a:t>
+            </a:r>
+            <a:r>
+              <a:rPr dirty="0" err="1">
+                <a:latin typeface="Courier"/>
+              </a:rPr>
+              <a:t>chr</a:t>
+            </a:r>
+            <a:r>
+              <a:rPr dirty="0">
+                <a:latin typeface="Courier"/>
+              </a:rPr>
+              <a:t>&gt;  &lt;</a:t>
+            </a:r>
+            <a:r>
+              <a:rPr dirty="0" err="1">
+                <a:latin typeface="Courier"/>
+              </a:rPr>
+              <a:t>chr</a:t>
+            </a:r>
+            <a:r>
+              <a:rPr dirty="0">
+                <a:latin typeface="Courier"/>
+              </a:rPr>
+              <a:t>&gt; &lt;</a:t>
+            </a:r>
+            <a:r>
+              <a:rPr dirty="0" err="1">
+                <a:latin typeface="Courier"/>
+              </a:rPr>
+              <a:t>chr</a:t>
+            </a:r>
+            <a:r>
+              <a:rPr dirty="0">
+                <a:latin typeface="Courier"/>
+              </a:rPr>
+              <a:t>&gt;      
+## 1 </a:t>
+            </a:r>
+            <a:r>
+              <a:rPr dirty="0" err="1">
+                <a:latin typeface="Courier"/>
+              </a:rPr>
+              <a:t>Aage</a:t>
+            </a:r>
+            <a:r>
+              <a:rPr dirty="0">
+                <a:latin typeface="Courier"/>
+              </a:rPr>
+              <a:t> </a:t>
+            </a:r>
+            <a:r>
+              <a:rPr dirty="0" err="1">
+                <a:latin typeface="Courier"/>
+              </a:rPr>
+              <a:t>Almt</a:t>
+            </a:r>
+            <a:r>
+              <a:rPr dirty="0">
+                <a:latin typeface="Courier"/>
+              </a:rPr>
+              <a:t>… </a:t>
+            </a:r>
+            <a:r>
+              <a:rPr dirty="0" err="1">
+                <a:latin typeface="Courier"/>
+              </a:rPr>
+              <a:t>Middelfart</a:t>
+            </a:r>
+            <a:r>
+              <a:rPr dirty="0">
+                <a:latin typeface="Courier"/>
+              </a:rPr>
+              <a:t>… </a:t>
+            </a:r>
+            <a:r>
+              <a:rPr dirty="0" err="1">
+                <a:latin typeface="Courier"/>
+              </a:rPr>
+              <a:t>Memb</a:t>
+            </a:r>
+            <a:r>
+              <a:rPr dirty="0">
+                <a:latin typeface="Courier"/>
+              </a:rPr>
+              <a:t>… Corp…           1  95023 </a:t>
+            </a:r>
+            <a:r>
+              <a:rPr dirty="0" err="1">
+                <a:latin typeface="Courier"/>
+              </a:rPr>
+              <a:t>Corpo</a:t>
+            </a:r>
+            <a:r>
+              <a:rPr dirty="0">
+                <a:latin typeface="Courier"/>
+              </a:rPr>
+              <a:t>… &lt;NA&gt;  </a:t>
+            </a:r>
+            <a:r>
+              <a:rPr dirty="0" err="1">
+                <a:latin typeface="Courier"/>
+              </a:rPr>
+              <a:t>Automatisk</a:t>
+            </a:r>
+            <a:r>
+              <a:rPr dirty="0">
+                <a:latin typeface="Courier"/>
+              </a:rPr>
+              <a:t>…
+## 2 </a:t>
+            </a:r>
+            <a:r>
+              <a:rPr dirty="0" err="1">
+                <a:latin typeface="Courier"/>
+              </a:rPr>
+              <a:t>Aage</a:t>
+            </a:r>
+            <a:r>
+              <a:rPr dirty="0">
+                <a:latin typeface="Courier"/>
+              </a:rPr>
+              <a:t> B. A… </a:t>
+            </a:r>
+            <a:r>
+              <a:rPr dirty="0" err="1">
+                <a:latin typeface="Courier"/>
+              </a:rPr>
+              <a:t>Foreningen</a:t>
+            </a:r>
+            <a:r>
+              <a:rPr dirty="0">
+                <a:latin typeface="Courier"/>
+              </a:rPr>
+              <a:t>… </a:t>
+            </a:r>
+            <a:r>
+              <a:rPr dirty="0" err="1">
+                <a:latin typeface="Courier"/>
+              </a:rPr>
+              <a:t>Memb</a:t>
+            </a:r>
+            <a:r>
+              <a:rPr dirty="0">
+                <a:latin typeface="Courier"/>
+              </a:rPr>
+              <a:t>… Char…           4  67511 NGO    </a:t>
+            </a:r>
+            <a:r>
+              <a:rPr dirty="0" err="1">
+                <a:latin typeface="Courier"/>
+              </a:rPr>
+              <a:t>Orga</a:t>
+            </a:r>
+            <a:r>
+              <a:rPr dirty="0">
+                <a:latin typeface="Courier"/>
+              </a:rPr>
+              <a:t>… </a:t>
+            </a:r>
+            <a:r>
+              <a:rPr dirty="0" err="1">
+                <a:latin typeface="Courier"/>
+              </a:rPr>
+              <a:t>Direktoer</a:t>
+            </a:r>
+            <a:r>
+              <a:rPr dirty="0">
+                <a:latin typeface="Courier"/>
+              </a:rPr>
+              <a:t>  
+## 3 </a:t>
+            </a:r>
+            <a:r>
+              <a:rPr dirty="0" err="1">
+                <a:latin typeface="Courier"/>
+              </a:rPr>
+              <a:t>Aage</a:t>
+            </a:r>
+            <a:r>
+              <a:rPr dirty="0">
+                <a:latin typeface="Courier"/>
+              </a:rPr>
+              <a:t> </a:t>
+            </a:r>
+            <a:r>
+              <a:rPr dirty="0" err="1">
+                <a:latin typeface="Courier"/>
+              </a:rPr>
+              <a:t>Chri</a:t>
+            </a:r>
+            <a:r>
+              <a:rPr dirty="0">
+                <a:latin typeface="Courier"/>
+              </a:rPr>
+              <a:t>… AARHUS SOE… Chai… </a:t>
+            </a:r>
+            <a:r>
+              <a:rPr dirty="0" err="1">
+                <a:latin typeface="Courier"/>
+              </a:rPr>
+              <a:t>Foun</a:t>
+            </a:r>
+            <a:r>
+              <a:rPr dirty="0">
+                <a:latin typeface="Courier"/>
+              </a:rPr>
+              <a:t>…           6 100903 Found… &lt;NA&gt;  </a:t>
+            </a:r>
+            <a:r>
+              <a:rPr dirty="0" err="1">
+                <a:latin typeface="Courier"/>
+              </a:rPr>
+              <a:t>Automatisk</a:t>
+            </a:r>
+            <a:r>
+              <a:rPr dirty="0">
+                <a:latin typeface="Courier"/>
+              </a:rPr>
+              <a:t>…
+## 4 </a:t>
+            </a:r>
+            <a:r>
+              <a:rPr dirty="0" err="1">
+                <a:latin typeface="Courier"/>
+              </a:rPr>
+              <a:t>Aage</a:t>
+            </a:r>
+            <a:r>
+              <a:rPr dirty="0">
+                <a:latin typeface="Courier"/>
+              </a:rPr>
+              <a:t> Dam   </a:t>
+            </a:r>
+            <a:r>
+              <a:rPr dirty="0" err="1">
+                <a:latin typeface="Courier"/>
+              </a:rPr>
+              <a:t>Branchefor</a:t>
+            </a:r>
+            <a:r>
+              <a:rPr dirty="0">
+                <a:latin typeface="Courier"/>
+              </a:rPr>
+              <a:t>… Chai… </a:t>
+            </a:r>
+            <a:r>
+              <a:rPr dirty="0" err="1">
+                <a:latin typeface="Courier"/>
+              </a:rPr>
+              <a:t>Busi</a:t>
+            </a:r>
+            <a:r>
+              <a:rPr dirty="0">
+                <a:latin typeface="Courier"/>
+              </a:rPr>
+              <a:t>…           8  69156 NGO    </a:t>
+            </a:r>
+            <a:r>
+              <a:rPr dirty="0" err="1">
+                <a:latin typeface="Courier"/>
+              </a:rPr>
+              <a:t>Orga</a:t>
+            </a:r>
+            <a:r>
+              <a:rPr dirty="0">
+                <a:latin typeface="Courier"/>
+              </a:rPr>
+              <a:t>… </a:t>
+            </a:r>
+            <a:r>
+              <a:rPr dirty="0" err="1">
+                <a:latin typeface="Courier"/>
+              </a:rPr>
+              <a:t>Formand</a:t>
+            </a:r>
+            <a:r>
+              <a:rPr dirty="0">
+                <a:latin typeface="Courier"/>
+              </a:rPr>
+              <a:t>, A…
+## 5 </a:t>
+            </a:r>
+            <a:r>
+              <a:rPr dirty="0" err="1">
+                <a:latin typeface="Courier"/>
+              </a:rPr>
+              <a:t>Aage</a:t>
+            </a:r>
+            <a:r>
+              <a:rPr dirty="0">
+                <a:latin typeface="Courier"/>
+              </a:rPr>
+              <a:t> Dam   Dansk </a:t>
+            </a:r>
+            <a:r>
+              <a:rPr dirty="0" err="1">
+                <a:latin typeface="Courier"/>
+              </a:rPr>
+              <a:t>Erhv</a:t>
+            </a:r>
+            <a:r>
+              <a:rPr dirty="0">
+                <a:latin typeface="Courier"/>
+              </a:rPr>
+              <a:t>… </a:t>
+            </a:r>
+            <a:r>
+              <a:rPr dirty="0" err="1">
+                <a:latin typeface="Courier"/>
+              </a:rPr>
+              <a:t>Memb</a:t>
+            </a:r>
+            <a:r>
+              <a:rPr dirty="0">
+                <a:latin typeface="Courier"/>
+              </a:rPr>
+              <a:t>… </a:t>
+            </a:r>
+            <a:r>
+              <a:rPr dirty="0" err="1">
+                <a:latin typeface="Courier"/>
+              </a:rPr>
+              <a:t>Empl</a:t>
+            </a:r>
+            <a:r>
+              <a:rPr dirty="0">
+                <a:latin typeface="Courier"/>
+              </a:rPr>
+              <a:t>…           9  72204 NGO    Stat  Adm. dir. …
+## 6 </a:t>
+            </a:r>
+            <a:r>
+              <a:rPr dirty="0" err="1">
+                <a:latin typeface="Courier"/>
+              </a:rPr>
+              <a:t>Aage</a:t>
+            </a:r>
+            <a:r>
+              <a:rPr dirty="0">
+                <a:latin typeface="Courier"/>
+              </a:rPr>
+              <a:t> Fran… </a:t>
+            </a:r>
+            <a:r>
+              <a:rPr dirty="0" err="1">
+                <a:latin typeface="Courier"/>
+              </a:rPr>
+              <a:t>Dommere</a:t>
+            </a:r>
+            <a:r>
+              <a:rPr dirty="0">
+                <a:latin typeface="Courier"/>
+              </a:rPr>
+              <a:t> </a:t>
+            </a:r>
+            <a:r>
+              <a:rPr dirty="0" err="1">
+                <a:latin typeface="Courier"/>
+              </a:rPr>
+              <a:t>va</a:t>
+            </a:r>
+            <a:r>
+              <a:rPr dirty="0">
+                <a:latin typeface="Courier"/>
+              </a:rPr>
+              <a:t>… </a:t>
+            </a:r>
+            <a:r>
+              <a:rPr dirty="0" err="1">
+                <a:latin typeface="Courier"/>
+              </a:rPr>
+              <a:t>Memb</a:t>
+            </a:r>
+            <a:r>
+              <a:rPr dirty="0">
+                <a:latin typeface="Courier"/>
+              </a:rPr>
+              <a:t>… </a:t>
+            </a:r>
+            <a:r>
+              <a:rPr dirty="0" err="1">
+                <a:latin typeface="Courier"/>
+              </a:rPr>
+              <a:t>Judg</a:t>
+            </a:r>
+            <a:r>
+              <a:rPr dirty="0">
+                <a:latin typeface="Courier"/>
+              </a:rPr>
+              <a:t>…          15  73158 </a:t>
+            </a:r>
+            <a:r>
+              <a:rPr dirty="0" err="1">
+                <a:latin typeface="Courier"/>
+              </a:rPr>
+              <a:t>Parli</a:t>
+            </a:r>
+            <a:r>
+              <a:rPr dirty="0">
+                <a:latin typeface="Courier"/>
+              </a:rPr>
+              <a:t>… &lt;NA&gt;  &lt;NA&gt;       
+## # … with 8 more variables: created &lt;</a:t>
+            </a:r>
+            <a:r>
+              <a:rPr dirty="0" err="1">
+                <a:latin typeface="Courier"/>
+              </a:rPr>
+              <a:t>dttm</a:t>
+            </a:r>
+            <a:r>
+              <a:rPr dirty="0">
+                <a:latin typeface="Courier"/>
+              </a:rPr>
+              <a:t>&gt;, archived &lt;</a:t>
+            </a:r>
+            <a:r>
+              <a:rPr dirty="0" err="1">
+                <a:latin typeface="Courier"/>
+              </a:rPr>
+              <a:t>dttm</a:t>
+            </a:r>
+            <a:r>
+              <a:rPr dirty="0">
+                <a:latin typeface="Courier"/>
+              </a:rPr>
+              <a:t>&gt;,
+## #   </a:t>
+            </a:r>
+            <a:r>
+              <a:rPr dirty="0" err="1">
+                <a:latin typeface="Courier"/>
+              </a:rPr>
+              <a:t>last_checked</a:t>
+            </a:r>
+            <a:r>
+              <a:rPr dirty="0">
+                <a:latin typeface="Courier"/>
+              </a:rPr>
+              <a:t> &lt;</a:t>
+            </a:r>
+            <a:r>
+              <a:rPr dirty="0" err="1">
+                <a:latin typeface="Courier"/>
+              </a:rPr>
+              <a:t>dttm</a:t>
+            </a:r>
+            <a:r>
+              <a:rPr dirty="0">
+                <a:latin typeface="Courier"/>
+              </a:rPr>
+              <a:t>&gt;, </a:t>
+            </a:r>
+            <a:r>
+              <a:rPr dirty="0" err="1">
+                <a:latin typeface="Courier"/>
+              </a:rPr>
+              <a:t>cvr_person</a:t>
+            </a:r>
+            <a:r>
+              <a:rPr dirty="0">
+                <a:latin typeface="Courier"/>
+              </a:rPr>
+              <a:t> &lt;</a:t>
+            </a:r>
+            <a:r>
+              <a:rPr dirty="0" err="1">
+                <a:latin typeface="Courier"/>
+              </a:rPr>
+              <a:t>dbl</a:t>
+            </a:r>
+            <a:r>
+              <a:rPr dirty="0">
+                <a:latin typeface="Courier"/>
+              </a:rPr>
+              <a:t>&gt;, </a:t>
+            </a:r>
+            <a:r>
+              <a:rPr dirty="0" err="1">
+                <a:latin typeface="Courier"/>
+              </a:rPr>
+              <a:t>cvr_affiliation</a:t>
+            </a:r>
+            <a:r>
+              <a:rPr dirty="0">
+                <a:latin typeface="Courier"/>
+              </a:rPr>
+              <a:t> &lt;</a:t>
+            </a:r>
+            <a:r>
+              <a:rPr dirty="0" err="1">
+                <a:latin typeface="Courier"/>
+              </a:rPr>
+              <a:t>dbl</a:t>
+            </a:r>
+            <a:r>
+              <a:rPr dirty="0">
+                <a:latin typeface="Courier"/>
+              </a:rPr>
+              <a:t>&gt;,
+## #   </a:t>
+            </a:r>
+            <a:r>
+              <a:rPr dirty="0" err="1">
+                <a:latin typeface="Courier"/>
+              </a:rPr>
+              <a:t>person_id</a:t>
+            </a:r>
+            <a:r>
+              <a:rPr dirty="0">
+                <a:latin typeface="Courier"/>
+              </a:rPr>
+              <a:t> &lt;</a:t>
+            </a:r>
+            <a:r>
+              <a:rPr dirty="0" err="1">
+                <a:latin typeface="Courier"/>
+              </a:rPr>
+              <a:t>dbl</a:t>
+            </a:r>
+            <a:r>
+              <a:rPr dirty="0">
+                <a:latin typeface="Courier"/>
+              </a:rPr>
+              <a:t>&gt;, </a:t>
+            </a:r>
+            <a:r>
+              <a:rPr dirty="0" err="1">
+                <a:latin typeface="Courier"/>
+              </a:rPr>
+              <a:t>affiliation_id</a:t>
+            </a:r>
+            <a:r>
+              <a:rPr dirty="0">
+                <a:latin typeface="Courier"/>
+              </a:rPr>
+              <a:t> &lt;</a:t>
+            </a:r>
+            <a:r>
+              <a:rPr dirty="0" err="1">
+                <a:latin typeface="Courier"/>
+              </a:rPr>
+              <a:t>dbl</a:t>
+            </a:r>
+            <a:r>
+              <a:rPr dirty="0">
+                <a:latin typeface="Courier"/>
+              </a:rPr>
+              <a:t>&gt;, gender &lt;</a:t>
+            </a:r>
+            <a:r>
+              <a:rPr dirty="0" err="1">
+                <a:latin typeface="Courier"/>
+              </a:rPr>
+              <a:t>chr</a:t>
+            </a:r>
+            <a:r>
+              <a:rPr dirty="0">
+                <a:latin typeface="Courier"/>
+              </a:rPr>
+              <a:t>&gt;</a:t>
             </a:r>
           </a:p>
         </p:txBody>
       </p:sp>
     </p:spTree>
   </p:cSld>
+  <p:clrMapOvr>
+    <a:masterClrMapping/>
+  </p:clrMapOvr>
 </p:sld>
 </file>
 
@@ -7504,28 +8607,11 @@
           <a:bodyPr/>
           <a:lstStyle/>
           <a:p>
-            <a:pPr lvl="0" marL="0" indent="0">
+            <a:pPr marL="0" lvl="0" indent="0">
               <a:buNone/>
             </a:pPr>
             <a:r>
-              <a:rPr/>
-              <a:t>Data</a:t>
-            </a:r>
-            <a:r>
-              <a:rPr/>
-              <a:t> </a:t>
-            </a:r>
-            <a:r>
-              <a:rPr/>
-              <a:t>bearbejdning</a:t>
-            </a:r>
-            <a:r>
-              <a:rPr/>
-              <a:t> </a:t>
-            </a:r>
-            <a:r>
-              <a:rPr/>
-              <a:t>(data.table)</a:t>
+              <a:t>Data bearbejdning (data.table)</a:t>
             </a:r>
           </a:p>
         </p:txBody>
@@ -7543,29 +8629,60 @@
             <a:spLocks noGrp="1"/>
           </p:cNvSpPr>
           <p:nvPr>
-            <p:ph idx="1" sz="half"/>
+            <p:ph sz="half" idx="1"/>
           </p:nvPr>
         </p:nvSpPr>
         <p:spPr/>
         <p:txBody>
-          <a:bodyPr/>
+          <a:bodyPr>
+            <a:normAutofit fontScale="77500" lnSpcReduction="20000"/>
+          </a:bodyPr>
           <a:lstStyle/>
           <a:p>
             <a:pPr lvl="0" indent="0">
               <a:buNone/>
             </a:pPr>
             <a:r>
-              <a:rPr i="1">
-                <a:solidFill>
-                  <a:srgbClr val="60A0B0"/>
-                </a:solidFill>
-                <a:latin typeface="Courier"/>
-              </a:rPr>
-              <a:t>#data.table select funktion</a:t>
-            </a:r>
-            <a:br/>
-            <a:r>
-              <a:rPr>
+              <a:rPr sz="2200" i="1" dirty="0">
+                <a:solidFill>
+                  <a:srgbClr val="60A0B0"/>
+                </a:solidFill>
+                <a:latin typeface="Courier"/>
+              </a:rPr>
+              <a:t>#</a:t>
+            </a:r>
+            <a:r>
+              <a:rPr sz="2200" i="1" dirty="0" err="1">
+                <a:solidFill>
+                  <a:srgbClr val="60A0B0"/>
+                </a:solidFill>
+                <a:latin typeface="Courier"/>
+              </a:rPr>
+              <a:t>data.table</a:t>
+            </a:r>
+            <a:r>
+              <a:rPr sz="2200" i="1" dirty="0">
+                <a:solidFill>
+                  <a:srgbClr val="60A0B0"/>
+                </a:solidFill>
+                <a:latin typeface="Courier"/>
+              </a:rPr>
+              <a:t> select </a:t>
+            </a:r>
+            <a:r>
+              <a:rPr sz="2200" i="1" dirty="0" err="1">
+                <a:solidFill>
+                  <a:srgbClr val="60A0B0"/>
+                </a:solidFill>
+                <a:latin typeface="Courier"/>
+              </a:rPr>
+              <a:t>funktion</a:t>
+            </a:r>
+            <a:br>
+              <a:rPr sz="2200" dirty="0"/>
+            </a:br>
+            <a:r>
+              <a:rPr sz="2200" dirty="0">
                 <a:latin typeface="Courier"/>
               </a:rPr>
               <a:t>den[,.(name, gender)]</a:t>
@@ -7576,21 +8693,153 @@
               <a:buNone/>
             </a:pPr>
             <a:r>
-              <a:rPr>
+              <a:rPr dirty="0">
                 <a:latin typeface="Courier"/>
               </a:rPr>
               <a:t>##                               name gender
-##     1:                Aage Almtoft    Men
-##     2:            Aage B. Andersen    Men
-##     3:            Aage Christensen    Men
-##     4:                    Aage Dam    Men
-##     5:                    Aage Dam    Men
+##     1:                </a:t>
+            </a:r>
+            <a:r>
+              <a:rPr dirty="0" err="1">
+                <a:latin typeface="Courier"/>
+              </a:rPr>
+              <a:t>Aage</a:t>
+            </a:r>
+            <a:r>
+              <a:rPr dirty="0">
+                <a:latin typeface="Courier"/>
+              </a:rPr>
+              <a:t> </a:t>
+            </a:r>
+            <a:r>
+              <a:rPr dirty="0" err="1">
+                <a:latin typeface="Courier"/>
+              </a:rPr>
+              <a:t>Almtoft</a:t>
+            </a:r>
+            <a:r>
+              <a:rPr dirty="0">
+                <a:latin typeface="Courier"/>
+              </a:rPr>
+              <a:t>    Men
+##     2:            </a:t>
+            </a:r>
+            <a:r>
+              <a:rPr dirty="0" err="1">
+                <a:latin typeface="Courier"/>
+              </a:rPr>
+              <a:t>Aage</a:t>
+            </a:r>
+            <a:r>
+              <a:rPr dirty="0">
+                <a:latin typeface="Courier"/>
+              </a:rPr>
+              <a:t> B. Andersen    Men
+##     3:            </a:t>
+            </a:r>
+            <a:r>
+              <a:rPr dirty="0" err="1">
+                <a:latin typeface="Courier"/>
+              </a:rPr>
+              <a:t>Aage</a:t>
+            </a:r>
+            <a:r>
+              <a:rPr dirty="0">
+                <a:latin typeface="Courier"/>
+              </a:rPr>
+              <a:t> Christensen    Men
+##     4:                    </a:t>
+            </a:r>
+            <a:r>
+              <a:rPr dirty="0" err="1">
+                <a:latin typeface="Courier"/>
+              </a:rPr>
+              <a:t>Aage</a:t>
+            </a:r>
+            <a:r>
+              <a:rPr dirty="0">
+                <a:latin typeface="Courier"/>
+              </a:rPr>
+              <a:t> Dam    Men
+##     5:                    </a:t>
+            </a:r>
+            <a:r>
+              <a:rPr dirty="0" err="1">
+                <a:latin typeface="Courier"/>
+              </a:rPr>
+              <a:t>Aage</a:t>
+            </a:r>
+            <a:r>
+              <a:rPr dirty="0">
+                <a:latin typeface="Courier"/>
+              </a:rPr>
+              <a:t> Dam    Men
 ##    ---                                   
-## 56845: Jacob Aarup-Andersen 195767    Men
-## 56846:       Carsten Rasch Egeriis    Men
-## 56847:             Marina Loenning  Women
-## 56848:       Jaap-Jan Linze Postma       
-## 56849:    Andreas Albert Pfisterer    Men</a:t>
+## 56845: Jacob </a:t>
+            </a:r>
+            <a:r>
+              <a:rPr dirty="0" err="1">
+                <a:latin typeface="Courier"/>
+              </a:rPr>
+              <a:t>Aarup</a:t>
+            </a:r>
+            <a:r>
+              <a:rPr dirty="0">
+                <a:latin typeface="Courier"/>
+              </a:rPr>
+              <a:t>-Andersen 195767    Men
+## 56846:       Carsten Rasch </a:t>
+            </a:r>
+            <a:r>
+              <a:rPr dirty="0" err="1">
+                <a:latin typeface="Courier"/>
+              </a:rPr>
+              <a:t>Egeriis</a:t>
+            </a:r>
+            <a:r>
+              <a:rPr dirty="0">
+                <a:latin typeface="Courier"/>
+              </a:rPr>
+              <a:t>    Men
+## 56847:             Marina </a:t>
+            </a:r>
+            <a:r>
+              <a:rPr dirty="0" err="1">
+                <a:latin typeface="Courier"/>
+              </a:rPr>
+              <a:t>Loenning</a:t>
+            </a:r>
+            <a:r>
+              <a:rPr dirty="0">
+                <a:latin typeface="Courier"/>
+              </a:rPr>
+              <a:t>  Women
+## 56848:       Jaap-Jan </a:t>
+            </a:r>
+            <a:r>
+              <a:rPr dirty="0" err="1">
+                <a:latin typeface="Courier"/>
+              </a:rPr>
+              <a:t>Linze</a:t>
+            </a:r>
+            <a:r>
+              <a:rPr dirty="0">
+                <a:latin typeface="Courier"/>
+              </a:rPr>
+              <a:t> Postma       
+## 56849:    Andreas Albert </a:t>
+            </a:r>
+            <a:r>
+              <a:rPr dirty="0" err="1">
+                <a:latin typeface="Courier"/>
+              </a:rPr>
+              <a:t>Pfisterer</a:t>
+            </a:r>
+            <a:r>
+              <a:rPr dirty="0">
+                <a:latin typeface="Courier"/>
+              </a:rPr>
+              <a:t>    Men</a:t>
             </a:r>
           </a:p>
         </p:txBody>
@@ -7608,29 +8857,60 @@
             <a:spLocks noGrp="1"/>
           </p:cNvSpPr>
           <p:nvPr>
-            <p:ph idx="2" sz="half"/>
+            <p:ph sz="half" idx="2"/>
           </p:nvPr>
         </p:nvSpPr>
         <p:spPr/>
         <p:txBody>
-          <a:bodyPr/>
+          <a:bodyPr>
+            <a:normAutofit fontScale="92500" lnSpcReduction="20000"/>
+          </a:bodyPr>
           <a:lstStyle/>
           <a:p>
             <a:pPr lvl="0" indent="0">
               <a:buNone/>
             </a:pPr>
             <a:r>
-              <a:rPr i="1">
-                <a:solidFill>
-                  <a:srgbClr val="60A0B0"/>
-                </a:solidFill>
-                <a:latin typeface="Courier"/>
-              </a:rPr>
-              <a:t>#data.table count funktion</a:t>
-            </a:r>
-            <a:br/>
-            <a:r>
-              <a:rPr>
+              <a:rPr i="1" dirty="0">
+                <a:solidFill>
+                  <a:srgbClr val="60A0B0"/>
+                </a:solidFill>
+                <a:latin typeface="Courier"/>
+              </a:rPr>
+              <a:t>#</a:t>
+            </a:r>
+            <a:r>
+              <a:rPr i="1" dirty="0" err="1">
+                <a:solidFill>
+                  <a:srgbClr val="60A0B0"/>
+                </a:solidFill>
+                <a:latin typeface="Courier"/>
+              </a:rPr>
+              <a:t>data.table</a:t>
+            </a:r>
+            <a:r>
+              <a:rPr i="1" dirty="0">
+                <a:solidFill>
+                  <a:srgbClr val="60A0B0"/>
+                </a:solidFill>
+                <a:latin typeface="Courier"/>
+              </a:rPr>
+              <a:t> count </a:t>
+            </a:r>
+            <a:r>
+              <a:rPr i="1" dirty="0" err="1">
+                <a:solidFill>
+                  <a:srgbClr val="60A0B0"/>
+                </a:solidFill>
+                <a:latin typeface="Courier"/>
+              </a:rPr>
+              <a:t>funktion</a:t>
+            </a:r>
+            <a:br>
+              <a:rPr dirty="0"/>
+            </a:br>
+            <a:r>
+              <a:rPr dirty="0">
                 <a:latin typeface="Courier"/>
               </a:rPr>
               <a:t>den[, .N, .(sector)]</a:t>
@@ -7641,7 +8921,7 @@
               <a:buNone/>
             </a:pPr>
             <a:r>
-              <a:rPr>
+              <a:rPr dirty="0">
                 <a:latin typeface="Courier"/>
               </a:rPr>
               <a:t>##           sector     N
@@ -7653,10 +8933,34 @@
 ##  6:        State 13601
 ##  7:       Events  1948
 ##  8:               2349
-##  9:  VL_networks  3803
+##  9:  </a:t>
+            </a:r>
+            <a:r>
+              <a:rPr dirty="0" err="1">
+                <a:latin typeface="Courier"/>
+              </a:rPr>
+              <a:t>VL_networks</a:t>
+            </a:r>
+            <a:r>
+              <a:rPr dirty="0">
+                <a:latin typeface="Courier"/>
+              </a:rPr>
+              <a:t>  3803
 ## 10:    Municipal   320
 ## 11:     Politics    37
-## 12: Organisation     6
+## 12: </a:t>
+            </a:r>
+            <a:r>
+              <a:rPr dirty="0" err="1">
+                <a:latin typeface="Courier"/>
+              </a:rPr>
+              <a:t>Organisation</a:t>
+            </a:r>
+            <a:r>
+              <a:rPr dirty="0">
+                <a:latin typeface="Courier"/>
+              </a:rPr>
+              <a:t>     6
 ## 13:  Commissions   795</a:t>
             </a:r>
           </a:p>
@@ -7664,6 +8968,9 @@
       </p:sp>
     </p:spTree>
   </p:cSld>
+  <p:clrMapOvr>
+    <a:masterClrMapping/>
+  </p:clrMapOvr>
 </p:sld>
 </file>
 
